--- a/Leçon chimie/LC 7/LC 7- Cinétique et Catalyse (Lycée).pptx
+++ b/Leçon chimie/LC 7/LC 7- Cinétique et Catalyse (Lycée).pptx
@@ -5,7 +5,7 @@
     <p:sldMasterId id="2147483659" r:id="rId1"/>
   </p:sldMasterIdLst>
   <p:notesMasterIdLst>
-    <p:notesMasterId r:id="rId12"/>
+    <p:notesMasterId r:id="rId13"/>
   </p:notesMasterIdLst>
   <p:sldIdLst>
     <p:sldId id="256" r:id="rId2"/>
@@ -14,10 +14,11 @@
     <p:sldId id="270" r:id="rId5"/>
     <p:sldId id="263" r:id="rId6"/>
     <p:sldId id="266" r:id="rId7"/>
-    <p:sldId id="271" r:id="rId8"/>
-    <p:sldId id="265" r:id="rId9"/>
-    <p:sldId id="272" r:id="rId10"/>
-    <p:sldId id="273" r:id="rId11"/>
+    <p:sldId id="274" r:id="rId8"/>
+    <p:sldId id="271" r:id="rId9"/>
+    <p:sldId id="265" r:id="rId10"/>
+    <p:sldId id="272" r:id="rId11"/>
+    <p:sldId id="273" r:id="rId12"/>
   </p:sldIdLst>
   <p:sldSz cx="9144000" cy="5143500" type="screen16x9"/>
   <p:notesSz cx="6858000" cy="9144000"/>
@@ -252,7 +253,7 @@
   </p:defaultTextStyle>
   <p:extLst>
     <p:ext uri="{EFAFB233-063F-42B5-8137-9DF3F51BA10A}">
-      <p15:sldGuideLst xmlns="" xmlns:mc="http://schemas.openxmlformats.org/markup-compatibility/2006" xmlns:mv="urn:schemas-microsoft-com:mac:vml" xmlns:c="http://schemas.openxmlformats.org/drawingml/2006/chart" xmlns:dgm="http://schemas.openxmlformats.org/drawingml/2006/diagram" xmlns:o="urn:schemas-microsoft-com:office:office" xmlns:v="urn:schemas-microsoft-com:vml" xmlns:pvml="urn:schemas-microsoft-com:office:powerpoint" xmlns:com="http://schemas.openxmlformats.org/drawingml/2006/compatibility" xmlns:p14="http://schemas.microsoft.com/office/powerpoint/2010/main" xmlns:p15="http://schemas.microsoft.com/office/powerpoint/2012/main">
+      <p15:sldGuideLst xmlns:p15="http://schemas.microsoft.com/office/powerpoint/2012/main" xmlns:p14="http://schemas.microsoft.com/office/powerpoint/2010/main" xmlns:com="http://schemas.openxmlformats.org/drawingml/2006/compatibility" xmlns:pvml="urn:schemas-microsoft-com:office:powerpoint" xmlns:v="urn:schemas-microsoft-com:vml" xmlns:o="urn:schemas-microsoft-com:office:office" xmlns:dgm="http://schemas.openxmlformats.org/drawingml/2006/diagram" xmlns:c="http://schemas.openxmlformats.org/drawingml/2006/chart" xmlns:mv="urn:schemas-microsoft-com:mac:vml" xmlns:mc="http://schemas.openxmlformats.org/markup-compatibility/2006" xmlns="">
         <p15:guide id="1" orient="horz" pos="1620">
           <p15:clr>
             <a:srgbClr val="A4A3A4"/>
@@ -1093,6 +1094,72 @@
 </p:notes>
 </file>
 
+<file path=ppt/notesSlides/notesSlide5.xml><?xml version="1.0" encoding="utf-8"?>
+<p:notes xmlns:a="http://schemas.openxmlformats.org/drawingml/2006/main" xmlns:r="http://schemas.openxmlformats.org/officeDocument/2006/relationships" xmlns:p="http://schemas.openxmlformats.org/presentationml/2006/main">
+  <p:cSld>
+    <p:spTree>
+      <p:nvGrpSpPr>
+        <p:cNvPr id="1" name=""/>
+        <p:cNvGrpSpPr/>
+        <p:nvPr/>
+      </p:nvGrpSpPr>
+      <p:grpSpPr>
+        <a:xfrm>
+          <a:off x="0" y="0"/>
+          <a:ext cx="0" cy="0"/>
+          <a:chOff x="0" y="0"/>
+          <a:chExt cx="0" cy="0"/>
+        </a:xfrm>
+      </p:grpSpPr>
+      <p:sp>
+        <p:nvSpPr>
+          <p:cNvPr id="2" name="Espace réservé de l'image des diapositives 1"/>
+          <p:cNvSpPr>
+            <a:spLocks noGrp="1" noRot="1" noChangeAspect="1"/>
+          </p:cNvSpPr>
+          <p:nvPr>
+            <p:ph type="sldImg"/>
+          </p:nvPr>
+        </p:nvSpPr>
+        <p:spPr>
+          <a:xfrm>
+            <a:off x="381000" y="685800"/>
+            <a:ext cx="6096000" cy="3429000"/>
+          </a:xfrm>
+        </p:spPr>
+      </p:sp>
+      <p:sp>
+        <p:nvSpPr>
+          <p:cNvPr id="3" name="Espace réservé des commentaires 2"/>
+          <p:cNvSpPr>
+            <a:spLocks noGrp="1"/>
+          </p:cNvSpPr>
+          <p:nvPr>
+            <p:ph type="body" idx="1"/>
+          </p:nvPr>
+        </p:nvSpPr>
+        <p:spPr/>
+        <p:txBody>
+          <a:bodyPr/>
+          <a:lstStyle/>
+          <a:p>
+            <a:endParaRPr lang="fr-FR" dirty="0"/>
+          </a:p>
+        </p:txBody>
+      </p:sp>
+    </p:spTree>
+    <p:extLst>
+      <p:ext uri="{BB962C8B-B14F-4D97-AF65-F5344CB8AC3E}">
+        <p14:creationId xmlns:p14="http://schemas.microsoft.com/office/powerpoint/2010/main" val="2527716273"/>
+      </p:ext>
+    </p:extLst>
+  </p:cSld>
+  <p:clrMapOvr>
+    <a:masterClrMapping/>
+  </p:clrMapOvr>
+</p:notes>
+</file>
+
 <file path=ppt/slideLayouts/slideLayout1.xml><?xml version="1.0" encoding="utf-8"?>
 <p:sldLayout xmlns:a="http://schemas.openxmlformats.org/drawingml/2006/main" xmlns:r="http://schemas.openxmlformats.org/officeDocument/2006/relationships" xmlns:p="http://schemas.openxmlformats.org/presentationml/2006/main" matchingName="Title slide" type="title">
   <p:cSld name="TITLE">
@@ -1994,7 +2061,7 @@
           <p:cNvPr id="7" name="Connecteur droit 6">
             <a:extLst>
               <a:ext uri="{FF2B5EF4-FFF2-40B4-BE49-F238E27FC236}">
-                <a16:creationId xmlns:a16="http://schemas.microsoft.com/office/drawing/2014/main" xmlns="" id="{C9E5BD84-DC66-4CA9-B14F-F778A3BA3AF2}"/>
+                <a16:creationId xmlns="" xmlns:a16="http://schemas.microsoft.com/office/drawing/2014/main" id="{C9E5BD84-DC66-4CA9-B14F-F778A3BA3AF2}"/>
               </a:ext>
             </a:extLst>
           </p:cNvPr>
@@ -2038,7 +2105,7 @@
           <p:cNvPr id="11" name="ZoneTexte 10">
             <a:extLst>
               <a:ext uri="{FF2B5EF4-FFF2-40B4-BE49-F238E27FC236}">
-                <a16:creationId xmlns:a16="http://schemas.microsoft.com/office/drawing/2014/main" xmlns="" id="{893E4BC1-6F4E-4747-84E8-D99E0587545F}"/>
+                <a16:creationId xmlns="" xmlns:a16="http://schemas.microsoft.com/office/drawing/2014/main" id="{893E4BC1-6F4E-4747-84E8-D99E0587545F}"/>
               </a:ext>
             </a:extLst>
           </p:cNvPr>
@@ -2154,7 +2221,7 @@
           <p:cNvPr id="7" name="Connecteur droit 6">
             <a:extLst>
               <a:ext uri="{FF2B5EF4-FFF2-40B4-BE49-F238E27FC236}">
-                <a16:creationId xmlns:a16="http://schemas.microsoft.com/office/drawing/2014/main" xmlns="" id="{C9E5BD84-DC66-4CA9-B14F-F778A3BA3AF2}"/>
+                <a16:creationId xmlns="" xmlns:a16="http://schemas.microsoft.com/office/drawing/2014/main" id="{C9E5BD84-DC66-4CA9-B14F-F778A3BA3AF2}"/>
               </a:ext>
             </a:extLst>
           </p:cNvPr>
@@ -2198,7 +2265,7 @@
           <p:cNvPr id="11" name="ZoneTexte 10">
             <a:extLst>
               <a:ext uri="{FF2B5EF4-FFF2-40B4-BE49-F238E27FC236}">
-                <a16:creationId xmlns:a16="http://schemas.microsoft.com/office/drawing/2014/main" xmlns="" id="{893E4BC1-6F4E-4747-84E8-D99E0587545F}"/>
+                <a16:creationId xmlns="" xmlns:a16="http://schemas.microsoft.com/office/drawing/2014/main" id="{893E4BC1-6F4E-4747-84E8-D99E0587545F}"/>
               </a:ext>
             </a:extLst>
           </p:cNvPr>
@@ -6345,7 +6412,7 @@
           <p:cNvPr id="2" name="Espace réservé du numéro de diapositive 1">
             <a:extLst>
               <a:ext uri="{FF2B5EF4-FFF2-40B4-BE49-F238E27FC236}">
-                <a16:creationId xmlns:a16="http://schemas.microsoft.com/office/drawing/2014/main" xmlns="" id="{10B406AA-0058-4DB3-9A3B-6F84125528D6}"/>
+                <a16:creationId xmlns="" xmlns:a16="http://schemas.microsoft.com/office/drawing/2014/main" id="{9AF0B983-9AE3-47FA-949E-54D187B28910}"/>
               </a:ext>
             </a:extLst>
           </p:cNvPr>
@@ -6375,7 +6442,7 @@
           <p:cNvPr id="3" name="Titre 2">
             <a:extLst>
               <a:ext uri="{FF2B5EF4-FFF2-40B4-BE49-F238E27FC236}">
-                <a16:creationId xmlns:a16="http://schemas.microsoft.com/office/drawing/2014/main" xmlns="" id="{DEC6F515-7D8B-4B8F-A9C4-D7E5CE4476AA}"/>
+                <a16:creationId xmlns="" xmlns:a16="http://schemas.microsoft.com/office/drawing/2014/main" id="{29A45A22-E167-48E3-9F7D-AF85BDAEF368}"/>
               </a:ext>
             </a:extLst>
           </p:cNvPr>
@@ -6388,6 +6455,844 @@
         </p:nvSpPr>
         <p:spPr>
           <a:xfrm>
+            <a:off x="652166" y="132893"/>
+            <a:ext cx="7543800" cy="694283"/>
+          </a:xfrm>
+        </p:spPr>
+        <p:txBody>
+          <a:bodyPr/>
+          <a:lstStyle/>
+          <a:p>
+            <a:r>
+              <a:rPr lang="fr-FR" b="1" dirty="0">
+                <a:solidFill>
+                  <a:srgbClr val="DD7E6B"/>
+                </a:solidFill>
+              </a:rPr>
+              <a:t>Pots</a:t>
+            </a:r>
+            <a:r>
+              <a:rPr lang="fr-FR" dirty="0"/>
+              <a:t> </a:t>
+            </a:r>
+            <a:r>
+              <a:rPr lang="fr-FR" b="1" dirty="0">
+                <a:solidFill>
+                  <a:srgbClr val="DD7E6B"/>
+                </a:solidFill>
+              </a:rPr>
+              <a:t>catalytique</a:t>
+            </a:r>
+          </a:p>
+        </p:txBody>
+      </p:sp>
+      <p:grpSp>
+        <p:nvGrpSpPr>
+          <p:cNvPr id="17" name="Groupe 16">
+            <a:extLst>
+              <a:ext uri="{FF2B5EF4-FFF2-40B4-BE49-F238E27FC236}">
+                <a16:creationId xmlns="" xmlns:a16="http://schemas.microsoft.com/office/drawing/2014/main" id="{7A7249D4-4C71-4C39-98EC-36A1B55F3787}"/>
+              </a:ext>
+            </a:extLst>
+          </p:cNvPr>
+          <p:cNvGrpSpPr/>
+          <p:nvPr/>
+        </p:nvGrpSpPr>
+        <p:grpSpPr>
+          <a:xfrm>
+            <a:off x="5057074" y="838617"/>
+            <a:ext cx="3937950" cy="3858429"/>
+            <a:chOff x="5057074" y="838876"/>
+            <a:chExt cx="3937950" cy="3859620"/>
+          </a:xfrm>
+        </p:grpSpPr>
+        <p:pic>
+          <p:nvPicPr>
+            <p:cNvPr id="5" name="Image 4">
+              <a:extLst>
+                <a:ext uri="{FF2B5EF4-FFF2-40B4-BE49-F238E27FC236}">
+                  <a16:creationId xmlns="" xmlns:a16="http://schemas.microsoft.com/office/drawing/2014/main" id="{5649301B-EAD4-4B1F-8751-2477136C458A}"/>
+                </a:ext>
+              </a:extLst>
+            </p:cNvPr>
+            <p:cNvPicPr>
+              <a:picLocks noChangeAspect="1"/>
+            </p:cNvPicPr>
+            <p:nvPr/>
+          </p:nvPicPr>
+          <p:blipFill>
+            <a:blip r:embed="rId2">
+              <a:extLst>
+                <a:ext uri="{28A0092B-C50C-407E-A947-70E740481C1C}">
+                  <a14:useLocalDpi xmlns:a14="http://schemas.microsoft.com/office/drawing/2010/main" val="0"/>
+                </a:ext>
+              </a:extLst>
+            </a:blip>
+            <a:stretch>
+              <a:fillRect/>
+            </a:stretch>
+          </p:blipFill>
+          <p:spPr>
+            <a:xfrm>
+              <a:off x="5057074" y="838876"/>
+              <a:ext cx="3859620" cy="3859620"/>
+            </a:xfrm>
+            <a:prstGeom prst="rect">
+              <a:avLst/>
+            </a:prstGeom>
+          </p:spPr>
+        </p:pic>
+        <p:cxnSp>
+          <p:nvCxnSpPr>
+            <p:cNvPr id="7" name="Connecteur droit avec flèche 6">
+              <a:extLst>
+                <a:ext uri="{FF2B5EF4-FFF2-40B4-BE49-F238E27FC236}">
+                  <a16:creationId xmlns="" xmlns:a16="http://schemas.microsoft.com/office/drawing/2014/main" id="{4A6435DD-FEDB-4C9E-A19F-82F7A233501E}"/>
+                </a:ext>
+              </a:extLst>
+            </p:cNvPr>
+            <p:cNvCxnSpPr>
+              <a:cxnSpLocks/>
+            </p:cNvCxnSpPr>
+            <p:nvPr/>
+          </p:nvCxnSpPr>
+          <p:spPr>
+            <a:xfrm flipH="1">
+              <a:off x="7227143" y="1678568"/>
+              <a:ext cx="974377" cy="1669254"/>
+            </a:xfrm>
+            <a:prstGeom prst="straightConnector1">
+              <a:avLst/>
+            </a:prstGeom>
+            <a:ln w="19050">
+              <a:solidFill>
+                <a:srgbClr val="D26958"/>
+              </a:solidFill>
+              <a:tailEnd type="triangle"/>
+            </a:ln>
+          </p:spPr>
+          <p:style>
+            <a:lnRef idx="1">
+              <a:schemeClr val="accent2"/>
+            </a:lnRef>
+            <a:fillRef idx="0">
+              <a:schemeClr val="accent2"/>
+            </a:fillRef>
+            <a:effectRef idx="0">
+              <a:schemeClr val="accent2"/>
+            </a:effectRef>
+            <a:fontRef idx="minor">
+              <a:schemeClr val="tx1"/>
+            </a:fontRef>
+          </p:style>
+        </p:cxnSp>
+        <p:sp>
+          <p:nvSpPr>
+            <p:cNvPr id="14" name="ZoneTexte 13">
+              <a:extLst>
+                <a:ext uri="{FF2B5EF4-FFF2-40B4-BE49-F238E27FC236}">
+                  <a16:creationId xmlns="" xmlns:a16="http://schemas.microsoft.com/office/drawing/2014/main" id="{54C45364-9984-472B-8F33-D5A41EE9808E}"/>
+                </a:ext>
+              </a:extLst>
+            </p:cNvPr>
+            <p:cNvSpPr txBox="1"/>
+            <p:nvPr/>
+          </p:nvSpPr>
+          <p:spPr>
+            <a:xfrm>
+              <a:off x="7442671" y="1117106"/>
+              <a:ext cx="1552353" cy="523382"/>
+            </a:xfrm>
+            <a:prstGeom prst="rect">
+              <a:avLst/>
+            </a:prstGeom>
+            <a:noFill/>
+            <a:ln>
+              <a:noFill/>
+            </a:ln>
+          </p:spPr>
+          <p:style>
+            <a:lnRef idx="2">
+              <a:schemeClr val="accent2"/>
+            </a:lnRef>
+            <a:fillRef idx="1">
+              <a:schemeClr val="lt1"/>
+            </a:fillRef>
+            <a:effectRef idx="0">
+              <a:schemeClr val="accent2"/>
+            </a:effectRef>
+            <a:fontRef idx="minor">
+              <a:schemeClr val="dk1"/>
+            </a:fontRef>
+          </p:style>
+          <p:txBody>
+            <a:bodyPr wrap="square" rtlCol="0">
+              <a:spAutoFit/>
+            </a:bodyPr>
+            <a:lstStyle/>
+            <a:p>
+              <a:r>
+                <a:rPr lang="fr-FR" dirty="0">
+                  <a:solidFill>
+                    <a:srgbClr val="000000"/>
+                  </a:solidFill>
+                </a:rPr>
+                <a:t>Structure en nid d’abeille</a:t>
+              </a:r>
+            </a:p>
+          </p:txBody>
+        </p:sp>
+      </p:grpSp>
+      <p:grpSp>
+        <p:nvGrpSpPr>
+          <p:cNvPr id="25" name="Groupe 24">
+            <a:extLst>
+              <a:ext uri="{FF2B5EF4-FFF2-40B4-BE49-F238E27FC236}">
+                <a16:creationId xmlns="" xmlns:a16="http://schemas.microsoft.com/office/drawing/2014/main" id="{30527AB2-E30B-4818-ABBC-0E6F4E9BA444}"/>
+              </a:ext>
+            </a:extLst>
+          </p:cNvPr>
+          <p:cNvGrpSpPr/>
+          <p:nvPr/>
+        </p:nvGrpSpPr>
+        <p:grpSpPr>
+          <a:xfrm>
+            <a:off x="-1674" y="1592551"/>
+            <a:ext cx="4891054" cy="755613"/>
+            <a:chOff x="-13319" y="1170151"/>
+            <a:chExt cx="4891054" cy="755847"/>
+          </a:xfrm>
+        </p:grpSpPr>
+        <p:sp>
+          <p:nvSpPr>
+            <p:cNvPr id="15" name="Rectangle 14">
+              <a:extLst>
+                <a:ext uri="{FF2B5EF4-FFF2-40B4-BE49-F238E27FC236}">
+                  <a16:creationId xmlns="" xmlns:a16="http://schemas.microsoft.com/office/drawing/2014/main" id="{E6654DA0-EB08-4844-909B-3A2202B3D38A}"/>
+                </a:ext>
+              </a:extLst>
+            </p:cNvPr>
+            <p:cNvSpPr/>
+            <p:nvPr/>
+          </p:nvSpPr>
+          <p:spPr>
+            <a:xfrm>
+              <a:off x="-13319" y="1252496"/>
+              <a:ext cx="2182362" cy="320443"/>
+            </a:xfrm>
+            <a:prstGeom prst="rect">
+              <a:avLst/>
+            </a:prstGeom>
+          </p:spPr>
+          <p:txBody>
+            <a:bodyPr wrap="square">
+              <a:spAutoFit/>
+            </a:bodyPr>
+            <a:lstStyle/>
+            <a:p>
+              <a:pPr marL="285750" lvl="0" indent="-285750">
+                <a:lnSpc>
+                  <a:spcPct val="107000"/>
+                </a:lnSpc>
+                <a:spcAft>
+                  <a:spcPts val="0"/>
+                </a:spcAft>
+                <a:buFont typeface="Wingdings" panose="05000000000000000000" pitchFamily="2" charset="2"/>
+                <a:buChar char="v"/>
+              </a:pPr>
+              <a:r>
+                <a:rPr lang="fr-FR" dirty="0">
+                  <a:solidFill>
+                    <a:srgbClr val="000000"/>
+                  </a:solidFill>
+                  <a:latin typeface="Calibri" panose="020F0502020204030204" pitchFamily="34" charset="0"/>
+                  <a:ea typeface="Calibri" panose="020F0502020204030204" pitchFamily="34" charset="0"/>
+                  <a:cs typeface="Times New Roman" panose="02020603050405020304" pitchFamily="18" charset="0"/>
+                </a:rPr>
+                <a:t>2 NO(g) + 2CO(g)  </a:t>
+              </a:r>
+              <a:endParaRPr lang="fr-FR" sz="1600" dirty="0">
+                <a:effectLst/>
+                <a:latin typeface="Calibri" panose="020F0502020204030204" pitchFamily="34" charset="0"/>
+                <a:ea typeface="Calibri" panose="020F0502020204030204" pitchFamily="34" charset="0"/>
+                <a:cs typeface="Times New Roman" panose="02020603050405020304" pitchFamily="18" charset="0"/>
+              </a:endParaRPr>
+            </a:p>
+          </p:txBody>
+        </p:sp>
+        <p:grpSp>
+          <p:nvGrpSpPr>
+            <p:cNvPr id="22" name="Groupe 21">
+              <a:extLst>
+                <a:ext uri="{FF2B5EF4-FFF2-40B4-BE49-F238E27FC236}">
+                  <a16:creationId xmlns="" xmlns:a16="http://schemas.microsoft.com/office/drawing/2014/main" id="{6778E23A-9AC6-4309-A674-EA173EAAD4EE}"/>
+                </a:ext>
+              </a:extLst>
+            </p:cNvPr>
+            <p:cNvGrpSpPr/>
+            <p:nvPr/>
+          </p:nvGrpSpPr>
+          <p:grpSpPr>
+            <a:xfrm>
+              <a:off x="1913860" y="1170151"/>
+              <a:ext cx="1169581" cy="755847"/>
+              <a:chOff x="1913860" y="1170151"/>
+              <a:chExt cx="1169581" cy="755847"/>
+            </a:xfrm>
+          </p:grpSpPr>
+          <p:cxnSp>
+            <p:nvCxnSpPr>
+              <p:cNvPr id="19" name="Connecteur droit avec flèche 18">
+                <a:extLst>
+                  <a:ext uri="{FF2B5EF4-FFF2-40B4-BE49-F238E27FC236}">
+                    <a16:creationId xmlns="" xmlns:a16="http://schemas.microsoft.com/office/drawing/2014/main" id="{C8958E92-FBF0-428F-BA35-CC96DA09F3A9}"/>
+                  </a:ext>
+                </a:extLst>
+              </p:cNvPr>
+              <p:cNvCxnSpPr/>
+              <p:nvPr/>
+            </p:nvCxnSpPr>
+            <p:spPr>
+              <a:xfrm>
+                <a:off x="2030819" y="1440271"/>
+                <a:ext cx="935665" cy="0"/>
+              </a:xfrm>
+              <a:prstGeom prst="straightConnector1">
+                <a:avLst/>
+              </a:prstGeom>
+              <a:ln>
+                <a:tailEnd type="triangle"/>
+              </a:ln>
+            </p:spPr>
+            <p:style>
+              <a:lnRef idx="1">
+                <a:schemeClr val="dk1"/>
+              </a:lnRef>
+              <a:fillRef idx="0">
+                <a:schemeClr val="dk1"/>
+              </a:fillRef>
+              <a:effectRef idx="0">
+                <a:schemeClr val="dk1"/>
+              </a:effectRef>
+              <a:fontRef idx="minor">
+                <a:schemeClr val="tx1"/>
+              </a:fontRef>
+            </p:style>
+          </p:cxnSp>
+          <p:sp>
+            <p:nvSpPr>
+              <p:cNvPr id="20" name="ZoneTexte 19">
+                <a:extLst>
+                  <a:ext uri="{FF2B5EF4-FFF2-40B4-BE49-F238E27FC236}">
+                    <a16:creationId xmlns="" xmlns:a16="http://schemas.microsoft.com/office/drawing/2014/main" id="{8FE8378B-23AB-4C20-9C5F-11D94E75DF70}"/>
+                  </a:ext>
+                </a:extLst>
+              </p:cNvPr>
+              <p:cNvSpPr txBox="1"/>
+              <p:nvPr/>
+            </p:nvSpPr>
+            <p:spPr>
+              <a:xfrm>
+                <a:off x="1952489" y="1170151"/>
+                <a:ext cx="935665" cy="307777"/>
+              </a:xfrm>
+              <a:prstGeom prst="rect">
+                <a:avLst/>
+              </a:prstGeom>
+              <a:noFill/>
+            </p:spPr>
+            <p:txBody>
+              <a:bodyPr wrap="square" rtlCol="0">
+                <a:spAutoFit/>
+              </a:bodyPr>
+              <a:lstStyle/>
+              <a:p>
+                <a:r>
+                  <a:rPr lang="fr-FR" sz="1400" dirty="0"/>
+                  <a:t>Rhodium </a:t>
+                </a:r>
+              </a:p>
+            </p:txBody>
+          </p:sp>
+          <p:sp>
+            <p:nvSpPr>
+              <p:cNvPr id="21" name="ZoneTexte 20">
+                <a:extLst>
+                  <a:ext uri="{FF2B5EF4-FFF2-40B4-BE49-F238E27FC236}">
+                    <a16:creationId xmlns="" xmlns:a16="http://schemas.microsoft.com/office/drawing/2014/main" id="{09E54A64-13FB-4BD5-891A-44F4B557FDB2}"/>
+                  </a:ext>
+                </a:extLst>
+              </p:cNvPr>
+              <p:cNvSpPr txBox="1"/>
+              <p:nvPr/>
+            </p:nvSpPr>
+            <p:spPr>
+              <a:xfrm>
+                <a:off x="1913860" y="1402616"/>
+                <a:ext cx="1169581" cy="523382"/>
+              </a:xfrm>
+              <a:prstGeom prst="rect">
+                <a:avLst/>
+              </a:prstGeom>
+              <a:noFill/>
+            </p:spPr>
+            <p:txBody>
+              <a:bodyPr wrap="square" rtlCol="0">
+                <a:spAutoFit/>
+              </a:bodyPr>
+              <a:lstStyle/>
+              <a:p>
+                <a:r>
+                  <a:rPr lang="fr-FR" sz="1400" dirty="0"/>
+                  <a:t>ou palladium</a:t>
+                </a:r>
+              </a:p>
+            </p:txBody>
+          </p:sp>
+        </p:grpSp>
+        <p:sp>
+          <p:nvSpPr>
+            <p:cNvPr id="24" name="ZoneTexte 23">
+              <a:extLst>
+                <a:ext uri="{FF2B5EF4-FFF2-40B4-BE49-F238E27FC236}">
+                  <a16:creationId xmlns="" xmlns:a16="http://schemas.microsoft.com/office/drawing/2014/main" id="{A8484E7B-B86E-4A2E-96DB-7013C7E4867F}"/>
+                </a:ext>
+              </a:extLst>
+            </p:cNvPr>
+            <p:cNvSpPr txBox="1"/>
+            <p:nvPr/>
+          </p:nvSpPr>
+          <p:spPr>
+            <a:xfrm>
+              <a:off x="2982432" y="1263592"/>
+              <a:ext cx="1895303" cy="307872"/>
+            </a:xfrm>
+            <a:prstGeom prst="rect">
+              <a:avLst/>
+            </a:prstGeom>
+            <a:noFill/>
+          </p:spPr>
+          <p:txBody>
+            <a:bodyPr wrap="square" rtlCol="0">
+              <a:spAutoFit/>
+            </a:bodyPr>
+            <a:lstStyle/>
+            <a:p>
+              <a:r>
+                <a:rPr lang="fr-FR" dirty="0">
+                  <a:solidFill>
+                    <a:srgbClr val="000000"/>
+                  </a:solidFill>
+                  <a:latin typeface="Calibri" panose="020F0502020204030204" pitchFamily="34" charset="0"/>
+                  <a:ea typeface="Calibri" panose="020F0502020204030204" pitchFamily="34" charset="0"/>
+                  <a:cs typeface="Times New Roman" panose="02020603050405020304" pitchFamily="18" charset="0"/>
+                </a:rPr>
+                <a:t>N</a:t>
+              </a:r>
+              <a:r>
+                <a:rPr lang="fr-FR" baseline="-25000" dirty="0">
+                  <a:solidFill>
+                    <a:srgbClr val="000000"/>
+                  </a:solidFill>
+                  <a:latin typeface="Calibri" panose="020F0502020204030204" pitchFamily="34" charset="0"/>
+                  <a:ea typeface="Calibri" panose="020F0502020204030204" pitchFamily="34" charset="0"/>
+                  <a:cs typeface="Times New Roman" panose="02020603050405020304" pitchFamily="18" charset="0"/>
+                </a:rPr>
+                <a:t>2</a:t>
+              </a:r>
+              <a:r>
+                <a:rPr lang="fr-FR" dirty="0">
+                  <a:solidFill>
+                    <a:srgbClr val="000000"/>
+                  </a:solidFill>
+                  <a:latin typeface="Calibri" panose="020F0502020204030204" pitchFamily="34" charset="0"/>
+                  <a:ea typeface="Calibri" panose="020F0502020204030204" pitchFamily="34" charset="0"/>
+                  <a:cs typeface="Times New Roman" panose="02020603050405020304" pitchFamily="18" charset="0"/>
+                </a:rPr>
+                <a:t>(g) + 2 CO</a:t>
+              </a:r>
+              <a:r>
+                <a:rPr lang="fr-FR" baseline="-25000" dirty="0">
+                  <a:solidFill>
+                    <a:srgbClr val="000000"/>
+                  </a:solidFill>
+                  <a:latin typeface="Calibri" panose="020F0502020204030204" pitchFamily="34" charset="0"/>
+                  <a:ea typeface="Calibri" panose="020F0502020204030204" pitchFamily="34" charset="0"/>
+                  <a:cs typeface="Times New Roman" panose="02020603050405020304" pitchFamily="18" charset="0"/>
+                </a:rPr>
+                <a:t>2</a:t>
+              </a:r>
+              <a:r>
+                <a:rPr lang="fr-FR" dirty="0">
+                  <a:solidFill>
+                    <a:srgbClr val="000000"/>
+                  </a:solidFill>
+                  <a:latin typeface="Calibri" panose="020F0502020204030204" pitchFamily="34" charset="0"/>
+                  <a:ea typeface="Calibri" panose="020F0502020204030204" pitchFamily="34" charset="0"/>
+                  <a:cs typeface="Times New Roman" panose="02020603050405020304" pitchFamily="18" charset="0"/>
+                </a:rPr>
+                <a:t>(g)</a:t>
+              </a:r>
+              <a:endParaRPr lang="fr-FR" dirty="0"/>
+            </a:p>
+          </p:txBody>
+        </p:sp>
+      </p:grpSp>
+      <p:grpSp>
+        <p:nvGrpSpPr>
+          <p:cNvPr id="33" name="Groupe 32">
+            <a:extLst>
+              <a:ext uri="{FF2B5EF4-FFF2-40B4-BE49-F238E27FC236}">
+                <a16:creationId xmlns="" xmlns:a16="http://schemas.microsoft.com/office/drawing/2014/main" id="{538AB6E8-B598-4865-A344-27254426D4D2}"/>
+              </a:ext>
+            </a:extLst>
+          </p:cNvPr>
+          <p:cNvGrpSpPr/>
+          <p:nvPr/>
+        </p:nvGrpSpPr>
+        <p:grpSpPr>
+          <a:xfrm>
+            <a:off x="-8444" y="2654170"/>
+            <a:ext cx="3938129" cy="773031"/>
+            <a:chOff x="-1674" y="2404939"/>
+            <a:chExt cx="3938129" cy="773270"/>
+          </a:xfrm>
+        </p:grpSpPr>
+        <p:sp>
+          <p:nvSpPr>
+            <p:cNvPr id="26" name="ZoneTexte 25">
+              <a:extLst>
+                <a:ext uri="{FF2B5EF4-FFF2-40B4-BE49-F238E27FC236}">
+                  <a16:creationId xmlns="" xmlns:a16="http://schemas.microsoft.com/office/drawing/2014/main" id="{E8E6AEE0-AEED-43F6-9C32-F89E74FC0713}"/>
+                </a:ext>
+              </a:extLst>
+            </p:cNvPr>
+            <p:cNvSpPr txBox="1"/>
+            <p:nvPr/>
+          </p:nvSpPr>
+          <p:spPr>
+            <a:xfrm>
+              <a:off x="-1674" y="2513195"/>
+              <a:ext cx="2030819" cy="307872"/>
+            </a:xfrm>
+            <a:prstGeom prst="rect">
+              <a:avLst/>
+            </a:prstGeom>
+            <a:noFill/>
+          </p:spPr>
+          <p:txBody>
+            <a:bodyPr wrap="square" rtlCol="0">
+              <a:spAutoFit/>
+            </a:bodyPr>
+            <a:lstStyle/>
+            <a:p>
+              <a:pPr marL="285750" indent="-285750">
+                <a:buFont typeface="Wingdings" panose="05000000000000000000" pitchFamily="2" charset="2"/>
+                <a:buChar char="v"/>
+              </a:pPr>
+              <a:r>
+                <a:rPr lang="fr-FR" dirty="0"/>
+                <a:t>2</a:t>
+              </a:r>
+              <a:r>
+                <a:rPr lang="fr-FR" dirty="0">
+                  <a:solidFill>
+                    <a:srgbClr val="000000"/>
+                  </a:solidFill>
+                  <a:latin typeface="Calibri" panose="020F0502020204030204" pitchFamily="34" charset="0"/>
+                  <a:ea typeface="Calibri" panose="020F0502020204030204" pitchFamily="34" charset="0"/>
+                  <a:cs typeface="Times New Roman" panose="02020603050405020304" pitchFamily="18" charset="0"/>
+                </a:rPr>
+                <a:t> CO(g) + O</a:t>
+              </a:r>
+              <a:r>
+                <a:rPr lang="fr-FR" baseline="-25000" dirty="0">
+                  <a:solidFill>
+                    <a:srgbClr val="000000"/>
+                  </a:solidFill>
+                  <a:latin typeface="Calibri" panose="020F0502020204030204" pitchFamily="34" charset="0"/>
+                  <a:ea typeface="Calibri" panose="020F0502020204030204" pitchFamily="34" charset="0"/>
+                  <a:cs typeface="Times New Roman" panose="02020603050405020304" pitchFamily="18" charset="0"/>
+                </a:rPr>
+                <a:t>2</a:t>
+              </a:r>
+              <a:r>
+                <a:rPr lang="fr-FR" dirty="0">
+                  <a:solidFill>
+                    <a:srgbClr val="000000"/>
+                  </a:solidFill>
+                  <a:latin typeface="Calibri" panose="020F0502020204030204" pitchFamily="34" charset="0"/>
+                  <a:ea typeface="Calibri" panose="020F0502020204030204" pitchFamily="34" charset="0"/>
+                  <a:cs typeface="Times New Roman" panose="02020603050405020304" pitchFamily="18" charset="0"/>
+                </a:rPr>
+                <a:t>(g)</a:t>
+              </a:r>
+              <a:endParaRPr lang="fr-FR" dirty="0"/>
+            </a:p>
+          </p:txBody>
+        </p:sp>
+        <p:sp>
+          <p:nvSpPr>
+            <p:cNvPr id="27" name="ZoneTexte 26">
+              <a:extLst>
+                <a:ext uri="{FF2B5EF4-FFF2-40B4-BE49-F238E27FC236}">
+                  <a16:creationId xmlns="" xmlns:a16="http://schemas.microsoft.com/office/drawing/2014/main" id="{FF8A5BBB-4E3C-4520-B45F-62317F42F1A2}"/>
+                </a:ext>
+              </a:extLst>
+            </p:cNvPr>
+            <p:cNvSpPr txBox="1"/>
+            <p:nvPr/>
+          </p:nvSpPr>
+          <p:spPr>
+            <a:xfrm>
+              <a:off x="2766874" y="2513195"/>
+              <a:ext cx="1169581" cy="307872"/>
+            </a:xfrm>
+            <a:prstGeom prst="rect">
+              <a:avLst/>
+            </a:prstGeom>
+            <a:noFill/>
+          </p:spPr>
+          <p:txBody>
+            <a:bodyPr wrap="square" rtlCol="0">
+              <a:spAutoFit/>
+            </a:bodyPr>
+            <a:lstStyle/>
+            <a:p>
+              <a:r>
+                <a:rPr lang="fr-FR" dirty="0">
+                  <a:solidFill>
+                    <a:srgbClr val="000000"/>
+                  </a:solidFill>
+                  <a:latin typeface="Calibri" panose="020F0502020204030204" pitchFamily="34" charset="0"/>
+                  <a:ea typeface="Calibri" panose="020F0502020204030204" pitchFamily="34" charset="0"/>
+                  <a:cs typeface="Times New Roman" panose="02020603050405020304" pitchFamily="18" charset="0"/>
+                </a:rPr>
+                <a:t>2CO</a:t>
+              </a:r>
+              <a:r>
+                <a:rPr lang="fr-FR" baseline="-25000" dirty="0">
+                  <a:solidFill>
+                    <a:srgbClr val="000000"/>
+                  </a:solidFill>
+                  <a:latin typeface="Calibri" panose="020F0502020204030204" pitchFamily="34" charset="0"/>
+                  <a:ea typeface="Calibri" panose="020F0502020204030204" pitchFamily="34" charset="0"/>
+                  <a:cs typeface="Times New Roman" panose="02020603050405020304" pitchFamily="18" charset="0"/>
+                </a:rPr>
+                <a:t>2</a:t>
+              </a:r>
+              <a:r>
+                <a:rPr lang="fr-FR" dirty="0">
+                  <a:solidFill>
+                    <a:srgbClr val="000000"/>
+                  </a:solidFill>
+                  <a:latin typeface="Calibri" panose="020F0502020204030204" pitchFamily="34" charset="0"/>
+                  <a:ea typeface="Calibri" panose="020F0502020204030204" pitchFamily="34" charset="0"/>
+                  <a:cs typeface="Times New Roman" panose="02020603050405020304" pitchFamily="18" charset="0"/>
+                </a:rPr>
+                <a:t>(g)</a:t>
+              </a:r>
+              <a:endParaRPr lang="fr-FR" dirty="0"/>
+            </a:p>
+          </p:txBody>
+        </p:sp>
+        <p:cxnSp>
+          <p:nvCxnSpPr>
+            <p:cNvPr id="29" name="Connecteur droit avec flèche 28">
+              <a:extLst>
+                <a:ext uri="{FF2B5EF4-FFF2-40B4-BE49-F238E27FC236}">
+                  <a16:creationId xmlns="" xmlns:a16="http://schemas.microsoft.com/office/drawing/2014/main" id="{3EFF96BE-F335-434C-B131-25F853ECB454}"/>
+                </a:ext>
+              </a:extLst>
+            </p:cNvPr>
+            <p:cNvCxnSpPr>
+              <a:cxnSpLocks/>
+              <a:endCxn id="27" idx="1"/>
+            </p:cNvCxnSpPr>
+            <p:nvPr/>
+          </p:nvCxnSpPr>
+          <p:spPr>
+            <a:xfrm flipV="1">
+              <a:off x="1925505" y="2667132"/>
+              <a:ext cx="841369" cy="30728"/>
+            </a:xfrm>
+            <a:prstGeom prst="straightConnector1">
+              <a:avLst/>
+            </a:prstGeom>
+            <a:ln>
+              <a:tailEnd type="triangle"/>
+            </a:ln>
+          </p:spPr>
+          <p:style>
+            <a:lnRef idx="1">
+              <a:schemeClr val="dk1"/>
+            </a:lnRef>
+            <a:fillRef idx="0">
+              <a:schemeClr val="dk1"/>
+            </a:fillRef>
+            <a:effectRef idx="0">
+              <a:schemeClr val="dk1"/>
+            </a:effectRef>
+            <a:fontRef idx="minor">
+              <a:schemeClr val="tx1"/>
+            </a:fontRef>
+          </p:style>
+        </p:cxnSp>
+        <p:sp>
+          <p:nvSpPr>
+            <p:cNvPr id="30" name="ZoneTexte 29">
+              <a:extLst>
+                <a:ext uri="{FF2B5EF4-FFF2-40B4-BE49-F238E27FC236}">
+                  <a16:creationId xmlns="" xmlns:a16="http://schemas.microsoft.com/office/drawing/2014/main" id="{3506334C-0EBD-4FB6-9C07-45FAC1C028F6}"/>
+                </a:ext>
+              </a:extLst>
+            </p:cNvPr>
+            <p:cNvSpPr txBox="1"/>
+            <p:nvPr/>
+          </p:nvSpPr>
+          <p:spPr>
+            <a:xfrm>
+              <a:off x="1852088" y="2404939"/>
+              <a:ext cx="1185630" cy="307777"/>
+            </a:xfrm>
+            <a:prstGeom prst="rect">
+              <a:avLst/>
+            </a:prstGeom>
+            <a:noFill/>
+          </p:spPr>
+          <p:txBody>
+            <a:bodyPr wrap="square" rtlCol="0">
+              <a:spAutoFit/>
+            </a:bodyPr>
+            <a:lstStyle/>
+            <a:p>
+              <a:r>
+                <a:rPr lang="fr-FR" sz="1400" dirty="0"/>
+                <a:t>Rhodium</a:t>
+              </a:r>
+            </a:p>
+          </p:txBody>
+        </p:sp>
+        <p:sp>
+          <p:nvSpPr>
+            <p:cNvPr id="32" name="ZoneTexte 31">
+              <a:extLst>
+                <a:ext uri="{FF2B5EF4-FFF2-40B4-BE49-F238E27FC236}">
+                  <a16:creationId xmlns="" xmlns:a16="http://schemas.microsoft.com/office/drawing/2014/main" id="{80A028E2-BDCD-430E-B8E0-4FC56E79FD94}"/>
+                </a:ext>
+              </a:extLst>
+            </p:cNvPr>
+            <p:cNvSpPr txBox="1"/>
+            <p:nvPr/>
+          </p:nvSpPr>
+          <p:spPr>
+            <a:xfrm>
+              <a:off x="1853099" y="2654989"/>
+              <a:ext cx="1766678" cy="523220"/>
+            </a:xfrm>
+            <a:prstGeom prst="rect">
+              <a:avLst/>
+            </a:prstGeom>
+            <a:noFill/>
+          </p:spPr>
+          <p:txBody>
+            <a:bodyPr wrap="square" rtlCol="0">
+              <a:spAutoFit/>
+            </a:bodyPr>
+            <a:lstStyle/>
+            <a:p>
+              <a:r>
+                <a:rPr lang="fr-FR" sz="1400" dirty="0"/>
+                <a:t>Palladium </a:t>
+              </a:r>
+            </a:p>
+            <a:p>
+              <a:r>
+                <a:rPr lang="fr-FR" sz="1400" dirty="0"/>
+                <a:t>ou platine </a:t>
+              </a:r>
+            </a:p>
+          </p:txBody>
+        </p:sp>
+      </p:grpSp>
+    </p:spTree>
+    <p:extLst>
+      <p:ext uri="{BB962C8B-B14F-4D97-AF65-F5344CB8AC3E}">
+        <p14:creationId xmlns:p14="http://schemas.microsoft.com/office/powerpoint/2010/main" val="2915083745"/>
+      </p:ext>
+    </p:extLst>
+  </p:cSld>
+  <p:clrMapOvr>
+    <a:masterClrMapping/>
+  </p:clrMapOvr>
+</p:sld>
+</file>
+
+<file path=ppt/slides/slide11.xml><?xml version="1.0" encoding="utf-8"?>
+<p:sld xmlns:a="http://schemas.openxmlformats.org/drawingml/2006/main" xmlns:r="http://schemas.openxmlformats.org/officeDocument/2006/relationships" xmlns:p="http://schemas.openxmlformats.org/presentationml/2006/main">
+  <p:cSld>
+    <p:spTree>
+      <p:nvGrpSpPr>
+        <p:cNvPr id="1" name=""/>
+        <p:cNvGrpSpPr/>
+        <p:nvPr/>
+      </p:nvGrpSpPr>
+      <p:grpSpPr>
+        <a:xfrm>
+          <a:off x="0" y="0"/>
+          <a:ext cx="0" cy="0"/>
+          <a:chOff x="0" y="0"/>
+          <a:chExt cx="0" cy="0"/>
+        </a:xfrm>
+      </p:grpSpPr>
+      <p:sp>
+        <p:nvSpPr>
+          <p:cNvPr id="2" name="Espace réservé du numéro de diapositive 1">
+            <a:extLst>
+              <a:ext uri="{FF2B5EF4-FFF2-40B4-BE49-F238E27FC236}">
+                <a16:creationId xmlns="" xmlns:a16="http://schemas.microsoft.com/office/drawing/2014/main" id="{10B406AA-0058-4DB3-9A3B-6F84125528D6}"/>
+              </a:ext>
+            </a:extLst>
+          </p:cNvPr>
+          <p:cNvSpPr>
+            <a:spLocks noGrp="1"/>
+          </p:cNvSpPr>
+          <p:nvPr>
+            <p:ph type="sldNum" sz="quarter" idx="12"/>
+          </p:nvPr>
+        </p:nvSpPr>
+        <p:spPr/>
+        <p:txBody>
+          <a:bodyPr/>
+          <a:lstStyle/>
+          <a:p>
+            <a:fld id="{4FAB73BC-B049-4115-A692-8D63A059BFB8}" type="slidenum">
+              <a:rPr lang="en-US" smtClean="0"/>
+              <a:pPr/>
+              <a:t>11</a:t>
+            </a:fld>
+            <a:endParaRPr lang="en-US" dirty="0"/>
+          </a:p>
+        </p:txBody>
+      </p:sp>
+      <p:sp>
+        <p:nvSpPr>
+          <p:cNvPr id="3" name="Titre 2">
+            <a:extLst>
+              <a:ext uri="{FF2B5EF4-FFF2-40B4-BE49-F238E27FC236}">
+                <a16:creationId xmlns="" xmlns:a16="http://schemas.microsoft.com/office/drawing/2014/main" id="{DEC6F515-7D8B-4B8F-A9C4-D7E5CE4476AA}"/>
+              </a:ext>
+            </a:extLst>
+          </p:cNvPr>
+          <p:cNvSpPr>
+            <a:spLocks noGrp="1"/>
+          </p:cNvSpPr>
+          <p:nvPr>
+            <p:ph type="title" idx="4294967295"/>
+          </p:nvPr>
+        </p:nvSpPr>
+        <p:spPr>
+          <a:xfrm>
             <a:off x="675048" y="144335"/>
             <a:ext cx="7543800" cy="694283"/>
           </a:xfrm>
@@ -6412,7 +7317,7 @@
           <p:cNvPr id="6" name="Tableau 6">
             <a:extLst>
               <a:ext uri="{FF2B5EF4-FFF2-40B4-BE49-F238E27FC236}">
-                <a16:creationId xmlns:a16="http://schemas.microsoft.com/office/drawing/2014/main" xmlns="" id="{3E9EE3C1-84E3-4946-89F7-2572D3E28BB7}"/>
+                <a16:creationId xmlns="" xmlns:a16="http://schemas.microsoft.com/office/drawing/2014/main" id="{3E9EE3C1-84E3-4946-89F7-2572D3E28BB7}"/>
               </a:ext>
             </a:extLst>
           </p:cNvPr>
@@ -6441,28 +7346,28 @@
                 <a:gridCol w="1821187">
                   <a:extLst>
                     <a:ext uri="{9D8B030D-6E8A-4147-A177-3AD203B41FA5}">
-                      <a16:colId xmlns:a16="http://schemas.microsoft.com/office/drawing/2014/main" xmlns="" val="1803051905"/>
+                      <a16:colId xmlns="" xmlns:a16="http://schemas.microsoft.com/office/drawing/2014/main" val="1803051905"/>
                     </a:ext>
                   </a:extLst>
                 </a:gridCol>
                 <a:gridCol w="2196620">
                   <a:extLst>
                     <a:ext uri="{9D8B030D-6E8A-4147-A177-3AD203B41FA5}">
-                      <a16:colId xmlns:a16="http://schemas.microsoft.com/office/drawing/2014/main" xmlns="" val="582494249"/>
+                      <a16:colId xmlns="" xmlns:a16="http://schemas.microsoft.com/office/drawing/2014/main" val="582494249"/>
                     </a:ext>
                   </a:extLst>
                 </a:gridCol>
                 <a:gridCol w="2248977">
                   <a:extLst>
                     <a:ext uri="{9D8B030D-6E8A-4147-A177-3AD203B41FA5}">
-                      <a16:colId xmlns:a16="http://schemas.microsoft.com/office/drawing/2014/main" xmlns="" val="3939711469"/>
+                      <a16:colId xmlns="" xmlns:a16="http://schemas.microsoft.com/office/drawing/2014/main" val="3939711469"/>
                     </a:ext>
                   </a:extLst>
                 </a:gridCol>
                 <a:gridCol w="2469575">
                   <a:extLst>
                     <a:ext uri="{9D8B030D-6E8A-4147-A177-3AD203B41FA5}">
-                      <a16:colId xmlns:a16="http://schemas.microsoft.com/office/drawing/2014/main" xmlns="" val="510503104"/>
+                      <a16:colId xmlns="" xmlns:a16="http://schemas.microsoft.com/office/drawing/2014/main" val="510503104"/>
                     </a:ext>
                   </a:extLst>
                 </a:gridCol>
@@ -6549,7 +7454,7 @@
                 </a:tc>
                 <a:extLst>
                   <a:ext uri="{0D108BD9-81ED-4DB2-BD59-A6C34878D82A}">
-                    <a16:rowId xmlns:a16="http://schemas.microsoft.com/office/drawing/2014/main" xmlns="" val="1604572065"/>
+                    <a16:rowId xmlns="" xmlns:a16="http://schemas.microsoft.com/office/drawing/2014/main" val="1604572065"/>
                   </a:ext>
                 </a:extLst>
               </a:tr>
@@ -6670,7 +7575,7 @@
                 </a:tc>
                 <a:extLst>
                   <a:ext uri="{0D108BD9-81ED-4DB2-BD59-A6C34878D82A}">
-                    <a16:rowId xmlns:a16="http://schemas.microsoft.com/office/drawing/2014/main" xmlns="" val="2346205326"/>
+                    <a16:rowId xmlns="" xmlns:a16="http://schemas.microsoft.com/office/drawing/2014/main" val="2346205326"/>
                   </a:ext>
                 </a:extLst>
               </a:tr>
@@ -6744,11 +7649,7 @@
                       <a:pPr algn="l"/>
                       <a:r>
                         <a:rPr lang="fr-FR" sz="1600" dirty="0" smtClean="0"/>
-                        <a:t>Co</a:t>
-                      </a:r>
-                      <a:r>
-                        <a:rPr lang="fr-FR" sz="1600" dirty="0" smtClean="0"/>
-                        <a:t>ût (métaux</a:t>
+                        <a:t>Coût (métaux</a:t>
                       </a:r>
                       <a:r>
                         <a:rPr lang="fr-FR" sz="1600" baseline="0" dirty="0" smtClean="0"/>
@@ -6789,7 +7690,7 @@
                 </a:tc>
                 <a:extLst>
                   <a:ext uri="{0D108BD9-81ED-4DB2-BD59-A6C34878D82A}">
-                    <a16:rowId xmlns:a16="http://schemas.microsoft.com/office/drawing/2014/main" xmlns="" val="3792942134"/>
+                    <a16:rowId xmlns="" xmlns:a16="http://schemas.microsoft.com/office/drawing/2014/main" val="3792942134"/>
                   </a:ext>
                 </a:extLst>
               </a:tr>
@@ -7083,7 +7984,6 @@
               <a:rPr lang="fr-FR" dirty="0"/>
               <a:t>milliards d’années </a:t>
             </a:r>
-            <a:endParaRPr lang="fr-FR" dirty="0"/>
           </a:p>
         </p:txBody>
       </p:sp>
@@ -9799,11 +10699,7 @@
             <a:pPr algn="ctr"/>
             <a:r>
               <a:rPr lang="fr-FR" sz="1200" b="1" u="sng" dirty="0" smtClean="0"/>
-              <a:t>éthano</a:t>
-            </a:r>
-            <a:r>
-              <a:rPr lang="fr-FR" sz="1200" b="1" u="sng" dirty="0" smtClean="0"/>
-              <a:t>ïque</a:t>
+              <a:t>éthanoïque</a:t>
             </a:r>
             <a:endParaRPr lang="fr-FR" sz="1200" b="1" u="sng" dirty="0"/>
           </a:p>
@@ -10784,11 +11680,7 @@
           <a:p>
             <a:r>
               <a:rPr lang="fr-FR" dirty="0" smtClean="0"/>
-              <a:t>Avec les dép</a:t>
-            </a:r>
-            <a:r>
-              <a:rPr lang="fr-FR" dirty="0" smtClean="0"/>
-              <a:t>ôts</a:t>
+              <a:t>Avec les dépôts</a:t>
             </a:r>
           </a:p>
           <a:p>
@@ -10867,23 +11759,7 @@
                   <a:srgbClr val="DD7E6B"/>
                 </a:solidFill>
               </a:rPr>
-              <a:t>Suivi </a:t>
-            </a:r>
-            <a:r>
-              <a:rPr lang="fr-FR" b="1" dirty="0">
-                <a:solidFill>
-                  <a:srgbClr val="DD7E6B"/>
-                </a:solidFill>
-              </a:rPr>
-              <a:t>cinétique de la réaction entre les ions iodures et </a:t>
-            </a:r>
-            <a:r>
-              <a:rPr lang="fr-FR" b="1" dirty="0">
-                <a:solidFill>
-                  <a:srgbClr val="DD7E6B"/>
-                </a:solidFill>
-              </a:rPr>
-              <a:t> </a:t>
+              <a:t>Suivi cinétique de la réaction entre les ions iodures et  </a:t>
             </a:r>
             <a:r>
               <a:rPr lang="fr-FR" b="1" dirty="0" err="1">
@@ -11247,15 +12123,7 @@
             </a:r>
             <a:r>
               <a:rPr lang="fr-FR" dirty="0" smtClean="0"/>
-              <a:t> de KI à 1mol</a:t>
-            </a:r>
-            <a:r>
-              <a:rPr lang="fr-FR" dirty="0" smtClean="0"/>
-              <a:t>/</a:t>
-            </a:r>
-            <a:r>
-              <a:rPr lang="fr-FR" dirty="0" smtClean="0"/>
-              <a:t>L</a:t>
+              <a:t> de KI à 1mol/L</a:t>
             </a:r>
           </a:p>
           <a:p>
@@ -11271,7 +12139,6 @@
               <a:rPr lang="fr-FR" dirty="0" smtClean="0"/>
               <a:t>(I-) =  0,015 mol</a:t>
             </a:r>
-            <a:endParaRPr lang="fr-FR" dirty="0" smtClean="0"/>
           </a:p>
           <a:p>
             <a:pPr marL="285750" indent="-285750">
@@ -11295,11 +12162,7 @@
             </a:r>
             <a:r>
               <a:rPr lang="fr-FR" dirty="0" smtClean="0"/>
-              <a:t> </a:t>
-            </a:r>
-            <a:r>
-              <a:rPr lang="fr-FR" dirty="0" smtClean="0"/>
-              <a:t>de NaS</a:t>
+              <a:t> de NaS</a:t>
             </a:r>
             <a:r>
               <a:rPr lang="fr-FR" baseline="-25000" dirty="0" smtClean="0"/>
@@ -11315,11 +12178,7 @@
             </a:r>
             <a:r>
               <a:rPr lang="fr-FR" dirty="0" smtClean="0"/>
-              <a:t> </a:t>
-            </a:r>
-            <a:r>
-              <a:rPr lang="fr-FR" dirty="0" smtClean="0"/>
-              <a:t>à 10</a:t>
+              <a:t> à 10</a:t>
             </a:r>
             <a:r>
               <a:rPr lang="fr-FR" baseline="30000" dirty="0" smtClean="0"/>
@@ -11327,21 +12186,13 @@
             </a:r>
             <a:r>
               <a:rPr lang="fr-FR" dirty="0" smtClean="0"/>
-              <a:t> mol/</a:t>
-            </a:r>
+              <a:t> mol/L</a:t>
+            </a:r>
+          </a:p>
+          <a:p>
             <a:r>
               <a:rPr lang="fr-FR" dirty="0" smtClean="0"/>
-              <a:t>L</a:t>
-            </a:r>
-          </a:p>
-          <a:p>
-            <a:r>
-              <a:rPr lang="fr-FR" dirty="0" smtClean="0"/>
-              <a:t>      </a:t>
-            </a:r>
-            <a:r>
-              <a:rPr lang="fr-FR" dirty="0" smtClean="0"/>
-              <a:t>~</a:t>
+              <a:t>      ~</a:t>
             </a:r>
             <a:r>
               <a:rPr lang="fr-FR" dirty="0"/>
@@ -11373,11 +12224,7 @@
             </a:r>
             <a:r>
               <a:rPr lang="fr-FR" dirty="0" smtClean="0"/>
-              <a:t>)= </a:t>
-            </a:r>
-            <a:r>
-              <a:rPr lang="fr-FR" dirty="0" smtClean="0"/>
-              <a:t>5.10</a:t>
+              <a:t>)= 5.10</a:t>
             </a:r>
             <a:r>
               <a:rPr lang="fr-FR" baseline="30000" dirty="0" smtClean="0"/>
@@ -11616,15 +12463,7 @@
             </a:r>
             <a:r>
               <a:rPr lang="fr-FR" dirty="0" smtClean="0"/>
-              <a:t>=quelques</a:t>
-            </a:r>
-            <a:r>
-              <a:rPr lang="fr-FR" dirty="0" smtClean="0"/>
-              <a:t> </a:t>
-            </a:r>
-            <a:r>
-              <a:rPr lang="fr-FR" dirty="0" smtClean="0"/>
-              <a:t>s </a:t>
+              <a:t>=quelques s </a:t>
             </a:r>
             <a:endParaRPr lang="fr-FR" dirty="0"/>
           </a:p>
@@ -12648,11 +13487,7 @@
                       </a:pPr>
                       <a:r>
                         <a:rPr lang="fr-FR" baseline="0" dirty="0" smtClean="0"/>
-                        <a:t>(</a:t>
-                      </a:r>
-                      <a:r>
-                        <a:rPr lang="fr-FR" baseline="0" dirty="0" smtClean="0"/>
-                        <a:t>EXCES)</a:t>
+                        <a:t>(EXCES)</a:t>
                       </a:r>
                       <a:endParaRPr lang="fr-FR" dirty="0" smtClean="0"/>
                     </a:p>
@@ -13447,7 +14282,7 @@
         </p:blipFill>
         <p:spPr>
           <a:xfrm>
-            <a:off x="2070100" y="3022600"/>
+            <a:off x="0" y="3048253"/>
             <a:ext cx="3063832" cy="1549399"/>
           </a:xfrm>
           <a:prstGeom prst="rect">
@@ -13471,7 +14306,7 @@
         </p:blipFill>
         <p:spPr>
           <a:xfrm>
-            <a:off x="292100" y="2211368"/>
+            <a:off x="3563541" y="2224194"/>
             <a:ext cx="1320800" cy="2032000"/>
           </a:xfrm>
           <a:prstGeom prst="rect">
@@ -13505,7 +14340,15 @@
                   <a:srgbClr val="DD7E6B"/>
                 </a:solidFill>
               </a:rPr>
-              <a:t>Influence de la température</a:t>
+              <a:t>Influence de la </a:t>
+            </a:r>
+            <a:r>
+              <a:rPr lang="fr-FR" b="1" dirty="0" smtClean="0">
+                <a:solidFill>
+                  <a:srgbClr val="DD7E6B"/>
+                </a:solidFill>
+              </a:rPr>
+              <a:t>température sur une réaction </a:t>
             </a:r>
             <a:endParaRPr lang="fr-FR" b="1" dirty="0">
               <a:solidFill>
@@ -13770,7 +14613,7 @@
         </p:blipFill>
         <p:spPr>
           <a:xfrm>
-            <a:off x="2870200" y="2159000"/>
+            <a:off x="800100" y="2184653"/>
             <a:ext cx="1320800" cy="2032000"/>
           </a:xfrm>
           <a:prstGeom prst="rect">
@@ -13786,7 +14629,7 @@
         </p:nvSpPr>
         <p:spPr>
           <a:xfrm>
-            <a:off x="444500" y="4279900"/>
+            <a:off x="3703113" y="4305554"/>
             <a:ext cx="1014671" cy="307777"/>
           </a:xfrm>
           <a:prstGeom prst="rect">
@@ -13802,7 +14645,11 @@
           <a:p>
             <a:r>
               <a:rPr lang="fr-FR" dirty="0" smtClean="0"/>
-              <a:t>TUBE N°1</a:t>
+              <a:t>TUBE N</a:t>
+            </a:r>
+            <a:r>
+              <a:rPr lang="fr-FR" dirty="0" smtClean="0"/>
+              <a:t>°2</a:t>
             </a:r>
             <a:endParaRPr lang="fr-FR" dirty="0"/>
           </a:p>
@@ -13816,7 +14663,7 @@
         </p:nvSpPr>
         <p:spPr>
           <a:xfrm>
-            <a:off x="3028222" y="4287113"/>
+            <a:off x="958122" y="4312766"/>
             <a:ext cx="1014671" cy="307777"/>
           </a:xfrm>
           <a:prstGeom prst="rect">
@@ -13832,7 +14679,11 @@
           <a:p>
             <a:r>
               <a:rPr lang="fr-FR" dirty="0" smtClean="0"/>
-              <a:t>TUBE N°2</a:t>
+              <a:t>TUBE N</a:t>
+            </a:r>
+            <a:r>
+              <a:rPr lang="fr-FR" dirty="0" smtClean="0"/>
+              <a:t>°1</a:t>
             </a:r>
             <a:endParaRPr lang="fr-FR" dirty="0"/>
           </a:p>
@@ -13846,7 +14697,7 @@
         </p:nvCxnSpPr>
         <p:spPr>
           <a:xfrm>
-            <a:off x="2344420" y="3454400"/>
+            <a:off x="274320" y="3480053"/>
             <a:ext cx="949960" cy="0"/>
           </a:xfrm>
           <a:prstGeom prst="line">
@@ -13881,7 +14732,7 @@
         </p:nvCxnSpPr>
         <p:spPr>
           <a:xfrm>
-            <a:off x="3769049" y="3479800"/>
+            <a:off x="1698949" y="3505453"/>
             <a:ext cx="994525" cy="12700"/>
           </a:xfrm>
           <a:prstGeom prst="line">
@@ -13916,7 +14767,7 @@
         </p:nvCxnSpPr>
         <p:spPr>
           <a:xfrm flipH="1">
-            <a:off x="4114800" y="3060700"/>
+            <a:off x="2044700" y="3086353"/>
             <a:ext cx="355600" cy="584200"/>
           </a:xfrm>
           <a:prstGeom prst="straightConnector1">
@@ -13949,7 +14800,7 @@
         </p:nvCxnSpPr>
         <p:spPr>
           <a:xfrm>
-            <a:off x="4470400" y="3048000"/>
+            <a:off x="2400300" y="3073653"/>
             <a:ext cx="381000" cy="0"/>
           </a:xfrm>
           <a:prstGeom prst="line">
@@ -14239,8 +15090,12 @@
               <a:buChar char="•"/>
             </a:pPr>
             <a:r>
-              <a:rPr lang="fr-FR" dirty="0" smtClean="0"/>
-              <a:t>Eau distillée (tube à essai à mi hauteur) </a:t>
+              <a:rPr lang="fr-FR" dirty="0" smtClean="0">
+                <a:solidFill>
+                  <a:schemeClr val="tx1"/>
+                </a:solidFill>
+              </a:rPr>
+              <a:t>Eau distillée (tube à essai à mi hauteur) 10mL </a:t>
             </a:r>
           </a:p>
           <a:p>
@@ -14370,7 +15225,7 @@
         </p:nvSpPr>
         <p:spPr>
           <a:xfrm>
-            <a:off x="4889500" y="2908300"/>
+            <a:off x="2819400" y="2933953"/>
             <a:ext cx="653670" cy="307777"/>
           </a:xfrm>
           <a:prstGeom prst="rect">
@@ -14392,10 +15247,313 @@
           </a:p>
         </p:txBody>
       </p:sp>
+      <p:grpSp>
+        <p:nvGrpSpPr>
+          <p:cNvPr id="14" name="Grouper 13"/>
+          <p:cNvGrpSpPr/>
+          <p:nvPr/>
+        </p:nvGrpSpPr>
+        <p:grpSpPr>
+          <a:xfrm>
+            <a:off x="1259074" y="3257977"/>
+            <a:ext cx="384875" cy="872215"/>
+            <a:chOff x="3309930" y="3245151"/>
+            <a:chExt cx="423363" cy="872215"/>
+          </a:xfrm>
+        </p:grpSpPr>
+        <p:sp>
+          <p:nvSpPr>
+            <p:cNvPr id="12" name="Ellipse 11"/>
+            <p:cNvSpPr/>
+            <p:nvPr/>
+          </p:nvSpPr>
+          <p:spPr>
+            <a:xfrm>
+              <a:off x="3322758" y="3848005"/>
+              <a:ext cx="384876" cy="269361"/>
+            </a:xfrm>
+            <a:prstGeom prst="ellipse">
+              <a:avLst/>
+            </a:prstGeom>
+            <a:solidFill>
+              <a:srgbClr val="F4B94A"/>
+            </a:solidFill>
+            <a:ln>
+              <a:noFill/>
+            </a:ln>
+            <a:effectLst/>
+          </p:spPr>
+          <p:style>
+            <a:lnRef idx="1">
+              <a:schemeClr val="accent1"/>
+            </a:lnRef>
+            <a:fillRef idx="3">
+              <a:schemeClr val="accent1"/>
+            </a:fillRef>
+            <a:effectRef idx="2">
+              <a:schemeClr val="accent1"/>
+            </a:effectRef>
+            <a:fontRef idx="minor">
+              <a:schemeClr val="lt1"/>
+            </a:fontRef>
+          </p:style>
+          <p:txBody>
+            <a:bodyPr rtlCol="0" anchor="ctr"/>
+            <a:lstStyle/>
+            <a:p>
+              <a:pPr algn="ctr"/>
+              <a:endParaRPr lang="fr-FR"/>
+            </a:p>
+          </p:txBody>
+        </p:sp>
+        <p:sp>
+          <p:nvSpPr>
+            <p:cNvPr id="13" name="Rectangle 12"/>
+            <p:cNvSpPr/>
+            <p:nvPr/>
+          </p:nvSpPr>
+          <p:spPr>
+            <a:xfrm>
+              <a:off x="3309930" y="3245151"/>
+              <a:ext cx="423363" cy="718294"/>
+            </a:xfrm>
+            <a:prstGeom prst="rect">
+              <a:avLst/>
+            </a:prstGeom>
+            <a:ln>
+              <a:noFill/>
+            </a:ln>
+            <a:effectLst/>
+          </p:spPr>
+          <p:style>
+            <a:lnRef idx="1">
+              <a:schemeClr val="accent1"/>
+            </a:lnRef>
+            <a:fillRef idx="3">
+              <a:schemeClr val="accent1"/>
+            </a:fillRef>
+            <a:effectRef idx="2">
+              <a:schemeClr val="accent1"/>
+            </a:effectRef>
+            <a:fontRef idx="minor">
+              <a:schemeClr val="lt1"/>
+            </a:fontRef>
+          </p:style>
+          <p:txBody>
+            <a:bodyPr rtlCol="0" anchor="ctr"/>
+            <a:lstStyle/>
+            <a:p>
+              <a:pPr algn="ctr"/>
+              <a:endParaRPr lang="fr-FR"/>
+            </a:p>
+          </p:txBody>
+        </p:sp>
+      </p:grpSp>
+      <p:grpSp>
+        <p:nvGrpSpPr>
+          <p:cNvPr id="15" name="Grouper 14"/>
+          <p:cNvGrpSpPr/>
+          <p:nvPr/>
+        </p:nvGrpSpPr>
+        <p:grpSpPr>
+          <a:xfrm>
+            <a:off x="6618308" y="3269284"/>
+            <a:ext cx="423363" cy="872215"/>
+            <a:chOff x="6618308" y="3269284"/>
+            <a:chExt cx="423363" cy="872215"/>
+          </a:xfrm>
+        </p:grpSpPr>
+        <p:sp>
+          <p:nvSpPr>
+            <p:cNvPr id="41" name="Ellipse 40"/>
+            <p:cNvSpPr/>
+            <p:nvPr/>
+          </p:nvSpPr>
+          <p:spPr>
+            <a:xfrm>
+              <a:off x="6643965" y="3872138"/>
+              <a:ext cx="384876" cy="269361"/>
+            </a:xfrm>
+            <a:prstGeom prst="ellipse">
+              <a:avLst/>
+            </a:prstGeom>
+            <a:ln>
+              <a:noFill/>
+            </a:ln>
+            <a:effectLst/>
+          </p:spPr>
+          <p:style>
+            <a:lnRef idx="1">
+              <a:schemeClr val="accent1"/>
+            </a:lnRef>
+            <a:fillRef idx="3">
+              <a:schemeClr val="accent1"/>
+            </a:fillRef>
+            <a:effectRef idx="2">
+              <a:schemeClr val="accent1"/>
+            </a:effectRef>
+            <a:fontRef idx="minor">
+              <a:schemeClr val="lt1"/>
+            </a:fontRef>
+          </p:style>
+          <p:txBody>
+            <a:bodyPr rtlCol="0" anchor="ctr"/>
+            <a:lstStyle/>
+            <a:p>
+              <a:pPr algn="ctr"/>
+              <a:endParaRPr lang="fr-FR"/>
+            </a:p>
+          </p:txBody>
+        </p:sp>
+        <p:sp>
+          <p:nvSpPr>
+            <p:cNvPr id="42" name="Rectangle 41"/>
+            <p:cNvSpPr/>
+            <p:nvPr/>
+          </p:nvSpPr>
+          <p:spPr>
+            <a:xfrm>
+              <a:off x="6618308" y="3269284"/>
+              <a:ext cx="423363" cy="718294"/>
+            </a:xfrm>
+            <a:prstGeom prst="rect">
+              <a:avLst/>
+            </a:prstGeom>
+            <a:ln>
+              <a:noFill/>
+            </a:ln>
+            <a:effectLst/>
+          </p:spPr>
+          <p:style>
+            <a:lnRef idx="1">
+              <a:schemeClr val="accent1"/>
+            </a:lnRef>
+            <a:fillRef idx="3">
+              <a:schemeClr val="accent1"/>
+            </a:fillRef>
+            <a:effectRef idx="2">
+              <a:schemeClr val="accent1"/>
+            </a:effectRef>
+            <a:fontRef idx="minor">
+              <a:schemeClr val="lt1"/>
+            </a:fontRef>
+          </p:style>
+          <p:txBody>
+            <a:bodyPr rtlCol="0" anchor="ctr"/>
+            <a:lstStyle/>
+            <a:p>
+              <a:pPr algn="ctr"/>
+              <a:endParaRPr lang="fr-FR"/>
+            </a:p>
+          </p:txBody>
+        </p:sp>
+      </p:grpSp>
+      <p:grpSp>
+        <p:nvGrpSpPr>
+          <p:cNvPr id="44" name="Grouper 43"/>
+          <p:cNvGrpSpPr/>
+          <p:nvPr/>
+        </p:nvGrpSpPr>
+        <p:grpSpPr>
+          <a:xfrm>
+            <a:off x="4015799" y="3307764"/>
+            <a:ext cx="384875" cy="872215"/>
+            <a:chOff x="3309930" y="3245151"/>
+            <a:chExt cx="423363" cy="872215"/>
+          </a:xfrm>
+        </p:grpSpPr>
+        <p:sp>
+          <p:nvSpPr>
+            <p:cNvPr id="45" name="Ellipse 44"/>
+            <p:cNvSpPr/>
+            <p:nvPr/>
+          </p:nvSpPr>
+          <p:spPr>
+            <a:xfrm>
+              <a:off x="3322758" y="3848005"/>
+              <a:ext cx="384876" cy="269361"/>
+            </a:xfrm>
+            <a:prstGeom prst="ellipse">
+              <a:avLst/>
+            </a:prstGeom>
+            <a:solidFill>
+              <a:srgbClr val="F4B94A"/>
+            </a:solidFill>
+            <a:ln>
+              <a:noFill/>
+            </a:ln>
+            <a:effectLst/>
+          </p:spPr>
+          <p:style>
+            <a:lnRef idx="1">
+              <a:schemeClr val="accent1"/>
+            </a:lnRef>
+            <a:fillRef idx="3">
+              <a:schemeClr val="accent1"/>
+            </a:fillRef>
+            <a:effectRef idx="2">
+              <a:schemeClr val="accent1"/>
+            </a:effectRef>
+            <a:fontRef idx="minor">
+              <a:schemeClr val="lt1"/>
+            </a:fontRef>
+          </p:style>
+          <p:txBody>
+            <a:bodyPr rtlCol="0" anchor="ctr"/>
+            <a:lstStyle/>
+            <a:p>
+              <a:pPr algn="ctr"/>
+              <a:endParaRPr lang="fr-FR"/>
+            </a:p>
+          </p:txBody>
+        </p:sp>
+        <p:sp>
+          <p:nvSpPr>
+            <p:cNvPr id="46" name="Rectangle 45"/>
+            <p:cNvSpPr/>
+            <p:nvPr/>
+          </p:nvSpPr>
+          <p:spPr>
+            <a:xfrm>
+              <a:off x="3309930" y="3245151"/>
+              <a:ext cx="423363" cy="718294"/>
+            </a:xfrm>
+            <a:prstGeom prst="rect">
+              <a:avLst/>
+            </a:prstGeom>
+            <a:ln>
+              <a:noFill/>
+            </a:ln>
+            <a:effectLst/>
+          </p:spPr>
+          <p:style>
+            <a:lnRef idx="1">
+              <a:schemeClr val="accent1"/>
+            </a:lnRef>
+            <a:fillRef idx="3">
+              <a:schemeClr val="accent1"/>
+            </a:fillRef>
+            <a:effectRef idx="2">
+              <a:schemeClr val="accent1"/>
+            </a:effectRef>
+            <a:fontRef idx="minor">
+              <a:schemeClr val="lt1"/>
+            </a:fontRef>
+          </p:style>
+          <p:txBody>
+            <a:bodyPr rtlCol="0" anchor="ctr"/>
+            <a:lstStyle/>
+            <a:p>
+              <a:pPr algn="ctr"/>
+              <a:endParaRPr lang="fr-FR"/>
+            </a:p>
+          </p:txBody>
+        </p:sp>
+      </p:grpSp>
     </p:spTree>
     <p:extLst>
       <p:ext uri="{BB962C8B-B14F-4D97-AF65-F5344CB8AC3E}">
-        <p14:creationId xmlns:p14="http://schemas.microsoft.com/office/powerpoint/2010/main" val="1350394279"/>
+        <p14:creationId xmlns:p14="http://schemas.microsoft.com/office/powerpoint/2010/main" val="3208449954"/>
       </p:ext>
     </p:extLst>
   </p:cSld>
@@ -14405,7 +15563,153 @@
   <p:timing>
     <p:tnLst>
       <p:par>
-        <p:cTn xmlns:p14="http://schemas.microsoft.com/office/powerpoint/2010/main" id="1" dur="indefinite" restart="never" nodeType="tmRoot"/>
+        <p:cTn xmlns:p14="http://schemas.microsoft.com/office/powerpoint/2010/main" id="1" dur="indefinite" restart="never" nodeType="tmRoot">
+          <p:childTnLst>
+            <p:seq concurrent="1" nextAc="seek">
+              <p:cTn id="2" dur="indefinite" nodeType="mainSeq">
+                <p:childTnLst>
+                  <p:par>
+                    <p:cTn id="3" fill="hold">
+                      <p:stCondLst>
+                        <p:cond delay="indefinite"/>
+                      </p:stCondLst>
+                      <p:childTnLst>
+                        <p:par>
+                          <p:cTn id="4" fill="hold">
+                            <p:stCondLst>
+                              <p:cond delay="0"/>
+                            </p:stCondLst>
+                            <p:childTnLst>
+                              <p:par>
+                                <p:cTn id="5" presetID="9" presetClass="entr" presetSubtype="0" fill="hold" nodeType="clickEffect">
+                                  <p:stCondLst>
+                                    <p:cond delay="0"/>
+                                  </p:stCondLst>
+                                  <p:childTnLst>
+                                    <p:set>
+                                      <p:cBhvr>
+                                        <p:cTn id="6" dur="1" fill="hold">
+                                          <p:stCondLst>
+                                            <p:cond delay="0"/>
+                                          </p:stCondLst>
+                                        </p:cTn>
+                                        <p:tgtEl>
+                                          <p:spTgt spid="15"/>
+                                        </p:tgtEl>
+                                        <p:attrNameLst>
+                                          <p:attrName>style.visibility</p:attrName>
+                                        </p:attrNameLst>
+                                      </p:cBhvr>
+                                      <p:to>
+                                        <p:strVal val="visible"/>
+                                      </p:to>
+                                    </p:set>
+                                    <p:animEffect transition="in" filter="dissolve">
+                                      <p:cBhvr>
+                                        <p:cTn id="7" dur="4000"/>
+                                        <p:tgtEl>
+                                          <p:spTgt spid="15"/>
+                                        </p:tgtEl>
+                                      </p:cBhvr>
+                                    </p:animEffect>
+                                  </p:childTnLst>
+                                </p:cTn>
+                              </p:par>
+                              <p:par>
+                                <p:cTn id="8" presetID="9" presetClass="entr" presetSubtype="0" fill="hold" nodeType="withEffect">
+                                  <p:stCondLst>
+                                    <p:cond delay="0"/>
+                                  </p:stCondLst>
+                                  <p:childTnLst>
+                                    <p:set>
+                                      <p:cBhvr>
+                                        <p:cTn id="9" dur="1" fill="hold">
+                                          <p:stCondLst>
+                                            <p:cond delay="0"/>
+                                          </p:stCondLst>
+                                        </p:cTn>
+                                        <p:tgtEl>
+                                          <p:spTgt spid="44"/>
+                                        </p:tgtEl>
+                                        <p:attrNameLst>
+                                          <p:attrName>style.visibility</p:attrName>
+                                        </p:attrNameLst>
+                                      </p:cBhvr>
+                                      <p:to>
+                                        <p:strVal val="visible"/>
+                                      </p:to>
+                                    </p:set>
+                                    <p:animEffect transition="in" filter="dissolve">
+                                      <p:cBhvr>
+                                        <p:cTn id="10" dur="7000"/>
+                                        <p:tgtEl>
+                                          <p:spTgt spid="44"/>
+                                        </p:tgtEl>
+                                      </p:cBhvr>
+                                    </p:animEffect>
+                                  </p:childTnLst>
+                                </p:cTn>
+                              </p:par>
+                              <p:par>
+                                <p:cTn id="11" presetID="9" presetClass="entr" presetSubtype="0" fill="hold" nodeType="withEffect">
+                                  <p:stCondLst>
+                                    <p:cond delay="0"/>
+                                  </p:stCondLst>
+                                  <p:childTnLst>
+                                    <p:set>
+                                      <p:cBhvr>
+                                        <p:cTn id="12" dur="1" fill="hold">
+                                          <p:stCondLst>
+                                            <p:cond delay="0"/>
+                                          </p:stCondLst>
+                                        </p:cTn>
+                                        <p:tgtEl>
+                                          <p:spTgt spid="14"/>
+                                        </p:tgtEl>
+                                        <p:attrNameLst>
+                                          <p:attrName>style.visibility</p:attrName>
+                                        </p:attrNameLst>
+                                      </p:cBhvr>
+                                      <p:to>
+                                        <p:strVal val="visible"/>
+                                      </p:to>
+                                    </p:set>
+                                    <p:animEffect transition="in" filter="dissolve">
+                                      <p:cBhvr>
+                                        <p:cTn id="13" dur="10000"/>
+                                        <p:tgtEl>
+                                          <p:spTgt spid="14"/>
+                                        </p:tgtEl>
+                                      </p:cBhvr>
+                                    </p:animEffect>
+                                  </p:childTnLst>
+                                </p:cTn>
+                              </p:par>
+                            </p:childTnLst>
+                          </p:cTn>
+                        </p:par>
+                      </p:childTnLst>
+                    </p:cTn>
+                  </p:par>
+                </p:childTnLst>
+              </p:cTn>
+              <p:prevCondLst>
+                <p:cond evt="onPrev" delay="0">
+                  <p:tgtEl>
+                    <p:sldTgt/>
+                  </p:tgtEl>
+                </p:cond>
+              </p:prevCondLst>
+              <p:nextCondLst>
+                <p:cond evt="onNext" delay="0">
+                  <p:tgtEl>
+                    <p:sldTgt/>
+                  </p:tgtEl>
+                </p:cond>
+              </p:nextCondLst>
+            </p:seq>
+          </p:childTnLst>
+        </p:cTn>
       </p:par>
     </p:tnLst>
   </p:timing>
@@ -14431,6 +15735,30 @@
       </p:grpSpPr>
       <p:pic>
         <p:nvPicPr>
+          <p:cNvPr id="7" name="Image 6"/>
+          <p:cNvPicPr>
+            <a:picLocks noChangeAspect="1"/>
+          </p:cNvPicPr>
+          <p:nvPr/>
+        </p:nvPicPr>
+        <p:blipFill>
+          <a:blip r:embed="rId3"/>
+          <a:stretch>
+            <a:fillRect/>
+          </a:stretch>
+        </p:blipFill>
+        <p:spPr>
+          <a:xfrm>
+            <a:off x="2070100" y="3022600"/>
+            <a:ext cx="3063832" cy="1549399"/>
+          </a:xfrm>
+          <a:prstGeom prst="rect">
+            <a:avLst/>
+          </a:prstGeom>
+        </p:spPr>
+      </p:pic>
+      <p:pic>
+        <p:nvPicPr>
           <p:cNvPr id="5" name="Image 4"/>
           <p:cNvPicPr>
             <a:picLocks noChangeAspect="1"/>
@@ -14438,14 +15766,14 @@
           <p:nvPr/>
         </p:nvPicPr>
         <p:blipFill>
-          <a:blip r:embed="rId2"/>
+          <a:blip r:embed="rId4"/>
           <a:stretch>
             <a:fillRect/>
           </a:stretch>
         </p:blipFill>
         <p:spPr>
           <a:xfrm>
-            <a:off x="1993900" y="2565400"/>
+            <a:off x="292100" y="2211368"/>
             <a:ext cx="1320800" cy="2032000"/>
           </a:xfrm>
           <a:prstGeom prst="rect">
@@ -14465,7 +15793,7 @@
         </p:nvSpPr>
         <p:spPr>
           <a:xfrm>
-            <a:off x="311700" y="319152"/>
+            <a:off x="311700" y="203725"/>
             <a:ext cx="8520600" cy="572700"/>
           </a:xfrm>
         </p:spPr>
@@ -14479,7 +15807,7 @@
                   <a:srgbClr val="DD7E6B"/>
                 </a:solidFill>
               </a:rPr>
-              <a:t>Influence de la concentration</a:t>
+              <a:t>Influence de la température</a:t>
             </a:r>
             <a:endParaRPr lang="fr-FR" b="1" dirty="0">
               <a:solidFill>
@@ -14499,7 +15827,12 @@
             <p:ph type="body" idx="1"/>
           </p:nvPr>
         </p:nvSpPr>
-        <p:spPr/>
+        <p:spPr>
+          <a:xfrm>
+            <a:off x="311700" y="898475"/>
+            <a:ext cx="8520600" cy="3416400"/>
+          </a:xfrm>
+        </p:spPr>
         <p:txBody>
           <a:bodyPr/>
           <a:lstStyle/>
@@ -14723,24 +16056,108 @@
           </a:p>
         </p:txBody>
       </p:sp>
+      <p:pic>
+        <p:nvPicPr>
+          <p:cNvPr id="17" name="Image 16"/>
+          <p:cNvPicPr>
+            <a:picLocks noChangeAspect="1"/>
+          </p:cNvPicPr>
+          <p:nvPr/>
+        </p:nvPicPr>
+        <p:blipFill>
+          <a:blip r:embed="rId4"/>
+          <a:stretch>
+            <a:fillRect/>
+          </a:stretch>
+        </p:blipFill>
+        <p:spPr>
+          <a:xfrm>
+            <a:off x="2870200" y="2159000"/>
+            <a:ext cx="1320800" cy="2032000"/>
+          </a:xfrm>
+          <a:prstGeom prst="rect">
+            <a:avLst/>
+          </a:prstGeom>
+        </p:spPr>
+      </p:pic>
+      <p:sp>
+        <p:nvSpPr>
+          <p:cNvPr id="10" name="ZoneTexte 9"/>
+          <p:cNvSpPr txBox="1"/>
+          <p:nvPr/>
+        </p:nvSpPr>
+        <p:spPr>
+          <a:xfrm>
+            <a:off x="444500" y="4279900"/>
+            <a:ext cx="1014671" cy="307777"/>
+          </a:xfrm>
+          <a:prstGeom prst="rect">
+            <a:avLst/>
+          </a:prstGeom>
+          <a:noFill/>
+        </p:spPr>
+        <p:txBody>
+          <a:bodyPr wrap="none" rtlCol="0">
+            <a:spAutoFit/>
+          </a:bodyPr>
+          <a:lstStyle/>
+          <a:p>
+            <a:r>
+              <a:rPr lang="fr-FR" dirty="0" smtClean="0"/>
+              <a:t>TUBE N°1</a:t>
+            </a:r>
+            <a:endParaRPr lang="fr-FR" dirty="0"/>
+          </a:p>
+        </p:txBody>
+      </p:sp>
+      <p:sp>
+        <p:nvSpPr>
+          <p:cNvPr id="27" name="ZoneTexte 26"/>
+          <p:cNvSpPr txBox="1"/>
+          <p:nvPr/>
+        </p:nvSpPr>
+        <p:spPr>
+          <a:xfrm>
+            <a:off x="3028222" y="4287113"/>
+            <a:ext cx="1014671" cy="307777"/>
+          </a:xfrm>
+          <a:prstGeom prst="rect">
+            <a:avLst/>
+          </a:prstGeom>
+          <a:noFill/>
+        </p:spPr>
+        <p:txBody>
+          <a:bodyPr wrap="none" rtlCol="0">
+            <a:spAutoFit/>
+          </a:bodyPr>
+          <a:lstStyle/>
+          <a:p>
+            <a:r>
+              <a:rPr lang="fr-FR" dirty="0" smtClean="0"/>
+              <a:t>TUBE N°2</a:t>
+            </a:r>
+            <a:endParaRPr lang="fr-FR" dirty="0"/>
+          </a:p>
+        </p:txBody>
+      </p:sp>
       <p:cxnSp>
         <p:nvCxnSpPr>
-          <p:cNvPr id="23" name="Connecteur en angle 22"/>
+          <p:cNvPr id="9" name="Connecteur droit 8"/>
           <p:cNvCxnSpPr/>
           <p:nvPr/>
         </p:nvCxnSpPr>
         <p:spPr>
-          <a:xfrm rot="16200000" flipH="1">
-            <a:off x="2222500" y="2660650"/>
-            <a:ext cx="495300" cy="266700"/>
-          </a:xfrm>
-          <a:prstGeom prst="bentConnector3">
-            <a:avLst>
-              <a:gd name="adj1" fmla="val -1282"/>
-            </a:avLst>
+          <a:xfrm>
+            <a:off x="2344420" y="3454400"/>
+            <a:ext cx="949960" cy="0"/>
+          </a:xfrm>
+          <a:prstGeom prst="line">
+            <a:avLst/>
           </a:prstGeom>
           <a:ln>
-            <a:tailEnd type="arrow"/>
+            <a:solidFill>
+              <a:schemeClr val="tx1"/>
+            </a:solidFill>
           </a:ln>
         </p:spPr>
         <p:style>
@@ -14758,137 +16175,24 @@
           </a:fontRef>
         </p:style>
       </p:cxnSp>
-      <p:sp>
-        <p:nvSpPr>
-          <p:cNvPr id="34" name="ZoneTexte 33"/>
-          <p:cNvSpPr txBox="1"/>
-          <p:nvPr/>
-        </p:nvSpPr>
-        <p:spPr>
-          <a:xfrm>
-            <a:off x="-12700" y="2336800"/>
-            <a:ext cx="2616200" cy="523220"/>
-          </a:xfrm>
-          <a:prstGeom prst="rect">
-            <a:avLst/>
-          </a:prstGeom>
-          <a:noFill/>
-        </p:spPr>
-        <p:txBody>
-          <a:bodyPr wrap="square" rtlCol="0">
-            <a:spAutoFit/>
-          </a:bodyPr>
-          <a:lstStyle/>
-          <a:p>
-            <a:pPr marL="285750" indent="-285750">
-              <a:buFont typeface="Arial"/>
-              <a:buChar char="•"/>
-            </a:pPr>
-            <a:r>
-              <a:rPr lang="fr-FR" dirty="0" smtClean="0"/>
-              <a:t>15mL KI à 1mol/L</a:t>
-            </a:r>
-            <a:endParaRPr lang="fr-FR" dirty="0"/>
-          </a:p>
-          <a:p>
-            <a:pPr marL="285750" indent="-285750">
-              <a:buFont typeface="Arial"/>
-              <a:buChar char="•"/>
-            </a:pPr>
-            <a:r>
-              <a:rPr lang="fr-FR" dirty="0" smtClean="0"/>
-              <a:t>5 mLNaS</a:t>
-            </a:r>
-            <a:r>
-              <a:rPr lang="fr-FR" baseline="-25000" dirty="0" smtClean="0"/>
-              <a:t>2</a:t>
-            </a:r>
-            <a:r>
-              <a:rPr lang="fr-FR" dirty="0" smtClean="0"/>
-              <a:t>O</a:t>
-            </a:r>
-            <a:r>
-              <a:rPr lang="fr-FR" baseline="-25000" dirty="0" smtClean="0"/>
-              <a:t>8</a:t>
-            </a:r>
-            <a:r>
-              <a:rPr lang="fr-FR" dirty="0" smtClean="0"/>
-              <a:t> à </a:t>
-            </a:r>
-            <a:r>
-              <a:rPr lang="fr-FR" dirty="0" smtClean="0">
-                <a:solidFill>
-                  <a:srgbClr val="FF0000"/>
-                </a:solidFill>
-              </a:rPr>
-              <a:t>10</a:t>
-            </a:r>
-            <a:r>
-              <a:rPr lang="fr-FR" baseline="30000" dirty="0" smtClean="0">
-                <a:solidFill>
-                  <a:srgbClr val="FF0000"/>
-                </a:solidFill>
-              </a:rPr>
-              <a:t>-2</a:t>
-            </a:r>
-            <a:r>
-              <a:rPr lang="fr-FR" dirty="0" smtClean="0">
-                <a:solidFill>
-                  <a:srgbClr val="FF0000"/>
-                </a:solidFill>
-              </a:rPr>
-              <a:t> mol/L</a:t>
-            </a:r>
-            <a:endParaRPr lang="fr-FR" dirty="0">
-              <a:solidFill>
-                <a:srgbClr val="FF0000"/>
-              </a:solidFill>
-            </a:endParaRPr>
-          </a:p>
-        </p:txBody>
-      </p:sp>
-      <p:pic>
-        <p:nvPicPr>
-          <p:cNvPr id="17" name="Image 16"/>
-          <p:cNvPicPr>
-            <a:picLocks noChangeAspect="1"/>
-          </p:cNvPicPr>
-          <p:nvPr/>
-        </p:nvPicPr>
-        <p:blipFill>
-          <a:blip r:embed="rId2"/>
-          <a:stretch>
-            <a:fillRect/>
-          </a:stretch>
-        </p:blipFill>
-        <p:spPr>
-          <a:xfrm>
-            <a:off x="4000500" y="2540000"/>
-            <a:ext cx="1320800" cy="2032000"/>
-          </a:xfrm>
-          <a:prstGeom prst="rect">
-            <a:avLst/>
-          </a:prstGeom>
-        </p:spPr>
-      </p:pic>
       <p:cxnSp>
         <p:nvCxnSpPr>
-          <p:cNvPr id="22" name="Connecteur en angle 21"/>
+          <p:cNvPr id="18" name="Connecteur droit 17"/>
           <p:cNvCxnSpPr/>
           <p:nvPr/>
         </p:nvCxnSpPr>
         <p:spPr>
-          <a:xfrm rot="5400000">
-            <a:off x="4572000" y="2686049"/>
-            <a:ext cx="495300" cy="215900"/>
-          </a:xfrm>
-          <a:prstGeom prst="bentConnector3">
-            <a:avLst>
-              <a:gd name="adj1" fmla="val -1282"/>
-            </a:avLst>
+          <a:xfrm>
+            <a:off x="3769049" y="3479800"/>
+            <a:ext cx="994525" cy="12700"/>
+          </a:xfrm>
+          <a:prstGeom prst="line">
+            <a:avLst/>
           </a:prstGeom>
           <a:ln>
-            <a:tailEnd type="arrow"/>
+            <a:solidFill>
+              <a:schemeClr val="tx1"/>
+            </a:solidFill>
           </a:ln>
         </p:spPr>
         <p:style>
@@ -14906,16 +16210,275 @@
           </a:fontRef>
         </p:style>
       </p:cxnSp>
+      <p:cxnSp>
+        <p:nvCxnSpPr>
+          <p:cNvPr id="19" name="Connecteur droit avec flèche 18"/>
+          <p:cNvCxnSpPr/>
+          <p:nvPr/>
+        </p:nvCxnSpPr>
+        <p:spPr>
+          <a:xfrm flipH="1">
+            <a:off x="4114800" y="3060700"/>
+            <a:ext cx="355600" cy="584200"/>
+          </a:xfrm>
+          <a:prstGeom prst="straightConnector1">
+            <a:avLst/>
+          </a:prstGeom>
+          <a:ln>
+            <a:tailEnd type="arrow"/>
+          </a:ln>
+        </p:spPr>
+        <p:style>
+          <a:lnRef idx="2">
+            <a:schemeClr val="accent1"/>
+          </a:lnRef>
+          <a:fillRef idx="0">
+            <a:schemeClr val="accent1"/>
+          </a:fillRef>
+          <a:effectRef idx="1">
+            <a:schemeClr val="accent1"/>
+          </a:effectRef>
+          <a:fontRef idx="minor">
+            <a:schemeClr val="tx1"/>
+          </a:fontRef>
+        </p:style>
+      </p:cxnSp>
+      <p:cxnSp>
+        <p:nvCxnSpPr>
+          <p:cNvPr id="24" name="Connecteur droit 23"/>
+          <p:cNvCxnSpPr/>
+          <p:nvPr/>
+        </p:nvCxnSpPr>
+        <p:spPr>
+          <a:xfrm>
+            <a:off x="4470400" y="3048000"/>
+            <a:ext cx="381000" cy="0"/>
+          </a:xfrm>
+          <a:prstGeom prst="line">
+            <a:avLst/>
+          </a:prstGeom>
+        </p:spPr>
+        <p:style>
+          <a:lnRef idx="2">
+            <a:schemeClr val="accent1"/>
+          </a:lnRef>
+          <a:fillRef idx="0">
+            <a:schemeClr val="accent1"/>
+          </a:fillRef>
+          <a:effectRef idx="1">
+            <a:schemeClr val="accent1"/>
+          </a:effectRef>
+          <a:fontRef idx="minor">
+            <a:schemeClr val="tx1"/>
+          </a:fontRef>
+        </p:style>
+      </p:cxnSp>
+      <p:grpSp>
+        <p:nvGrpSpPr>
+          <p:cNvPr id="28" name="Grouper 27"/>
+          <p:cNvGrpSpPr/>
+          <p:nvPr/>
+        </p:nvGrpSpPr>
+        <p:grpSpPr>
+          <a:xfrm>
+            <a:off x="5382835" y="2193180"/>
+            <a:ext cx="3063832" cy="2412999"/>
+            <a:chOff x="5448300" y="2336800"/>
+            <a:chExt cx="3063832" cy="2412999"/>
+          </a:xfrm>
+        </p:grpSpPr>
+        <p:pic>
+          <p:nvPicPr>
+            <p:cNvPr id="31" name="Image 30"/>
+            <p:cNvPicPr>
+              <a:picLocks noChangeAspect="1"/>
+            </p:cNvPicPr>
+            <p:nvPr/>
+          </p:nvPicPr>
+          <p:blipFill>
+            <a:blip r:embed="rId3"/>
+            <a:stretch>
+              <a:fillRect/>
+            </a:stretch>
+          </p:blipFill>
+          <p:spPr>
+            <a:xfrm>
+              <a:off x="5448300" y="3200400"/>
+              <a:ext cx="3063832" cy="1549399"/>
+            </a:xfrm>
+            <a:prstGeom prst="rect">
+              <a:avLst/>
+            </a:prstGeom>
+          </p:spPr>
+        </p:pic>
+        <p:pic>
+          <p:nvPicPr>
+            <p:cNvPr id="32" name="Image 31"/>
+            <p:cNvPicPr>
+              <a:picLocks noChangeAspect="1"/>
+            </p:cNvPicPr>
+            <p:nvPr/>
+          </p:nvPicPr>
+          <p:blipFill>
+            <a:blip r:embed="rId4"/>
+            <a:stretch>
+              <a:fillRect/>
+            </a:stretch>
+          </p:blipFill>
+          <p:spPr>
+            <a:xfrm>
+              <a:off x="6248400" y="2336800"/>
+              <a:ext cx="1320800" cy="2032000"/>
+            </a:xfrm>
+            <a:prstGeom prst="rect">
+              <a:avLst/>
+            </a:prstGeom>
+          </p:spPr>
+        </p:pic>
+        <p:cxnSp>
+          <p:nvCxnSpPr>
+            <p:cNvPr id="33" name="Connecteur droit 32"/>
+            <p:cNvCxnSpPr/>
+            <p:nvPr/>
+          </p:nvCxnSpPr>
+          <p:spPr>
+            <a:xfrm>
+              <a:off x="5722620" y="3632200"/>
+              <a:ext cx="949960" cy="0"/>
+            </a:xfrm>
+            <a:prstGeom prst="line">
+              <a:avLst/>
+            </a:prstGeom>
+            <a:ln>
+              <a:solidFill>
+                <a:schemeClr val="tx1"/>
+              </a:solidFill>
+            </a:ln>
+          </p:spPr>
+          <p:style>
+            <a:lnRef idx="2">
+              <a:schemeClr val="accent1"/>
+            </a:lnRef>
+            <a:fillRef idx="0">
+              <a:schemeClr val="accent1"/>
+            </a:fillRef>
+            <a:effectRef idx="1">
+              <a:schemeClr val="accent1"/>
+            </a:effectRef>
+            <a:fontRef idx="minor">
+              <a:schemeClr val="tx1"/>
+            </a:fontRef>
+          </p:style>
+        </p:cxnSp>
+        <p:cxnSp>
+          <p:nvCxnSpPr>
+            <p:cNvPr id="35" name="Connecteur droit 34"/>
+            <p:cNvCxnSpPr/>
+            <p:nvPr/>
+          </p:nvCxnSpPr>
+          <p:spPr>
+            <a:xfrm>
+              <a:off x="7147249" y="3657600"/>
+              <a:ext cx="994525" cy="12700"/>
+            </a:xfrm>
+            <a:prstGeom prst="line">
+              <a:avLst/>
+            </a:prstGeom>
+            <a:ln>
+              <a:solidFill>
+                <a:schemeClr val="tx1"/>
+              </a:solidFill>
+            </a:ln>
+          </p:spPr>
+          <p:style>
+            <a:lnRef idx="2">
+              <a:schemeClr val="accent1"/>
+            </a:lnRef>
+            <a:fillRef idx="0">
+              <a:schemeClr val="accent1"/>
+            </a:fillRef>
+            <a:effectRef idx="1">
+              <a:schemeClr val="accent1"/>
+            </a:effectRef>
+            <a:fontRef idx="minor">
+              <a:schemeClr val="tx1"/>
+            </a:fontRef>
+          </p:style>
+        </p:cxnSp>
+        <p:cxnSp>
+          <p:nvCxnSpPr>
+            <p:cNvPr id="36" name="Connecteur droit avec flèche 35"/>
+            <p:cNvCxnSpPr/>
+            <p:nvPr/>
+          </p:nvCxnSpPr>
+          <p:spPr>
+            <a:xfrm flipH="1">
+              <a:off x="7335884" y="3238500"/>
+              <a:ext cx="355600" cy="584200"/>
+            </a:xfrm>
+            <a:prstGeom prst="straightConnector1">
+              <a:avLst/>
+            </a:prstGeom>
+            <a:ln>
+              <a:tailEnd type="arrow"/>
+            </a:ln>
+          </p:spPr>
+          <p:style>
+            <a:lnRef idx="2">
+              <a:schemeClr val="accent1"/>
+            </a:lnRef>
+            <a:fillRef idx="0">
+              <a:schemeClr val="accent1"/>
+            </a:fillRef>
+            <a:effectRef idx="1">
+              <a:schemeClr val="accent1"/>
+            </a:effectRef>
+            <a:fontRef idx="minor">
+              <a:schemeClr val="tx1"/>
+            </a:fontRef>
+          </p:style>
+        </p:cxnSp>
+        <p:cxnSp>
+          <p:nvCxnSpPr>
+            <p:cNvPr id="37" name="Connecteur droit 36"/>
+            <p:cNvCxnSpPr/>
+            <p:nvPr/>
+          </p:nvCxnSpPr>
+          <p:spPr>
+            <a:xfrm>
+              <a:off x="7691484" y="3225800"/>
+              <a:ext cx="381000" cy="0"/>
+            </a:xfrm>
+            <a:prstGeom prst="line">
+              <a:avLst/>
+            </a:prstGeom>
+          </p:spPr>
+          <p:style>
+            <a:lnRef idx="2">
+              <a:schemeClr val="accent1"/>
+            </a:lnRef>
+            <a:fillRef idx="0">
+              <a:schemeClr val="accent1"/>
+            </a:fillRef>
+            <a:effectRef idx="1">
+              <a:schemeClr val="accent1"/>
+            </a:effectRef>
+            <a:fontRef idx="minor">
+              <a:schemeClr val="tx1"/>
+            </a:fontRef>
+          </p:style>
+        </p:cxnSp>
+      </p:grpSp>
       <p:sp>
         <p:nvSpPr>
-          <p:cNvPr id="25" name="ZoneTexte 24"/>
+          <p:cNvPr id="38" name="ZoneTexte 37"/>
           <p:cNvSpPr txBox="1"/>
           <p:nvPr/>
         </p:nvSpPr>
         <p:spPr>
           <a:xfrm>
-            <a:off x="5105400" y="2247900"/>
-            <a:ext cx="1752600" cy="954107"/>
+            <a:off x="8033788" y="2878980"/>
+            <a:ext cx="1236237" cy="523220"/>
           </a:xfrm>
           <a:prstGeom prst="rect">
             <a:avLst/>
@@ -14928,15 +16491,59 @@
           </a:bodyPr>
           <a:lstStyle/>
           <a:p>
+            <a:r>
+              <a:rPr lang="fr-FR" dirty="0" smtClean="0"/>
+              <a:t>Bain </a:t>
+            </a:r>
+            <a:r>
+              <a:rPr lang="fr-FR" dirty="0" err="1" smtClean="0"/>
+              <a:t>thermostaté</a:t>
+            </a:r>
+            <a:endParaRPr lang="fr-FR" dirty="0"/>
+          </a:p>
+        </p:txBody>
+      </p:sp>
+      <p:sp>
+        <p:nvSpPr>
+          <p:cNvPr id="34" name="ZoneTexte 33"/>
+          <p:cNvSpPr txBox="1"/>
+          <p:nvPr/>
+        </p:nvSpPr>
+        <p:spPr>
+          <a:xfrm>
+            <a:off x="4699000" y="874340"/>
+            <a:ext cx="2616200" cy="1384995"/>
+          </a:xfrm>
+          <a:prstGeom prst="rect">
+            <a:avLst/>
+          </a:prstGeom>
+          <a:noFill/>
+          <a:ln>
+            <a:solidFill>
+              <a:schemeClr val="accent2"/>
+            </a:solidFill>
+          </a:ln>
+        </p:spPr>
+        <p:txBody>
+          <a:bodyPr wrap="square" rtlCol="0">
+            <a:spAutoFit/>
+          </a:bodyPr>
+          <a:lstStyle/>
+          <a:p>
+            <a:r>
+              <a:rPr lang="fr-FR" dirty="0" smtClean="0"/>
+              <a:t>Préparation du mélange réactionnel initial:</a:t>
+            </a:r>
+          </a:p>
+          <a:p>
             <a:pPr marL="285750" indent="-285750">
               <a:buFont typeface="Arial"/>
               <a:buChar char="•"/>
             </a:pPr>
             <a:r>
               <a:rPr lang="fr-FR" dirty="0" smtClean="0"/>
-              <a:t>15mL KI à 1mol/L</a:t>
-            </a:r>
-            <a:endParaRPr lang="fr-FR" dirty="0"/>
+              <a:t>Eau distillée (tube à essai à mi hauteur) </a:t>
+            </a:r>
           </a:p>
           <a:p>
             <a:pPr marL="285750" indent="-285750">
@@ -14945,7 +16552,17 @@
             </a:pPr>
             <a:r>
               <a:rPr lang="fr-FR" dirty="0" smtClean="0"/>
-              <a:t>NaS</a:t>
+              <a:t>1mL de KI à 0,1 mol/L</a:t>
+            </a:r>
+          </a:p>
+          <a:p>
+            <a:pPr marL="285750" indent="-285750">
+              <a:buFont typeface="Arial"/>
+              <a:buChar char="•"/>
+            </a:pPr>
+            <a:r>
+              <a:rPr lang="fr-FR" dirty="0" smtClean="0"/>
+              <a:t>1mL de K</a:t>
             </a:r>
             <a:r>
               <a:rPr lang="fr-FR" baseline="-25000" dirty="0" smtClean="0"/>
@@ -14953,57 +16570,33 @@
             </a:r>
             <a:r>
               <a:rPr lang="fr-FR" dirty="0" smtClean="0"/>
+              <a:t>S</a:t>
+            </a:r>
+            <a:r>
+              <a:rPr lang="fr-FR" baseline="-25000" dirty="0" smtClean="0"/>
+              <a:t>2</a:t>
+            </a:r>
+            <a:r>
+              <a:rPr lang="fr-FR" dirty="0" smtClean="0"/>
               <a:t>O</a:t>
             </a:r>
             <a:r>
               <a:rPr lang="fr-FR" baseline="-25000" dirty="0" smtClean="0"/>
               <a:t>8</a:t>
             </a:r>
-            <a:r>
-              <a:rPr lang="fr-FR" dirty="0" smtClean="0"/>
-              <a:t> à </a:t>
-            </a:r>
-            <a:r>
-              <a:rPr lang="fr-FR" dirty="0" smtClean="0">
-                <a:solidFill>
-                  <a:srgbClr val="FF0000"/>
-                </a:solidFill>
-              </a:rPr>
-              <a:t>10</a:t>
-            </a:r>
-            <a:r>
-              <a:rPr lang="fr-FR" baseline="30000" dirty="0" smtClean="0">
-                <a:solidFill>
-                  <a:srgbClr val="FF0000"/>
-                </a:solidFill>
-              </a:rPr>
-              <a:t>-3</a:t>
-            </a:r>
-            <a:r>
-              <a:rPr lang="fr-FR" dirty="0" smtClean="0">
-                <a:solidFill>
-                  <a:srgbClr val="FF0000"/>
-                </a:solidFill>
-              </a:rPr>
-              <a:t> mol/L</a:t>
-            </a:r>
-            <a:endParaRPr lang="fr-FR" dirty="0">
-              <a:solidFill>
-                <a:srgbClr val="FF0000"/>
-              </a:solidFill>
-            </a:endParaRPr>
+            <a:endParaRPr lang="fr-FR" baseline="-25000" dirty="0"/>
           </a:p>
         </p:txBody>
       </p:sp>
       <p:sp>
         <p:nvSpPr>
-          <p:cNvPr id="10" name="ZoneTexte 9"/>
+          <p:cNvPr id="39" name="ZoneTexte 38"/>
           <p:cNvSpPr txBox="1"/>
           <p:nvPr/>
         </p:nvSpPr>
         <p:spPr>
           <a:xfrm>
-            <a:off x="2133600" y="4635500"/>
+            <a:off x="6440842" y="4321686"/>
             <a:ext cx="1014671" cy="307777"/>
           </a:xfrm>
           <a:prstGeom prst="rect">
@@ -15019,7 +16612,7 @@
           <a:p>
             <a:r>
               <a:rPr lang="fr-FR" dirty="0" smtClean="0"/>
-              <a:t>TUBE N°1</a:t>
+              <a:t>TUBE N°3</a:t>
             </a:r>
             <a:endParaRPr lang="fr-FR" dirty="0"/>
           </a:p>
@@ -15027,14 +16620,60 @@
       </p:sp>
       <p:sp>
         <p:nvSpPr>
-          <p:cNvPr id="27" name="ZoneTexte 26"/>
+          <p:cNvPr id="40" name="Trapèze 39"/>
+          <p:cNvSpPr/>
+          <p:nvPr/>
+        </p:nvSpPr>
+        <p:spPr>
+          <a:xfrm rot="10800000">
+            <a:off x="6559719" y="2422010"/>
+            <a:ext cx="536824" cy="458219"/>
+          </a:xfrm>
+          <a:prstGeom prst="trapezoid">
+            <a:avLst/>
+          </a:prstGeom>
+          <a:solidFill>
+            <a:srgbClr val="FFFFFF"/>
+          </a:solidFill>
+          <a:ln>
+            <a:solidFill>
+              <a:srgbClr val="000000"/>
+            </a:solidFill>
+          </a:ln>
+        </p:spPr>
+        <p:style>
+          <a:lnRef idx="1">
+            <a:schemeClr val="accent1"/>
+          </a:lnRef>
+          <a:fillRef idx="3">
+            <a:schemeClr val="accent1"/>
+          </a:fillRef>
+          <a:effectRef idx="2">
+            <a:schemeClr val="accent1"/>
+          </a:effectRef>
+          <a:fontRef idx="minor">
+            <a:schemeClr val="lt1"/>
+          </a:fontRef>
+        </p:style>
+        <p:txBody>
+          <a:bodyPr rtlCol="0" anchor="ctr"/>
+          <a:lstStyle/>
+          <a:p>
+            <a:pPr algn="ctr"/>
+            <a:endParaRPr lang="fr-FR"/>
+          </a:p>
+        </p:txBody>
+      </p:sp>
+      <p:sp>
+        <p:nvSpPr>
+          <p:cNvPr id="26" name="ZoneTexte 25"/>
           <p:cNvSpPr txBox="1"/>
           <p:nvPr/>
         </p:nvSpPr>
         <p:spPr>
           <a:xfrm>
-            <a:off x="4178300" y="4673600"/>
-            <a:ext cx="1014671" cy="307777"/>
+            <a:off x="4889500" y="2908300"/>
+            <a:ext cx="653670" cy="307777"/>
           </a:xfrm>
           <a:prstGeom prst="rect">
             <a:avLst/>
@@ -15049,7 +16688,7 @@
           <a:p>
             <a:r>
               <a:rPr lang="fr-FR" dirty="0" smtClean="0"/>
-              <a:t>TUBE N°2</a:t>
+              <a:t>Glace</a:t>
             </a:r>
             <a:endParaRPr lang="fr-FR" dirty="0"/>
           </a:p>
@@ -15058,7 +16697,7 @@
     </p:spTree>
     <p:extLst>
       <p:ext uri="{BB962C8B-B14F-4D97-AF65-F5344CB8AC3E}">
-        <p14:creationId xmlns:p14="http://schemas.microsoft.com/office/powerpoint/2010/main" val="1804513834"/>
+        <p14:creationId xmlns:p14="http://schemas.microsoft.com/office/powerpoint/2010/main" val="1350394279"/>
       </p:ext>
     </p:extLst>
   </p:cSld>
@@ -15092,20 +16731,74 @@
           <a:chExt cx="0" cy="0"/>
         </a:xfrm>
       </p:grpSpPr>
+      <p:pic>
+        <p:nvPicPr>
+          <p:cNvPr id="5" name="Image 4"/>
+          <p:cNvPicPr>
+            <a:picLocks noChangeAspect="1"/>
+          </p:cNvPicPr>
+          <p:nvPr/>
+        </p:nvPicPr>
+        <p:blipFill>
+          <a:blip r:embed="rId2"/>
+          <a:stretch>
+            <a:fillRect/>
+          </a:stretch>
+        </p:blipFill>
+        <p:spPr>
+          <a:xfrm>
+            <a:off x="1993900" y="2565400"/>
+            <a:ext cx="1320800" cy="2032000"/>
+          </a:xfrm>
+          <a:prstGeom prst="rect">
+            <a:avLst/>
+          </a:prstGeom>
+        </p:spPr>
+      </p:pic>
       <p:sp>
         <p:nvSpPr>
-          <p:cNvPr id="2" name="Espace réservé du numéro de diapositive 1">
-            <a:extLst>
-              <a:ext uri="{FF2B5EF4-FFF2-40B4-BE49-F238E27FC236}">
-                <a16:creationId xmlns:a16="http://schemas.microsoft.com/office/drawing/2014/main" xmlns="" id="{9AF0B983-9AE3-47FA-949E-54D187B28910}"/>
-              </a:ext>
-            </a:extLst>
-          </p:cNvPr>
+          <p:cNvPr id="2" name="Titre 1"/>
           <p:cNvSpPr>
             <a:spLocks noGrp="1"/>
           </p:cNvSpPr>
           <p:nvPr>
-            <p:ph type="sldNum" sz="quarter" idx="12"/>
+            <p:ph type="title"/>
+          </p:nvPr>
+        </p:nvSpPr>
+        <p:spPr>
+          <a:xfrm>
+            <a:off x="311700" y="319152"/>
+            <a:ext cx="8520600" cy="572700"/>
+          </a:xfrm>
+        </p:spPr>
+        <p:txBody>
+          <a:bodyPr/>
+          <a:lstStyle/>
+          <a:p>
+            <a:r>
+              <a:rPr lang="fr-FR" b="1" dirty="0" smtClean="0">
+                <a:solidFill>
+                  <a:srgbClr val="DD7E6B"/>
+                </a:solidFill>
+              </a:rPr>
+              <a:t>Influence de la concentration</a:t>
+            </a:r>
+            <a:endParaRPr lang="fr-FR" b="1" dirty="0">
+              <a:solidFill>
+                <a:srgbClr val="DD7E6B"/>
+              </a:solidFill>
+            </a:endParaRPr>
+          </a:p>
+        </p:txBody>
+      </p:sp>
+      <p:sp>
+        <p:nvSpPr>
+          <p:cNvPr id="3" name="Espace réservé du texte 2"/>
+          <p:cNvSpPr>
+            <a:spLocks noGrp="1"/>
+          </p:cNvSpPr>
+          <p:nvPr>
+            <p:ph type="body" idx="1"/>
           </p:nvPr>
         </p:nvSpPr>
         <p:spPr/>
@@ -15113,803 +16806,574 @@
           <a:bodyPr/>
           <a:lstStyle/>
           <a:p>
-            <a:fld id="{4FAB73BC-B049-4115-A692-8D63A059BFB8}" type="slidenum">
-              <a:rPr lang="en-US" smtClean="0"/>
-              <a:pPr/>
-              <a:t>9</a:t>
-            </a:fld>
-            <a:endParaRPr lang="en-US" dirty="0"/>
+            <a:pPr marL="114300" indent="0">
+              <a:buNone/>
+            </a:pPr>
+            <a:r>
+              <a:rPr lang="fr" dirty="0">
+                <a:solidFill>
+                  <a:schemeClr val="dk1"/>
+                </a:solidFill>
+                <a:latin typeface="Calibri"/>
+                <a:ea typeface="Calibri"/>
+                <a:cs typeface="Calibri"/>
+                <a:sym typeface="Calibri"/>
+              </a:rPr>
+              <a:t>2 I</a:t>
+            </a:r>
+            <a:r>
+              <a:rPr lang="fr" baseline="30000" dirty="0">
+                <a:solidFill>
+                  <a:schemeClr val="dk1"/>
+                </a:solidFill>
+                <a:latin typeface="Calibri"/>
+                <a:ea typeface="Calibri"/>
+                <a:cs typeface="Calibri"/>
+                <a:sym typeface="Calibri"/>
+              </a:rPr>
+              <a:t>-</a:t>
+            </a:r>
+            <a:r>
+              <a:rPr lang="fr" baseline="-25000" dirty="0">
+                <a:solidFill>
+                  <a:schemeClr val="dk1"/>
+                </a:solidFill>
+                <a:latin typeface="Calibri"/>
+                <a:ea typeface="Calibri"/>
+                <a:cs typeface="Calibri"/>
+                <a:sym typeface="Calibri"/>
+              </a:rPr>
+              <a:t>(aq)</a:t>
+            </a:r>
+            <a:r>
+              <a:rPr lang="fr" dirty="0">
+                <a:solidFill>
+                  <a:schemeClr val="dk1"/>
+                </a:solidFill>
+                <a:latin typeface="Calibri"/>
+                <a:ea typeface="Calibri"/>
+                <a:cs typeface="Calibri"/>
+                <a:sym typeface="Calibri"/>
+              </a:rPr>
+              <a:t> + S</a:t>
+            </a:r>
+            <a:r>
+              <a:rPr lang="fr" baseline="-25000" dirty="0">
+                <a:solidFill>
+                  <a:schemeClr val="dk1"/>
+                </a:solidFill>
+                <a:latin typeface="Calibri"/>
+                <a:ea typeface="Calibri"/>
+                <a:cs typeface="Calibri"/>
+                <a:sym typeface="Calibri"/>
+              </a:rPr>
+              <a:t>2</a:t>
+            </a:r>
+            <a:r>
+              <a:rPr lang="fr" dirty="0">
+                <a:solidFill>
+                  <a:schemeClr val="dk1"/>
+                </a:solidFill>
+                <a:latin typeface="Calibri"/>
+                <a:ea typeface="Calibri"/>
+                <a:cs typeface="Calibri"/>
+                <a:sym typeface="Calibri"/>
+              </a:rPr>
+              <a:t>O</a:t>
+            </a:r>
+            <a:r>
+              <a:rPr lang="fr" baseline="-25000" dirty="0">
+                <a:solidFill>
+                  <a:schemeClr val="dk1"/>
+                </a:solidFill>
+                <a:latin typeface="Calibri"/>
+                <a:ea typeface="Calibri"/>
+                <a:cs typeface="Calibri"/>
+                <a:sym typeface="Calibri"/>
+              </a:rPr>
+              <a:t>8</a:t>
+            </a:r>
+            <a:r>
+              <a:rPr lang="fr" baseline="30000" dirty="0">
+                <a:solidFill>
+                  <a:schemeClr val="dk1"/>
+                </a:solidFill>
+                <a:latin typeface="Calibri"/>
+                <a:ea typeface="Calibri"/>
+                <a:cs typeface="Calibri"/>
+                <a:sym typeface="Calibri"/>
+              </a:rPr>
+              <a:t>2-</a:t>
+            </a:r>
+            <a:r>
+              <a:rPr lang="fr" baseline="-25000" dirty="0">
+                <a:solidFill>
+                  <a:schemeClr val="dk1"/>
+                </a:solidFill>
+                <a:latin typeface="Calibri"/>
+                <a:ea typeface="Calibri"/>
+                <a:cs typeface="Calibri"/>
+                <a:sym typeface="Calibri"/>
+              </a:rPr>
+              <a:t>(aq)</a:t>
+            </a:r>
+            <a:r>
+              <a:rPr lang="fr" dirty="0">
+                <a:solidFill>
+                  <a:schemeClr val="dk1"/>
+                </a:solidFill>
+                <a:latin typeface="Calibri"/>
+                <a:ea typeface="Calibri"/>
+                <a:cs typeface="Calibri"/>
+                <a:sym typeface="Calibri"/>
+              </a:rPr>
+              <a:t>=I</a:t>
+            </a:r>
+            <a:r>
+              <a:rPr lang="fr" baseline="-25000" dirty="0">
+                <a:solidFill>
+                  <a:schemeClr val="dk1"/>
+                </a:solidFill>
+                <a:latin typeface="Calibri"/>
+                <a:ea typeface="Calibri"/>
+                <a:cs typeface="Calibri"/>
+                <a:sym typeface="Calibri"/>
+              </a:rPr>
+              <a:t>2(aq)</a:t>
+            </a:r>
+            <a:r>
+              <a:rPr lang="fr" dirty="0">
+                <a:solidFill>
+                  <a:schemeClr val="dk1"/>
+                </a:solidFill>
+                <a:latin typeface="Calibri"/>
+                <a:ea typeface="Calibri"/>
+                <a:cs typeface="Calibri"/>
+                <a:sym typeface="Calibri"/>
+              </a:rPr>
+              <a:t>+ 2 SO</a:t>
+            </a:r>
+            <a:r>
+              <a:rPr lang="fr" baseline="-25000" dirty="0">
+                <a:solidFill>
+                  <a:schemeClr val="dk1"/>
+                </a:solidFill>
+                <a:latin typeface="Calibri"/>
+                <a:ea typeface="Calibri"/>
+                <a:cs typeface="Calibri"/>
+                <a:sym typeface="Calibri"/>
+              </a:rPr>
+              <a:t>4</a:t>
+            </a:r>
+            <a:r>
+              <a:rPr lang="fr" baseline="30000" dirty="0">
+                <a:solidFill>
+                  <a:schemeClr val="dk1"/>
+                </a:solidFill>
+                <a:latin typeface="Calibri"/>
+                <a:ea typeface="Calibri"/>
+                <a:cs typeface="Calibri"/>
+                <a:sym typeface="Calibri"/>
+              </a:rPr>
+              <a:t>2-</a:t>
+            </a:r>
+            <a:r>
+              <a:rPr lang="fr" baseline="-25000" dirty="0">
+                <a:solidFill>
+                  <a:schemeClr val="dk1"/>
+                </a:solidFill>
+                <a:latin typeface="Calibri"/>
+                <a:ea typeface="Calibri"/>
+                <a:cs typeface="Calibri"/>
+                <a:sym typeface="Calibri"/>
+              </a:rPr>
+              <a:t>(aq) </a:t>
+            </a:r>
+            <a:endParaRPr lang="fr-FR" dirty="0"/>
           </a:p>
         </p:txBody>
       </p:sp>
       <p:sp>
         <p:nvSpPr>
-          <p:cNvPr id="3" name="Titre 2">
-            <a:extLst>
-              <a:ext uri="{FF2B5EF4-FFF2-40B4-BE49-F238E27FC236}">
-                <a16:creationId xmlns:a16="http://schemas.microsoft.com/office/drawing/2014/main" xmlns="" id="{29A45A22-E167-48E3-9F7D-AF85BDAEF368}"/>
-              </a:ext>
-            </a:extLst>
-          </p:cNvPr>
+          <p:cNvPr id="4" name="Espace réservé du numéro de diapositive 3"/>
           <p:cNvSpPr>
             <a:spLocks noGrp="1"/>
           </p:cNvSpPr>
           <p:nvPr>
-            <p:ph type="title" idx="4294967295"/>
+            <p:ph type="sldNum" idx="12"/>
           </p:nvPr>
         </p:nvSpPr>
-        <p:spPr>
-          <a:xfrm>
-            <a:off x="652166" y="132893"/>
-            <a:ext cx="7543800" cy="694283"/>
-          </a:xfrm>
-        </p:spPr>
+        <p:spPr/>
         <p:txBody>
           <a:bodyPr/>
           <a:lstStyle/>
           <a:p>
-            <a:r>
-              <a:rPr lang="fr-FR" b="1" dirty="0">
+            <a:pPr marL="0" lvl="0" indent="0" algn="r" rtl="0">
+              <a:spcBef>
+                <a:spcPts val="0"/>
+              </a:spcBef>
+              <a:spcAft>
+                <a:spcPts val="0"/>
+              </a:spcAft>
+              <a:buNone/>
+            </a:pPr>
+            <a:fld id="{00000000-1234-1234-1234-123412341234}" type="slidenum">
+              <a:rPr lang="fr" smtClean="0"/>
+              <a:t>9</a:t>
+            </a:fld>
+            <a:endParaRPr lang="fr"/>
+          </a:p>
+        </p:txBody>
+      </p:sp>
+      <p:cxnSp>
+        <p:nvCxnSpPr>
+          <p:cNvPr id="23" name="Connecteur en angle 22"/>
+          <p:cNvCxnSpPr/>
+          <p:nvPr/>
+        </p:nvCxnSpPr>
+        <p:spPr>
+          <a:xfrm rot="16200000" flipH="1">
+            <a:off x="2222500" y="2660650"/>
+            <a:ext cx="495300" cy="266700"/>
+          </a:xfrm>
+          <a:prstGeom prst="bentConnector3">
+            <a:avLst>
+              <a:gd name="adj1" fmla="val -1282"/>
+            </a:avLst>
+          </a:prstGeom>
+          <a:ln>
+            <a:tailEnd type="arrow"/>
+          </a:ln>
+        </p:spPr>
+        <p:style>
+          <a:lnRef idx="2">
+            <a:schemeClr val="accent1"/>
+          </a:lnRef>
+          <a:fillRef idx="0">
+            <a:schemeClr val="accent1"/>
+          </a:fillRef>
+          <a:effectRef idx="1">
+            <a:schemeClr val="accent1"/>
+          </a:effectRef>
+          <a:fontRef idx="minor">
+            <a:schemeClr val="tx1"/>
+          </a:fontRef>
+        </p:style>
+      </p:cxnSp>
+      <p:sp>
+        <p:nvSpPr>
+          <p:cNvPr id="34" name="ZoneTexte 33"/>
+          <p:cNvSpPr txBox="1"/>
+          <p:nvPr/>
+        </p:nvSpPr>
+        <p:spPr>
+          <a:xfrm>
+            <a:off x="-12700" y="2336800"/>
+            <a:ext cx="2616200" cy="523220"/>
+          </a:xfrm>
+          <a:prstGeom prst="rect">
+            <a:avLst/>
+          </a:prstGeom>
+          <a:noFill/>
+        </p:spPr>
+        <p:txBody>
+          <a:bodyPr wrap="square" rtlCol="0">
+            <a:spAutoFit/>
+          </a:bodyPr>
+          <a:lstStyle/>
+          <a:p>
+            <a:pPr marL="285750" indent="-285750">
+              <a:buFont typeface="Arial"/>
+              <a:buChar char="•"/>
+            </a:pPr>
+            <a:r>
+              <a:rPr lang="fr-FR" dirty="0" smtClean="0"/>
+              <a:t>15mL KI à 1mol/L</a:t>
+            </a:r>
+            <a:endParaRPr lang="fr-FR" dirty="0"/>
+          </a:p>
+          <a:p>
+            <a:pPr marL="285750" indent="-285750">
+              <a:buFont typeface="Arial"/>
+              <a:buChar char="•"/>
+            </a:pPr>
+            <a:r>
+              <a:rPr lang="fr-FR" dirty="0" smtClean="0"/>
+              <a:t>5 mLNaS</a:t>
+            </a:r>
+            <a:r>
+              <a:rPr lang="fr-FR" baseline="-25000" dirty="0" smtClean="0"/>
+              <a:t>2</a:t>
+            </a:r>
+            <a:r>
+              <a:rPr lang="fr-FR" dirty="0" smtClean="0"/>
+              <a:t>O</a:t>
+            </a:r>
+            <a:r>
+              <a:rPr lang="fr-FR" baseline="-25000" dirty="0" smtClean="0"/>
+              <a:t>8</a:t>
+            </a:r>
+            <a:r>
+              <a:rPr lang="fr-FR" dirty="0" smtClean="0"/>
+              <a:t> à </a:t>
+            </a:r>
+            <a:r>
+              <a:rPr lang="fr-FR" dirty="0" smtClean="0">
                 <a:solidFill>
-                  <a:srgbClr val="DD7E6B"/>
+                  <a:srgbClr val="FF0000"/>
                 </a:solidFill>
               </a:rPr>
-              <a:t>Pots</a:t>
-            </a:r>
-            <a:r>
-              <a:rPr lang="fr-FR" dirty="0"/>
-              <a:t> </a:t>
-            </a:r>
-            <a:r>
-              <a:rPr lang="fr-FR" b="1" dirty="0">
+              <a:t>10</a:t>
+            </a:r>
+            <a:r>
+              <a:rPr lang="fr-FR" baseline="30000" dirty="0" smtClean="0">
                 <a:solidFill>
-                  <a:srgbClr val="DD7E6B"/>
+                  <a:srgbClr val="FF0000"/>
                 </a:solidFill>
               </a:rPr>
-              <a:t>catalytique</a:t>
-            </a:r>
+              <a:t>-2</a:t>
+            </a:r>
+            <a:r>
+              <a:rPr lang="fr-FR" dirty="0" smtClean="0">
+                <a:solidFill>
+                  <a:srgbClr val="FF0000"/>
+                </a:solidFill>
+              </a:rPr>
+              <a:t> mol/L</a:t>
+            </a:r>
+            <a:endParaRPr lang="fr-FR" dirty="0">
+              <a:solidFill>
+                <a:srgbClr val="FF0000"/>
+              </a:solidFill>
+            </a:endParaRPr>
           </a:p>
         </p:txBody>
       </p:sp>
-      <p:grpSp>
-        <p:nvGrpSpPr>
-          <p:cNvPr id="17" name="Groupe 16">
-            <a:extLst>
-              <a:ext uri="{FF2B5EF4-FFF2-40B4-BE49-F238E27FC236}">
-                <a16:creationId xmlns:a16="http://schemas.microsoft.com/office/drawing/2014/main" xmlns="" id="{7A7249D4-4C71-4C39-98EC-36A1B55F3787}"/>
-              </a:ext>
-            </a:extLst>
-          </p:cNvPr>
-          <p:cNvGrpSpPr/>
+      <p:pic>
+        <p:nvPicPr>
+          <p:cNvPr id="17" name="Image 16"/>
+          <p:cNvPicPr>
+            <a:picLocks noChangeAspect="1"/>
+          </p:cNvPicPr>
           <p:nvPr/>
-        </p:nvGrpSpPr>
-        <p:grpSpPr>
+        </p:nvPicPr>
+        <p:blipFill>
+          <a:blip r:embed="rId2"/>
+          <a:stretch>
+            <a:fillRect/>
+          </a:stretch>
+        </p:blipFill>
+        <p:spPr>
           <a:xfrm>
-            <a:off x="5057074" y="838617"/>
-            <a:ext cx="3937950" cy="3858429"/>
-            <a:chOff x="5057074" y="838876"/>
-            <a:chExt cx="3937950" cy="3859620"/>
-          </a:xfrm>
-        </p:grpSpPr>
-        <p:pic>
-          <p:nvPicPr>
-            <p:cNvPr id="5" name="Image 4">
-              <a:extLst>
-                <a:ext uri="{FF2B5EF4-FFF2-40B4-BE49-F238E27FC236}">
-                  <a16:creationId xmlns:a16="http://schemas.microsoft.com/office/drawing/2014/main" xmlns="" id="{5649301B-EAD4-4B1F-8751-2477136C458A}"/>
-                </a:ext>
-              </a:extLst>
-            </p:cNvPr>
-            <p:cNvPicPr>
-              <a:picLocks noChangeAspect="1"/>
-            </p:cNvPicPr>
-            <p:nvPr/>
-          </p:nvPicPr>
-          <p:blipFill>
-            <a:blip r:embed="rId2">
-              <a:extLst>
-                <a:ext uri="{28A0092B-C50C-407E-A947-70E740481C1C}">
-                  <a14:useLocalDpi xmlns:a14="http://schemas.microsoft.com/office/drawing/2010/main" val="0"/>
-                </a:ext>
-              </a:extLst>
-            </a:blip>
-            <a:stretch>
-              <a:fillRect/>
-            </a:stretch>
-          </p:blipFill>
-          <p:spPr>
-            <a:xfrm>
-              <a:off x="5057074" y="838876"/>
-              <a:ext cx="3859620" cy="3859620"/>
-            </a:xfrm>
-            <a:prstGeom prst="rect">
-              <a:avLst/>
-            </a:prstGeom>
-          </p:spPr>
-        </p:pic>
-        <p:cxnSp>
-          <p:nvCxnSpPr>
-            <p:cNvPr id="7" name="Connecteur droit avec flèche 6">
-              <a:extLst>
-                <a:ext uri="{FF2B5EF4-FFF2-40B4-BE49-F238E27FC236}">
-                  <a16:creationId xmlns:a16="http://schemas.microsoft.com/office/drawing/2014/main" xmlns="" id="{4A6435DD-FEDB-4C9E-A19F-82F7A233501E}"/>
-                </a:ext>
-              </a:extLst>
-            </p:cNvPr>
-            <p:cNvCxnSpPr>
-              <a:cxnSpLocks/>
-            </p:cNvCxnSpPr>
-            <p:nvPr/>
-          </p:nvCxnSpPr>
-          <p:spPr>
-            <a:xfrm flipH="1">
-              <a:off x="7227143" y="1678568"/>
-              <a:ext cx="974377" cy="1669254"/>
-            </a:xfrm>
-            <a:prstGeom prst="straightConnector1">
-              <a:avLst/>
-            </a:prstGeom>
-            <a:ln w="19050">
+            <a:off x="4000500" y="2540000"/>
+            <a:ext cx="1320800" cy="2032000"/>
+          </a:xfrm>
+          <a:prstGeom prst="rect">
+            <a:avLst/>
+          </a:prstGeom>
+        </p:spPr>
+      </p:pic>
+      <p:cxnSp>
+        <p:nvCxnSpPr>
+          <p:cNvPr id="22" name="Connecteur en angle 21"/>
+          <p:cNvCxnSpPr/>
+          <p:nvPr/>
+        </p:nvCxnSpPr>
+        <p:spPr>
+          <a:xfrm rot="5400000">
+            <a:off x="4572000" y="2686049"/>
+            <a:ext cx="495300" cy="215900"/>
+          </a:xfrm>
+          <a:prstGeom prst="bentConnector3">
+            <a:avLst>
+              <a:gd name="adj1" fmla="val -1282"/>
+            </a:avLst>
+          </a:prstGeom>
+          <a:ln>
+            <a:tailEnd type="arrow"/>
+          </a:ln>
+        </p:spPr>
+        <p:style>
+          <a:lnRef idx="2">
+            <a:schemeClr val="accent1"/>
+          </a:lnRef>
+          <a:fillRef idx="0">
+            <a:schemeClr val="accent1"/>
+          </a:fillRef>
+          <a:effectRef idx="1">
+            <a:schemeClr val="accent1"/>
+          </a:effectRef>
+          <a:fontRef idx="minor">
+            <a:schemeClr val="tx1"/>
+          </a:fontRef>
+        </p:style>
+      </p:cxnSp>
+      <p:sp>
+        <p:nvSpPr>
+          <p:cNvPr id="25" name="ZoneTexte 24"/>
+          <p:cNvSpPr txBox="1"/>
+          <p:nvPr/>
+        </p:nvSpPr>
+        <p:spPr>
+          <a:xfrm>
+            <a:off x="5105400" y="2247900"/>
+            <a:ext cx="1752600" cy="954107"/>
+          </a:xfrm>
+          <a:prstGeom prst="rect">
+            <a:avLst/>
+          </a:prstGeom>
+          <a:noFill/>
+        </p:spPr>
+        <p:txBody>
+          <a:bodyPr wrap="square" rtlCol="0">
+            <a:spAutoFit/>
+          </a:bodyPr>
+          <a:lstStyle/>
+          <a:p>
+            <a:pPr marL="285750" indent="-285750">
+              <a:buFont typeface="Arial"/>
+              <a:buChar char="•"/>
+            </a:pPr>
+            <a:r>
+              <a:rPr lang="fr-FR" dirty="0" smtClean="0"/>
+              <a:t>15mL KI à 1mol/L</a:t>
+            </a:r>
+            <a:endParaRPr lang="fr-FR" dirty="0"/>
+          </a:p>
+          <a:p>
+            <a:pPr marL="285750" indent="-285750">
+              <a:buFont typeface="Arial"/>
+              <a:buChar char="•"/>
+            </a:pPr>
+            <a:r>
+              <a:rPr lang="fr-FR" dirty="0" smtClean="0"/>
+              <a:t>NaS</a:t>
+            </a:r>
+            <a:r>
+              <a:rPr lang="fr-FR" baseline="-25000" dirty="0" smtClean="0"/>
+              <a:t>2</a:t>
+            </a:r>
+            <a:r>
+              <a:rPr lang="fr-FR" dirty="0" smtClean="0"/>
+              <a:t>O</a:t>
+            </a:r>
+            <a:r>
+              <a:rPr lang="fr-FR" baseline="-25000" dirty="0" smtClean="0"/>
+              <a:t>8</a:t>
+            </a:r>
+            <a:r>
+              <a:rPr lang="fr-FR" dirty="0" smtClean="0"/>
+              <a:t> à </a:t>
+            </a:r>
+            <a:r>
+              <a:rPr lang="fr-FR" dirty="0" smtClean="0">
+                <a:solidFill>
+                  <a:srgbClr val="FF0000"/>
+                </a:solidFill>
+              </a:rPr>
+              <a:t>10</a:t>
+            </a:r>
+            <a:r>
+              <a:rPr lang="fr-FR" baseline="30000" dirty="0" smtClean="0">
+                <a:solidFill>
+                  <a:srgbClr val="FF0000"/>
+                </a:solidFill>
+              </a:rPr>
+              <a:t>-3</a:t>
+            </a:r>
+            <a:r>
+              <a:rPr lang="fr-FR" dirty="0" smtClean="0">
+                <a:solidFill>
+                  <a:srgbClr val="FF0000"/>
+                </a:solidFill>
+              </a:rPr>
+              <a:t> mol/L</a:t>
+            </a:r>
+            <a:endParaRPr lang="fr-FR" dirty="0">
               <a:solidFill>
-                <a:srgbClr val="D26958"/>
+                <a:srgbClr val="FF0000"/>
               </a:solidFill>
-              <a:tailEnd type="triangle"/>
-            </a:ln>
-          </p:spPr>
-          <p:style>
-            <a:lnRef idx="1">
-              <a:schemeClr val="accent2"/>
-            </a:lnRef>
-            <a:fillRef idx="0">
-              <a:schemeClr val="accent2"/>
-            </a:fillRef>
-            <a:effectRef idx="0">
-              <a:schemeClr val="accent2"/>
-            </a:effectRef>
-            <a:fontRef idx="minor">
-              <a:schemeClr val="tx1"/>
-            </a:fontRef>
-          </p:style>
-        </p:cxnSp>
-        <p:sp>
-          <p:nvSpPr>
-            <p:cNvPr id="14" name="ZoneTexte 13">
-              <a:extLst>
-                <a:ext uri="{FF2B5EF4-FFF2-40B4-BE49-F238E27FC236}">
-                  <a16:creationId xmlns:a16="http://schemas.microsoft.com/office/drawing/2014/main" xmlns="" id="{54C45364-9984-472B-8F33-D5A41EE9808E}"/>
-                </a:ext>
-              </a:extLst>
-            </p:cNvPr>
-            <p:cNvSpPr txBox="1"/>
-            <p:nvPr/>
-          </p:nvSpPr>
-          <p:spPr>
-            <a:xfrm>
-              <a:off x="7442671" y="1117106"/>
-              <a:ext cx="1552353" cy="523382"/>
-            </a:xfrm>
-            <a:prstGeom prst="rect">
-              <a:avLst/>
-            </a:prstGeom>
-            <a:noFill/>
-            <a:ln>
-              <a:noFill/>
-            </a:ln>
-          </p:spPr>
-          <p:style>
-            <a:lnRef idx="2">
-              <a:schemeClr val="accent2"/>
-            </a:lnRef>
-            <a:fillRef idx="1">
-              <a:schemeClr val="lt1"/>
-            </a:fillRef>
-            <a:effectRef idx="0">
-              <a:schemeClr val="accent2"/>
-            </a:effectRef>
-            <a:fontRef idx="minor">
-              <a:schemeClr val="dk1"/>
-            </a:fontRef>
-          </p:style>
-          <p:txBody>
-            <a:bodyPr wrap="square" rtlCol="0">
-              <a:spAutoFit/>
-            </a:bodyPr>
-            <a:lstStyle/>
-            <a:p>
-              <a:r>
-                <a:rPr lang="fr-FR" dirty="0">
-                  <a:solidFill>
-                    <a:srgbClr val="000000"/>
-                  </a:solidFill>
-                </a:rPr>
-                <a:t>Structure en nid d’abeille</a:t>
-              </a:r>
-            </a:p>
-          </p:txBody>
-        </p:sp>
-      </p:grpSp>
-      <p:grpSp>
-        <p:nvGrpSpPr>
-          <p:cNvPr id="25" name="Groupe 24">
-            <a:extLst>
-              <a:ext uri="{FF2B5EF4-FFF2-40B4-BE49-F238E27FC236}">
-                <a16:creationId xmlns:a16="http://schemas.microsoft.com/office/drawing/2014/main" xmlns="" id="{30527AB2-E30B-4818-ABBC-0E6F4E9BA444}"/>
-              </a:ext>
-            </a:extLst>
-          </p:cNvPr>
-          <p:cNvGrpSpPr/>
+            </a:endParaRPr>
+          </a:p>
+        </p:txBody>
+      </p:sp>
+      <p:sp>
+        <p:nvSpPr>
+          <p:cNvPr id="10" name="ZoneTexte 9"/>
+          <p:cNvSpPr txBox="1"/>
           <p:nvPr/>
-        </p:nvGrpSpPr>
-        <p:grpSpPr>
+        </p:nvSpPr>
+        <p:spPr>
           <a:xfrm>
-            <a:off x="-1674" y="1592551"/>
-            <a:ext cx="4891054" cy="755613"/>
-            <a:chOff x="-13319" y="1170151"/>
-            <a:chExt cx="4891054" cy="755847"/>
-          </a:xfrm>
-        </p:grpSpPr>
-        <p:sp>
-          <p:nvSpPr>
-            <p:cNvPr id="15" name="Rectangle 14">
-              <a:extLst>
-                <a:ext uri="{FF2B5EF4-FFF2-40B4-BE49-F238E27FC236}">
-                  <a16:creationId xmlns:a16="http://schemas.microsoft.com/office/drawing/2014/main" xmlns="" id="{E6654DA0-EB08-4844-909B-3A2202B3D38A}"/>
-                </a:ext>
-              </a:extLst>
-            </p:cNvPr>
-            <p:cNvSpPr/>
-            <p:nvPr/>
-          </p:nvSpPr>
-          <p:spPr>
-            <a:xfrm>
-              <a:off x="-13319" y="1252496"/>
-              <a:ext cx="2182362" cy="320443"/>
-            </a:xfrm>
-            <a:prstGeom prst="rect">
-              <a:avLst/>
-            </a:prstGeom>
-          </p:spPr>
-          <p:txBody>
-            <a:bodyPr wrap="square">
-              <a:spAutoFit/>
-            </a:bodyPr>
-            <a:lstStyle/>
-            <a:p>
-              <a:pPr marL="285750" lvl="0" indent="-285750">
-                <a:lnSpc>
-                  <a:spcPct val="107000"/>
-                </a:lnSpc>
-                <a:spcAft>
-                  <a:spcPts val="0"/>
-                </a:spcAft>
-                <a:buFont typeface="Wingdings" panose="05000000000000000000" pitchFamily="2" charset="2"/>
-                <a:buChar char="v"/>
-              </a:pPr>
-              <a:r>
-                <a:rPr lang="fr-FR" dirty="0">
-                  <a:solidFill>
-                    <a:srgbClr val="000000"/>
-                  </a:solidFill>
-                  <a:latin typeface="Calibri" panose="020F0502020204030204" pitchFamily="34" charset="0"/>
-                  <a:ea typeface="Calibri" panose="020F0502020204030204" pitchFamily="34" charset="0"/>
-                  <a:cs typeface="Times New Roman" panose="02020603050405020304" pitchFamily="18" charset="0"/>
-                </a:rPr>
-                <a:t>2 NO(g) + 2CO(g)  </a:t>
-              </a:r>
-              <a:endParaRPr lang="fr-FR" sz="1600" dirty="0">
-                <a:effectLst/>
-                <a:latin typeface="Calibri" panose="020F0502020204030204" pitchFamily="34" charset="0"/>
-                <a:ea typeface="Calibri" panose="020F0502020204030204" pitchFamily="34" charset="0"/>
-                <a:cs typeface="Times New Roman" panose="02020603050405020304" pitchFamily="18" charset="0"/>
-              </a:endParaRPr>
-            </a:p>
-          </p:txBody>
-        </p:sp>
-        <p:grpSp>
-          <p:nvGrpSpPr>
-            <p:cNvPr id="22" name="Groupe 21">
-              <a:extLst>
-                <a:ext uri="{FF2B5EF4-FFF2-40B4-BE49-F238E27FC236}">
-                  <a16:creationId xmlns:a16="http://schemas.microsoft.com/office/drawing/2014/main" xmlns="" id="{6778E23A-9AC6-4309-A674-EA173EAAD4EE}"/>
-                </a:ext>
-              </a:extLst>
-            </p:cNvPr>
-            <p:cNvGrpSpPr/>
-            <p:nvPr/>
-          </p:nvGrpSpPr>
-          <p:grpSpPr>
-            <a:xfrm>
-              <a:off x="1913860" y="1170151"/>
-              <a:ext cx="1169581" cy="755847"/>
-              <a:chOff x="1913860" y="1170151"/>
-              <a:chExt cx="1169581" cy="755847"/>
-            </a:xfrm>
-          </p:grpSpPr>
-          <p:cxnSp>
-            <p:nvCxnSpPr>
-              <p:cNvPr id="19" name="Connecteur droit avec flèche 18">
-                <a:extLst>
-                  <a:ext uri="{FF2B5EF4-FFF2-40B4-BE49-F238E27FC236}">
-                    <a16:creationId xmlns:a16="http://schemas.microsoft.com/office/drawing/2014/main" xmlns="" id="{C8958E92-FBF0-428F-BA35-CC96DA09F3A9}"/>
-                  </a:ext>
-                </a:extLst>
-              </p:cNvPr>
-              <p:cNvCxnSpPr/>
-              <p:nvPr/>
-            </p:nvCxnSpPr>
-            <p:spPr>
-              <a:xfrm>
-                <a:off x="2030819" y="1440271"/>
-                <a:ext cx="935665" cy="0"/>
-              </a:xfrm>
-              <a:prstGeom prst="straightConnector1">
-                <a:avLst/>
-              </a:prstGeom>
-              <a:ln>
-                <a:tailEnd type="triangle"/>
-              </a:ln>
-            </p:spPr>
-            <p:style>
-              <a:lnRef idx="1">
-                <a:schemeClr val="dk1"/>
-              </a:lnRef>
-              <a:fillRef idx="0">
-                <a:schemeClr val="dk1"/>
-              </a:fillRef>
-              <a:effectRef idx="0">
-                <a:schemeClr val="dk1"/>
-              </a:effectRef>
-              <a:fontRef idx="minor">
-                <a:schemeClr val="tx1"/>
-              </a:fontRef>
-            </p:style>
-          </p:cxnSp>
-          <p:sp>
-            <p:nvSpPr>
-              <p:cNvPr id="20" name="ZoneTexte 19">
-                <a:extLst>
-                  <a:ext uri="{FF2B5EF4-FFF2-40B4-BE49-F238E27FC236}">
-                    <a16:creationId xmlns:a16="http://schemas.microsoft.com/office/drawing/2014/main" xmlns="" id="{8FE8378B-23AB-4C20-9C5F-11D94E75DF70}"/>
-                  </a:ext>
-                </a:extLst>
-              </p:cNvPr>
-              <p:cNvSpPr txBox="1"/>
-              <p:nvPr/>
-            </p:nvSpPr>
-            <p:spPr>
-              <a:xfrm>
-                <a:off x="1952489" y="1170151"/>
-                <a:ext cx="935665" cy="307777"/>
-              </a:xfrm>
-              <a:prstGeom prst="rect">
-                <a:avLst/>
-              </a:prstGeom>
-              <a:noFill/>
-            </p:spPr>
-            <p:txBody>
-              <a:bodyPr wrap="square" rtlCol="0">
-                <a:spAutoFit/>
-              </a:bodyPr>
-              <a:lstStyle/>
-              <a:p>
-                <a:r>
-                  <a:rPr lang="fr-FR" sz="1400" dirty="0"/>
-                  <a:t>Rhodium </a:t>
-                </a:r>
-              </a:p>
-            </p:txBody>
-          </p:sp>
-          <p:sp>
-            <p:nvSpPr>
-              <p:cNvPr id="21" name="ZoneTexte 20">
-                <a:extLst>
-                  <a:ext uri="{FF2B5EF4-FFF2-40B4-BE49-F238E27FC236}">
-                    <a16:creationId xmlns:a16="http://schemas.microsoft.com/office/drawing/2014/main" xmlns="" id="{09E54A64-13FB-4BD5-891A-44F4B557FDB2}"/>
-                  </a:ext>
-                </a:extLst>
-              </p:cNvPr>
-              <p:cNvSpPr txBox="1"/>
-              <p:nvPr/>
-            </p:nvSpPr>
-            <p:spPr>
-              <a:xfrm>
-                <a:off x="1913860" y="1402616"/>
-                <a:ext cx="1169581" cy="523382"/>
-              </a:xfrm>
-              <a:prstGeom prst="rect">
-                <a:avLst/>
-              </a:prstGeom>
-              <a:noFill/>
-            </p:spPr>
-            <p:txBody>
-              <a:bodyPr wrap="square" rtlCol="0">
-                <a:spAutoFit/>
-              </a:bodyPr>
-              <a:lstStyle/>
-              <a:p>
-                <a:r>
-                  <a:rPr lang="fr-FR" sz="1400" dirty="0"/>
-                  <a:t>ou palladium</a:t>
-                </a:r>
-              </a:p>
-            </p:txBody>
-          </p:sp>
-        </p:grpSp>
-        <p:sp>
-          <p:nvSpPr>
-            <p:cNvPr id="24" name="ZoneTexte 23">
-              <a:extLst>
-                <a:ext uri="{FF2B5EF4-FFF2-40B4-BE49-F238E27FC236}">
-                  <a16:creationId xmlns:a16="http://schemas.microsoft.com/office/drawing/2014/main" xmlns="" id="{A8484E7B-B86E-4A2E-96DB-7013C7E4867F}"/>
-                </a:ext>
-              </a:extLst>
-            </p:cNvPr>
-            <p:cNvSpPr txBox="1"/>
-            <p:nvPr/>
-          </p:nvSpPr>
-          <p:spPr>
-            <a:xfrm>
-              <a:off x="2982432" y="1263592"/>
-              <a:ext cx="1895303" cy="307872"/>
-            </a:xfrm>
-            <a:prstGeom prst="rect">
-              <a:avLst/>
-            </a:prstGeom>
-            <a:noFill/>
-          </p:spPr>
-          <p:txBody>
-            <a:bodyPr wrap="square" rtlCol="0">
-              <a:spAutoFit/>
-            </a:bodyPr>
-            <a:lstStyle/>
-            <a:p>
-              <a:r>
-                <a:rPr lang="fr-FR" dirty="0">
-                  <a:solidFill>
-                    <a:srgbClr val="000000"/>
-                  </a:solidFill>
-                  <a:latin typeface="Calibri" panose="020F0502020204030204" pitchFamily="34" charset="0"/>
-                  <a:ea typeface="Calibri" panose="020F0502020204030204" pitchFamily="34" charset="0"/>
-                  <a:cs typeface="Times New Roman" panose="02020603050405020304" pitchFamily="18" charset="0"/>
-                </a:rPr>
-                <a:t>N</a:t>
-              </a:r>
-              <a:r>
-                <a:rPr lang="fr-FR" baseline="-25000" dirty="0">
-                  <a:solidFill>
-                    <a:srgbClr val="000000"/>
-                  </a:solidFill>
-                  <a:latin typeface="Calibri" panose="020F0502020204030204" pitchFamily="34" charset="0"/>
-                  <a:ea typeface="Calibri" panose="020F0502020204030204" pitchFamily="34" charset="0"/>
-                  <a:cs typeface="Times New Roman" panose="02020603050405020304" pitchFamily="18" charset="0"/>
-                </a:rPr>
-                <a:t>2</a:t>
-              </a:r>
-              <a:r>
-                <a:rPr lang="fr-FR" dirty="0">
-                  <a:solidFill>
-                    <a:srgbClr val="000000"/>
-                  </a:solidFill>
-                  <a:latin typeface="Calibri" panose="020F0502020204030204" pitchFamily="34" charset="0"/>
-                  <a:ea typeface="Calibri" panose="020F0502020204030204" pitchFamily="34" charset="0"/>
-                  <a:cs typeface="Times New Roman" panose="02020603050405020304" pitchFamily="18" charset="0"/>
-                </a:rPr>
-                <a:t>(g) + 2 CO</a:t>
-              </a:r>
-              <a:r>
-                <a:rPr lang="fr-FR" baseline="-25000" dirty="0">
-                  <a:solidFill>
-                    <a:srgbClr val="000000"/>
-                  </a:solidFill>
-                  <a:latin typeface="Calibri" panose="020F0502020204030204" pitchFamily="34" charset="0"/>
-                  <a:ea typeface="Calibri" panose="020F0502020204030204" pitchFamily="34" charset="0"/>
-                  <a:cs typeface="Times New Roman" panose="02020603050405020304" pitchFamily="18" charset="0"/>
-                </a:rPr>
-                <a:t>2</a:t>
-              </a:r>
-              <a:r>
-                <a:rPr lang="fr-FR" dirty="0">
-                  <a:solidFill>
-                    <a:srgbClr val="000000"/>
-                  </a:solidFill>
-                  <a:latin typeface="Calibri" panose="020F0502020204030204" pitchFamily="34" charset="0"/>
-                  <a:ea typeface="Calibri" panose="020F0502020204030204" pitchFamily="34" charset="0"/>
-                  <a:cs typeface="Times New Roman" panose="02020603050405020304" pitchFamily="18" charset="0"/>
-                </a:rPr>
-                <a:t>(g)</a:t>
-              </a:r>
-              <a:endParaRPr lang="fr-FR" dirty="0"/>
-            </a:p>
-          </p:txBody>
-        </p:sp>
-      </p:grpSp>
-      <p:grpSp>
-        <p:nvGrpSpPr>
-          <p:cNvPr id="33" name="Groupe 32">
-            <a:extLst>
-              <a:ext uri="{FF2B5EF4-FFF2-40B4-BE49-F238E27FC236}">
-                <a16:creationId xmlns:a16="http://schemas.microsoft.com/office/drawing/2014/main" xmlns="" id="{538AB6E8-B598-4865-A344-27254426D4D2}"/>
-              </a:ext>
-            </a:extLst>
-          </p:cNvPr>
-          <p:cNvGrpSpPr/>
+            <a:off x="2133600" y="4635500"/>
+            <a:ext cx="1014671" cy="307777"/>
+          </a:xfrm>
+          <a:prstGeom prst="rect">
+            <a:avLst/>
+          </a:prstGeom>
+          <a:noFill/>
+        </p:spPr>
+        <p:txBody>
+          <a:bodyPr wrap="none" rtlCol="0">
+            <a:spAutoFit/>
+          </a:bodyPr>
+          <a:lstStyle/>
+          <a:p>
+            <a:r>
+              <a:rPr lang="fr-FR" dirty="0" smtClean="0"/>
+              <a:t>TUBE N°1</a:t>
+            </a:r>
+            <a:endParaRPr lang="fr-FR" dirty="0"/>
+          </a:p>
+        </p:txBody>
+      </p:sp>
+      <p:sp>
+        <p:nvSpPr>
+          <p:cNvPr id="27" name="ZoneTexte 26"/>
+          <p:cNvSpPr txBox="1"/>
           <p:nvPr/>
-        </p:nvGrpSpPr>
-        <p:grpSpPr>
+        </p:nvSpPr>
+        <p:spPr>
           <a:xfrm>
-            <a:off x="-8444" y="2654170"/>
-            <a:ext cx="3938129" cy="773031"/>
-            <a:chOff x="-1674" y="2404939"/>
-            <a:chExt cx="3938129" cy="773270"/>
-          </a:xfrm>
-        </p:grpSpPr>
-        <p:sp>
-          <p:nvSpPr>
-            <p:cNvPr id="26" name="ZoneTexte 25">
-              <a:extLst>
-                <a:ext uri="{FF2B5EF4-FFF2-40B4-BE49-F238E27FC236}">
-                  <a16:creationId xmlns:a16="http://schemas.microsoft.com/office/drawing/2014/main" xmlns="" id="{E8E6AEE0-AEED-43F6-9C32-F89E74FC0713}"/>
-                </a:ext>
-              </a:extLst>
-            </p:cNvPr>
-            <p:cNvSpPr txBox="1"/>
-            <p:nvPr/>
-          </p:nvSpPr>
-          <p:spPr>
-            <a:xfrm>
-              <a:off x="-1674" y="2513195"/>
-              <a:ext cx="2030819" cy="307872"/>
-            </a:xfrm>
-            <a:prstGeom prst="rect">
-              <a:avLst/>
-            </a:prstGeom>
-            <a:noFill/>
-          </p:spPr>
-          <p:txBody>
-            <a:bodyPr wrap="square" rtlCol="0">
-              <a:spAutoFit/>
-            </a:bodyPr>
-            <a:lstStyle/>
-            <a:p>
-              <a:pPr marL="285750" indent="-285750">
-                <a:buFont typeface="Wingdings" panose="05000000000000000000" pitchFamily="2" charset="2"/>
-                <a:buChar char="v"/>
-              </a:pPr>
-              <a:r>
-                <a:rPr lang="fr-FR" dirty="0"/>
-                <a:t>2</a:t>
-              </a:r>
-              <a:r>
-                <a:rPr lang="fr-FR" dirty="0">
-                  <a:solidFill>
-                    <a:srgbClr val="000000"/>
-                  </a:solidFill>
-                  <a:latin typeface="Calibri" panose="020F0502020204030204" pitchFamily="34" charset="0"/>
-                  <a:ea typeface="Calibri" panose="020F0502020204030204" pitchFamily="34" charset="0"/>
-                  <a:cs typeface="Times New Roman" panose="02020603050405020304" pitchFamily="18" charset="0"/>
-                </a:rPr>
-                <a:t> CO(g) + O</a:t>
-              </a:r>
-              <a:r>
-                <a:rPr lang="fr-FR" baseline="-25000" dirty="0">
-                  <a:solidFill>
-                    <a:srgbClr val="000000"/>
-                  </a:solidFill>
-                  <a:latin typeface="Calibri" panose="020F0502020204030204" pitchFamily="34" charset="0"/>
-                  <a:ea typeface="Calibri" panose="020F0502020204030204" pitchFamily="34" charset="0"/>
-                  <a:cs typeface="Times New Roman" panose="02020603050405020304" pitchFamily="18" charset="0"/>
-                </a:rPr>
-                <a:t>2</a:t>
-              </a:r>
-              <a:r>
-                <a:rPr lang="fr-FR" dirty="0">
-                  <a:solidFill>
-                    <a:srgbClr val="000000"/>
-                  </a:solidFill>
-                  <a:latin typeface="Calibri" panose="020F0502020204030204" pitchFamily="34" charset="0"/>
-                  <a:ea typeface="Calibri" panose="020F0502020204030204" pitchFamily="34" charset="0"/>
-                  <a:cs typeface="Times New Roman" panose="02020603050405020304" pitchFamily="18" charset="0"/>
-                </a:rPr>
-                <a:t>(g)</a:t>
-              </a:r>
-              <a:endParaRPr lang="fr-FR" dirty="0"/>
-            </a:p>
-          </p:txBody>
-        </p:sp>
-        <p:sp>
-          <p:nvSpPr>
-            <p:cNvPr id="27" name="ZoneTexte 26">
-              <a:extLst>
-                <a:ext uri="{FF2B5EF4-FFF2-40B4-BE49-F238E27FC236}">
-                  <a16:creationId xmlns:a16="http://schemas.microsoft.com/office/drawing/2014/main" xmlns="" id="{FF8A5BBB-4E3C-4520-B45F-62317F42F1A2}"/>
-                </a:ext>
-              </a:extLst>
-            </p:cNvPr>
-            <p:cNvSpPr txBox="1"/>
-            <p:nvPr/>
-          </p:nvSpPr>
-          <p:spPr>
-            <a:xfrm>
-              <a:off x="2766874" y="2513195"/>
-              <a:ext cx="1169581" cy="307872"/>
-            </a:xfrm>
-            <a:prstGeom prst="rect">
-              <a:avLst/>
-            </a:prstGeom>
-            <a:noFill/>
-          </p:spPr>
-          <p:txBody>
-            <a:bodyPr wrap="square" rtlCol="0">
-              <a:spAutoFit/>
-            </a:bodyPr>
-            <a:lstStyle/>
-            <a:p>
-              <a:r>
-                <a:rPr lang="fr-FR" dirty="0">
-                  <a:solidFill>
-                    <a:srgbClr val="000000"/>
-                  </a:solidFill>
-                  <a:latin typeface="Calibri" panose="020F0502020204030204" pitchFamily="34" charset="0"/>
-                  <a:ea typeface="Calibri" panose="020F0502020204030204" pitchFamily="34" charset="0"/>
-                  <a:cs typeface="Times New Roman" panose="02020603050405020304" pitchFamily="18" charset="0"/>
-                </a:rPr>
-                <a:t>2CO</a:t>
-              </a:r>
-              <a:r>
-                <a:rPr lang="fr-FR" baseline="-25000" dirty="0">
-                  <a:solidFill>
-                    <a:srgbClr val="000000"/>
-                  </a:solidFill>
-                  <a:latin typeface="Calibri" panose="020F0502020204030204" pitchFamily="34" charset="0"/>
-                  <a:ea typeface="Calibri" panose="020F0502020204030204" pitchFamily="34" charset="0"/>
-                  <a:cs typeface="Times New Roman" panose="02020603050405020304" pitchFamily="18" charset="0"/>
-                </a:rPr>
-                <a:t>2</a:t>
-              </a:r>
-              <a:r>
-                <a:rPr lang="fr-FR" dirty="0">
-                  <a:solidFill>
-                    <a:srgbClr val="000000"/>
-                  </a:solidFill>
-                  <a:latin typeface="Calibri" panose="020F0502020204030204" pitchFamily="34" charset="0"/>
-                  <a:ea typeface="Calibri" panose="020F0502020204030204" pitchFamily="34" charset="0"/>
-                  <a:cs typeface="Times New Roman" panose="02020603050405020304" pitchFamily="18" charset="0"/>
-                </a:rPr>
-                <a:t>(g)</a:t>
-              </a:r>
-              <a:endParaRPr lang="fr-FR" dirty="0"/>
-            </a:p>
-          </p:txBody>
-        </p:sp>
-        <p:cxnSp>
-          <p:nvCxnSpPr>
-            <p:cNvPr id="29" name="Connecteur droit avec flèche 28">
-              <a:extLst>
-                <a:ext uri="{FF2B5EF4-FFF2-40B4-BE49-F238E27FC236}">
-                  <a16:creationId xmlns:a16="http://schemas.microsoft.com/office/drawing/2014/main" xmlns="" id="{3EFF96BE-F335-434C-B131-25F853ECB454}"/>
-                </a:ext>
-              </a:extLst>
-            </p:cNvPr>
-            <p:cNvCxnSpPr>
-              <a:cxnSpLocks/>
-              <a:endCxn id="27" idx="1"/>
-            </p:cNvCxnSpPr>
-            <p:nvPr/>
-          </p:nvCxnSpPr>
-          <p:spPr>
-            <a:xfrm flipV="1">
-              <a:off x="1925505" y="2667132"/>
-              <a:ext cx="841369" cy="30728"/>
-            </a:xfrm>
-            <a:prstGeom prst="straightConnector1">
-              <a:avLst/>
-            </a:prstGeom>
-            <a:ln>
-              <a:tailEnd type="triangle"/>
-            </a:ln>
-          </p:spPr>
-          <p:style>
-            <a:lnRef idx="1">
-              <a:schemeClr val="dk1"/>
-            </a:lnRef>
-            <a:fillRef idx="0">
-              <a:schemeClr val="dk1"/>
-            </a:fillRef>
-            <a:effectRef idx="0">
-              <a:schemeClr val="dk1"/>
-            </a:effectRef>
-            <a:fontRef idx="minor">
-              <a:schemeClr val="tx1"/>
-            </a:fontRef>
-          </p:style>
-        </p:cxnSp>
-        <p:sp>
-          <p:nvSpPr>
-            <p:cNvPr id="30" name="ZoneTexte 29">
-              <a:extLst>
-                <a:ext uri="{FF2B5EF4-FFF2-40B4-BE49-F238E27FC236}">
-                  <a16:creationId xmlns:a16="http://schemas.microsoft.com/office/drawing/2014/main" xmlns="" id="{3506334C-0EBD-4FB6-9C07-45FAC1C028F6}"/>
-                </a:ext>
-              </a:extLst>
-            </p:cNvPr>
-            <p:cNvSpPr txBox="1"/>
-            <p:nvPr/>
-          </p:nvSpPr>
-          <p:spPr>
-            <a:xfrm>
-              <a:off x="1852088" y="2404939"/>
-              <a:ext cx="1185630" cy="307777"/>
-            </a:xfrm>
-            <a:prstGeom prst="rect">
-              <a:avLst/>
-            </a:prstGeom>
-            <a:noFill/>
-          </p:spPr>
-          <p:txBody>
-            <a:bodyPr wrap="square" rtlCol="0">
-              <a:spAutoFit/>
-            </a:bodyPr>
-            <a:lstStyle/>
-            <a:p>
-              <a:r>
-                <a:rPr lang="fr-FR" sz="1400" dirty="0"/>
-                <a:t>Rhodium</a:t>
-              </a:r>
-            </a:p>
-          </p:txBody>
-        </p:sp>
-        <p:sp>
-          <p:nvSpPr>
-            <p:cNvPr id="32" name="ZoneTexte 31">
-              <a:extLst>
-                <a:ext uri="{FF2B5EF4-FFF2-40B4-BE49-F238E27FC236}">
-                  <a16:creationId xmlns:a16="http://schemas.microsoft.com/office/drawing/2014/main" xmlns="" id="{80A028E2-BDCD-430E-B8E0-4FC56E79FD94}"/>
-                </a:ext>
-              </a:extLst>
-            </p:cNvPr>
-            <p:cNvSpPr txBox="1"/>
-            <p:nvPr/>
-          </p:nvSpPr>
-          <p:spPr>
-            <a:xfrm>
-              <a:off x="1853099" y="2654989"/>
-              <a:ext cx="1766678" cy="523220"/>
-            </a:xfrm>
-            <a:prstGeom prst="rect">
-              <a:avLst/>
-            </a:prstGeom>
-            <a:noFill/>
-          </p:spPr>
-          <p:txBody>
-            <a:bodyPr wrap="square" rtlCol="0">
-              <a:spAutoFit/>
-            </a:bodyPr>
-            <a:lstStyle/>
-            <a:p>
-              <a:r>
-                <a:rPr lang="fr-FR" sz="1400" dirty="0"/>
-                <a:t>Palladium </a:t>
-              </a:r>
-            </a:p>
-            <a:p>
-              <a:r>
-                <a:rPr lang="fr-FR" sz="1400" dirty="0"/>
-                <a:t>ou platine </a:t>
-              </a:r>
-            </a:p>
-          </p:txBody>
-        </p:sp>
-      </p:grpSp>
+            <a:off x="4178300" y="4673600"/>
+            <a:ext cx="1014671" cy="307777"/>
+          </a:xfrm>
+          <a:prstGeom prst="rect">
+            <a:avLst/>
+          </a:prstGeom>
+          <a:noFill/>
+        </p:spPr>
+        <p:txBody>
+          <a:bodyPr wrap="none" rtlCol="0">
+            <a:spAutoFit/>
+          </a:bodyPr>
+          <a:lstStyle/>
+          <a:p>
+            <a:r>
+              <a:rPr lang="fr-FR" dirty="0" smtClean="0"/>
+              <a:t>TUBE N°2</a:t>
+            </a:r>
+            <a:endParaRPr lang="fr-FR" dirty="0"/>
+          </a:p>
+        </p:txBody>
+      </p:sp>
     </p:spTree>
     <p:extLst>
       <p:ext uri="{BB962C8B-B14F-4D97-AF65-F5344CB8AC3E}">
-        <p14:creationId xmlns:p14="http://schemas.microsoft.com/office/powerpoint/2010/main" val="2915083745"/>
+        <p14:creationId xmlns:p14="http://schemas.microsoft.com/office/powerpoint/2010/main" val="1804513834"/>
       </p:ext>
     </p:extLst>
   </p:cSld>
   <p:clrMapOvr>
     <a:masterClrMapping/>
   </p:clrMapOvr>
+  <p:timing>
+    <p:tnLst>
+      <p:par>
+        <p:cTn xmlns:p14="http://schemas.microsoft.com/office/powerpoint/2010/main" id="1" dur="indefinite" restart="never" nodeType="tmRoot"/>
+      </p:par>
+    </p:tnLst>
+  </p:timing>
 </p:sld>
 </file>
 

--- a/Leçon chimie/LC 7/LC 7- Cinétique et Catalyse (Lycée).pptx
+++ b/Leçon chimie/LC 7/LC 7- Cinétique et Catalyse (Lycée).pptx
@@ -5,7 +5,7 @@
     <p:sldMasterId id="2147483659" r:id="rId1"/>
   </p:sldMasterIdLst>
   <p:notesMasterIdLst>
-    <p:notesMasterId r:id="rId16"/>
+    <p:notesMasterId r:id="rId18"/>
   </p:notesMasterIdLst>
   <p:sldIdLst>
     <p:sldId id="256" r:id="rId2"/>
@@ -15,13 +15,15 @@
     <p:sldId id="278" r:id="rId6"/>
     <p:sldId id="279" r:id="rId7"/>
     <p:sldId id="263" r:id="rId8"/>
-    <p:sldId id="266" r:id="rId9"/>
-    <p:sldId id="280" r:id="rId10"/>
-    <p:sldId id="274" r:id="rId11"/>
-    <p:sldId id="265" r:id="rId12"/>
-    <p:sldId id="281" r:id="rId13"/>
-    <p:sldId id="272" r:id="rId14"/>
-    <p:sldId id="273" r:id="rId15"/>
+    <p:sldId id="282" r:id="rId9"/>
+    <p:sldId id="266" r:id="rId10"/>
+    <p:sldId id="283" r:id="rId11"/>
+    <p:sldId id="280" r:id="rId12"/>
+    <p:sldId id="274" r:id="rId13"/>
+    <p:sldId id="265" r:id="rId14"/>
+    <p:sldId id="281" r:id="rId15"/>
+    <p:sldId id="272" r:id="rId16"/>
+    <p:sldId id="273" r:id="rId17"/>
   </p:sldIdLst>
   <p:sldSz cx="9144000" cy="5143500" type="screen16x9"/>
   <p:notesSz cx="6858000" cy="9144000"/>
@@ -256,7 +258,7 @@
   </p:defaultTextStyle>
   <p:extLst>
     <p:ext uri="{EFAFB233-063F-42B5-8137-9DF3F51BA10A}">
-      <p15:sldGuideLst xmlns="" xmlns:mc="http://schemas.openxmlformats.org/markup-compatibility/2006" xmlns:mv="urn:schemas-microsoft-com:mac:vml" xmlns:c="http://schemas.openxmlformats.org/drawingml/2006/chart" xmlns:dgm="http://schemas.openxmlformats.org/drawingml/2006/diagram" xmlns:o="urn:schemas-microsoft-com:office:office" xmlns:v="urn:schemas-microsoft-com:vml" xmlns:pvml="urn:schemas-microsoft-com:office:powerpoint" xmlns:com="http://schemas.openxmlformats.org/drawingml/2006/compatibility" xmlns:p14="http://schemas.microsoft.com/office/powerpoint/2010/main" xmlns:p15="http://schemas.microsoft.com/office/powerpoint/2012/main">
+      <p15:sldGuideLst xmlns:p15="http://schemas.microsoft.com/office/powerpoint/2012/main" xmlns:p14="http://schemas.microsoft.com/office/powerpoint/2010/main" xmlns:com="http://schemas.openxmlformats.org/drawingml/2006/compatibility" xmlns:pvml="urn:schemas-microsoft-com:office:powerpoint" xmlns:v="urn:schemas-microsoft-com:vml" xmlns:o="urn:schemas-microsoft-com:office:office" xmlns:dgm="http://schemas.openxmlformats.org/drawingml/2006/diagram" xmlns:c="http://schemas.openxmlformats.org/drawingml/2006/chart" xmlns:mv="urn:schemas-microsoft-com:mac:vml" xmlns:mc="http://schemas.openxmlformats.org/markup-compatibility/2006" xmlns="">
         <p15:guide id="1" orient="horz" pos="1620">
           <p15:clr>
             <a:srgbClr val="A4A3A4"/>
@@ -2168,7 +2170,7 @@
           <p:cNvPr id="7" name="Connecteur droit 6">
             <a:extLst>
               <a:ext uri="{FF2B5EF4-FFF2-40B4-BE49-F238E27FC236}">
-                <a16:creationId xmlns:a16="http://schemas.microsoft.com/office/drawing/2014/main" xmlns="" id="{C9E5BD84-DC66-4CA9-B14F-F778A3BA3AF2}"/>
+                <a16:creationId xmlns="" xmlns:a16="http://schemas.microsoft.com/office/drawing/2014/main" id="{C9E5BD84-DC66-4CA9-B14F-F778A3BA3AF2}"/>
               </a:ext>
             </a:extLst>
           </p:cNvPr>
@@ -2212,7 +2214,7 @@
           <p:cNvPr id="11" name="ZoneTexte 10">
             <a:extLst>
               <a:ext uri="{FF2B5EF4-FFF2-40B4-BE49-F238E27FC236}">
-                <a16:creationId xmlns:a16="http://schemas.microsoft.com/office/drawing/2014/main" xmlns="" id="{893E4BC1-6F4E-4747-84E8-D99E0587545F}"/>
+                <a16:creationId xmlns="" xmlns:a16="http://schemas.microsoft.com/office/drawing/2014/main" id="{893E4BC1-6F4E-4747-84E8-D99E0587545F}"/>
               </a:ext>
             </a:extLst>
           </p:cNvPr>
@@ -2328,7 +2330,7 @@
           <p:cNvPr id="7" name="Connecteur droit 6">
             <a:extLst>
               <a:ext uri="{FF2B5EF4-FFF2-40B4-BE49-F238E27FC236}">
-                <a16:creationId xmlns:a16="http://schemas.microsoft.com/office/drawing/2014/main" xmlns="" id="{C9E5BD84-DC66-4CA9-B14F-F778A3BA3AF2}"/>
+                <a16:creationId xmlns="" xmlns:a16="http://schemas.microsoft.com/office/drawing/2014/main" id="{C9E5BD84-DC66-4CA9-B14F-F778A3BA3AF2}"/>
               </a:ext>
             </a:extLst>
           </p:cNvPr>
@@ -2372,7 +2374,7 @@
           <p:cNvPr id="11" name="ZoneTexte 10">
             <a:extLst>
               <a:ext uri="{FF2B5EF4-FFF2-40B4-BE49-F238E27FC236}">
-                <a16:creationId xmlns:a16="http://schemas.microsoft.com/office/drawing/2014/main" xmlns="" id="{893E4BC1-6F4E-4747-84E8-D99E0587545F}"/>
+                <a16:creationId xmlns="" xmlns:a16="http://schemas.microsoft.com/office/drawing/2014/main" id="{893E4BC1-6F4E-4747-84E8-D99E0587545F}"/>
               </a:ext>
             </a:extLst>
           </p:cNvPr>
@@ -6514,54 +6516,6 @@
           <a:chExt cx="0" cy="0"/>
         </a:xfrm>
       </p:grpSpPr>
-      <p:pic>
-        <p:nvPicPr>
-          <p:cNvPr id="7" name="Image 6"/>
-          <p:cNvPicPr>
-            <a:picLocks noChangeAspect="1"/>
-          </p:cNvPicPr>
-          <p:nvPr/>
-        </p:nvPicPr>
-        <p:blipFill>
-          <a:blip r:embed="rId3"/>
-          <a:stretch>
-            <a:fillRect/>
-          </a:stretch>
-        </p:blipFill>
-        <p:spPr>
-          <a:xfrm>
-            <a:off x="0" y="3048253"/>
-            <a:ext cx="3063832" cy="1549399"/>
-          </a:xfrm>
-          <a:prstGeom prst="rect">
-            <a:avLst/>
-          </a:prstGeom>
-        </p:spPr>
-      </p:pic>
-      <p:pic>
-        <p:nvPicPr>
-          <p:cNvPr id="5" name="Image 4"/>
-          <p:cNvPicPr>
-            <a:picLocks noChangeAspect="1"/>
-          </p:cNvPicPr>
-          <p:nvPr/>
-        </p:nvPicPr>
-        <p:blipFill>
-          <a:blip r:embed="rId4"/>
-          <a:stretch>
-            <a:fillRect/>
-          </a:stretch>
-        </p:blipFill>
-        <p:spPr>
-          <a:xfrm>
-            <a:off x="3563541" y="2224194"/>
-            <a:ext cx="1320800" cy="2032000"/>
-          </a:xfrm>
-          <a:prstGeom prst="rect">
-            <a:avLst/>
-          </a:prstGeom>
-        </p:spPr>
-      </p:pic>
       <p:sp>
         <p:nvSpPr>
           <p:cNvPr id="2" name="Titre 1"/>
@@ -6574,7 +6528,7 @@
         </p:nvSpPr>
         <p:spPr>
           <a:xfrm>
-            <a:off x="311700" y="203725"/>
+            <a:off x="311700" y="313212"/>
             <a:ext cx="8520600" cy="572700"/>
           </a:xfrm>
         </p:spPr>
@@ -6588,218 +6542,15 @@
                   <a:srgbClr val="DD7E6B"/>
                 </a:solidFill>
               </a:rPr>
-              <a:t>Influence de la température sur une réaction </a:t>
-            </a:r>
-            <a:endParaRPr lang="fr-FR" b="1" dirty="0">
-              <a:solidFill>
-                <a:srgbClr val="DD7E6B"/>
-              </a:solidFill>
-            </a:endParaRPr>
-          </a:p>
-        </p:txBody>
-      </p:sp>
-      <p:sp>
-        <p:nvSpPr>
-          <p:cNvPr id="3" name="Espace réservé du texte 2"/>
-          <p:cNvSpPr>
-            <a:spLocks noGrp="1"/>
-          </p:cNvSpPr>
-          <p:nvPr>
-            <p:ph type="body" idx="1"/>
-          </p:nvPr>
-        </p:nvSpPr>
-        <p:spPr>
-          <a:xfrm>
-            <a:off x="311700" y="898475"/>
-            <a:ext cx="8520600" cy="3416400"/>
-          </a:xfrm>
-        </p:spPr>
-        <p:txBody>
-          <a:bodyPr/>
-          <a:lstStyle/>
-          <a:p>
-            <a:pPr marL="114300" indent="0">
-              <a:buNone/>
-            </a:pPr>
-            <a:r>
-              <a:rPr lang="fr" dirty="0">
-                <a:solidFill>
-                  <a:schemeClr val="dk1"/>
-                </a:solidFill>
-                <a:latin typeface="Calibri"/>
-                <a:ea typeface="Calibri"/>
-                <a:cs typeface="Calibri"/>
-                <a:sym typeface="Calibri"/>
-              </a:rPr>
-              <a:t>2 I</a:t>
-            </a:r>
-            <a:r>
-              <a:rPr lang="fr" baseline="30000" dirty="0">
-                <a:solidFill>
-                  <a:schemeClr val="dk1"/>
-                </a:solidFill>
-                <a:latin typeface="Calibri"/>
-                <a:ea typeface="Calibri"/>
-                <a:cs typeface="Calibri"/>
-                <a:sym typeface="Calibri"/>
-              </a:rPr>
-              <a:t>-</a:t>
-            </a:r>
-            <a:r>
-              <a:rPr lang="fr" baseline="-25000" dirty="0">
-                <a:solidFill>
-                  <a:schemeClr val="dk1"/>
-                </a:solidFill>
-                <a:latin typeface="Calibri"/>
-                <a:ea typeface="Calibri"/>
-                <a:cs typeface="Calibri"/>
-                <a:sym typeface="Calibri"/>
-              </a:rPr>
-              <a:t>(aq)</a:t>
-            </a:r>
-            <a:r>
-              <a:rPr lang="fr" dirty="0">
-                <a:solidFill>
-                  <a:schemeClr val="dk1"/>
-                </a:solidFill>
-                <a:latin typeface="Calibri"/>
-                <a:ea typeface="Calibri"/>
-                <a:cs typeface="Calibri"/>
-                <a:sym typeface="Calibri"/>
-              </a:rPr>
-              <a:t> + S</a:t>
-            </a:r>
-            <a:r>
-              <a:rPr lang="fr" baseline="-25000" dirty="0">
-                <a:solidFill>
-                  <a:schemeClr val="dk1"/>
-                </a:solidFill>
-                <a:latin typeface="Calibri"/>
-                <a:ea typeface="Calibri"/>
-                <a:cs typeface="Calibri"/>
-                <a:sym typeface="Calibri"/>
-              </a:rPr>
-              <a:t>2</a:t>
-            </a:r>
-            <a:r>
-              <a:rPr lang="fr" dirty="0">
-                <a:solidFill>
-                  <a:schemeClr val="dk1"/>
-                </a:solidFill>
-                <a:latin typeface="Calibri"/>
-                <a:ea typeface="Calibri"/>
-                <a:cs typeface="Calibri"/>
-                <a:sym typeface="Calibri"/>
-              </a:rPr>
-              <a:t>O</a:t>
-            </a:r>
-            <a:r>
-              <a:rPr lang="fr" baseline="-25000" dirty="0">
-                <a:solidFill>
-                  <a:schemeClr val="dk1"/>
-                </a:solidFill>
-                <a:latin typeface="Calibri"/>
-                <a:ea typeface="Calibri"/>
-                <a:cs typeface="Calibri"/>
-                <a:sym typeface="Calibri"/>
-              </a:rPr>
-              <a:t>8</a:t>
-            </a:r>
-            <a:r>
-              <a:rPr lang="fr" baseline="30000" dirty="0">
-                <a:solidFill>
-                  <a:schemeClr val="dk1"/>
-                </a:solidFill>
-                <a:latin typeface="Calibri"/>
-                <a:ea typeface="Calibri"/>
-                <a:cs typeface="Calibri"/>
-                <a:sym typeface="Calibri"/>
-              </a:rPr>
-              <a:t>2-</a:t>
-            </a:r>
-            <a:r>
-              <a:rPr lang="fr" baseline="-25000" dirty="0">
-                <a:solidFill>
-                  <a:schemeClr val="dk1"/>
-                </a:solidFill>
-                <a:latin typeface="Calibri"/>
-                <a:ea typeface="Calibri"/>
-                <a:cs typeface="Calibri"/>
-                <a:sym typeface="Calibri"/>
-              </a:rPr>
-              <a:t>(aq)</a:t>
-            </a:r>
-            <a:r>
-              <a:rPr lang="fr" dirty="0">
-                <a:solidFill>
-                  <a:schemeClr val="dk1"/>
-                </a:solidFill>
-                <a:latin typeface="Calibri"/>
-                <a:ea typeface="Calibri"/>
-                <a:cs typeface="Calibri"/>
-                <a:sym typeface="Calibri"/>
-              </a:rPr>
-              <a:t>=I</a:t>
-            </a:r>
-            <a:r>
-              <a:rPr lang="fr" baseline="-25000" dirty="0">
-                <a:solidFill>
-                  <a:schemeClr val="dk1"/>
-                </a:solidFill>
-                <a:latin typeface="Calibri"/>
-                <a:ea typeface="Calibri"/>
-                <a:cs typeface="Calibri"/>
-                <a:sym typeface="Calibri"/>
-              </a:rPr>
-              <a:t>2(aq)</a:t>
-            </a:r>
-            <a:r>
-              <a:rPr lang="fr" dirty="0">
-                <a:solidFill>
-                  <a:schemeClr val="dk1"/>
-                </a:solidFill>
-                <a:latin typeface="Calibri"/>
-                <a:ea typeface="Calibri"/>
-                <a:cs typeface="Calibri"/>
-                <a:sym typeface="Calibri"/>
-              </a:rPr>
-              <a:t>+ 2 SO</a:t>
-            </a:r>
-            <a:r>
-              <a:rPr lang="fr" baseline="-25000" dirty="0">
-                <a:solidFill>
-                  <a:schemeClr val="dk1"/>
-                </a:solidFill>
-                <a:latin typeface="Calibri"/>
-                <a:ea typeface="Calibri"/>
-                <a:cs typeface="Calibri"/>
-                <a:sym typeface="Calibri"/>
-              </a:rPr>
-              <a:t>4</a:t>
-            </a:r>
-            <a:r>
-              <a:rPr lang="fr" baseline="30000" dirty="0">
-                <a:solidFill>
-                  <a:schemeClr val="dk1"/>
-                </a:solidFill>
-                <a:latin typeface="Calibri"/>
-                <a:ea typeface="Calibri"/>
-                <a:cs typeface="Calibri"/>
-                <a:sym typeface="Calibri"/>
-              </a:rPr>
-              <a:t>2-</a:t>
-            </a:r>
-            <a:r>
-              <a:rPr lang="fr" baseline="-25000" dirty="0">
-                <a:solidFill>
-                  <a:schemeClr val="dk1"/>
-                </a:solidFill>
-                <a:latin typeface="Calibri"/>
-                <a:ea typeface="Calibri"/>
-                <a:cs typeface="Calibri"/>
-                <a:sym typeface="Calibri"/>
-              </a:rPr>
-              <a:t>(aq) </a:t>
+              <a:t>Détermination du t</a:t>
+            </a:r>
+            <a:r>
+              <a:rPr lang="fr-FR" b="1" dirty="0" smtClean="0">
+                <a:solidFill>
+                  <a:srgbClr val="DD7E6B"/>
+                </a:solidFill>
+              </a:rPr>
+              <a:t>emps de demi-réaction</a:t>
             </a:r>
             <a:endParaRPr lang="fr-FR" dirty="0"/>
           </a:p>
@@ -6832,6 +6583,617 @@
             <a:fld id="{00000000-1234-1234-1234-123412341234}" type="slidenum">
               <a:rPr lang="fr" smtClean="0"/>
               <a:t>10</a:t>
+            </a:fld>
+            <a:endParaRPr lang="fr"/>
+          </a:p>
+        </p:txBody>
+      </p:sp>
+      <p:pic>
+        <p:nvPicPr>
+          <p:cNvPr id="3" name="Image 2" descr="Capture d-ecran -4-.png"/>
+          <p:cNvPicPr>
+            <a:picLocks noChangeAspect="1"/>
+          </p:cNvPicPr>
+          <p:nvPr/>
+        </p:nvPicPr>
+        <p:blipFill rotWithShape="1">
+          <a:blip r:embed="rId2">
+            <a:extLst>
+              <a:ext uri="{28A0092B-C50C-407E-A947-70E740481C1C}">
+                <a14:useLocalDpi xmlns:a14="http://schemas.microsoft.com/office/drawing/2010/main" val="0"/>
+              </a:ext>
+            </a:extLst>
+          </a:blip>
+          <a:srcRect l="11704" t="14444" r="22437" b="26616"/>
+          <a:stretch/>
+        </p:blipFill>
+        <p:spPr>
+          <a:xfrm>
+            <a:off x="610996" y="850759"/>
+            <a:ext cx="6069727" cy="4074059"/>
+          </a:xfrm>
+          <a:prstGeom prst="rect">
+            <a:avLst/>
+          </a:prstGeom>
+        </p:spPr>
+      </p:pic>
+      <p:cxnSp>
+        <p:nvCxnSpPr>
+          <p:cNvPr id="9" name="Connecteur droit 8"/>
+          <p:cNvCxnSpPr/>
+          <p:nvPr/>
+        </p:nvCxnSpPr>
+        <p:spPr>
+          <a:xfrm flipH="1">
+            <a:off x="1449622" y="1737467"/>
+            <a:ext cx="4864021" cy="0"/>
+          </a:xfrm>
+          <a:prstGeom prst="line">
+            <a:avLst/>
+          </a:prstGeom>
+          <a:ln w="12700" cmpd="sng">
+            <a:solidFill>
+              <a:srgbClr val="000000"/>
+            </a:solidFill>
+            <a:prstDash val="sysDash"/>
+          </a:ln>
+        </p:spPr>
+        <p:style>
+          <a:lnRef idx="2">
+            <a:schemeClr val="accent1"/>
+          </a:lnRef>
+          <a:fillRef idx="0">
+            <a:schemeClr val="accent1"/>
+          </a:fillRef>
+          <a:effectRef idx="1">
+            <a:schemeClr val="accent1"/>
+          </a:effectRef>
+          <a:fontRef idx="minor">
+            <a:schemeClr val="tx1"/>
+          </a:fontRef>
+        </p:style>
+      </p:cxnSp>
+      <p:sp>
+        <p:nvSpPr>
+          <p:cNvPr id="10" name="ZoneTexte 9"/>
+          <p:cNvSpPr txBox="1"/>
+          <p:nvPr/>
+        </p:nvSpPr>
+        <p:spPr>
+          <a:xfrm>
+            <a:off x="299509" y="1557727"/>
+            <a:ext cx="1097173" cy="307777"/>
+          </a:xfrm>
+          <a:prstGeom prst="rect">
+            <a:avLst/>
+          </a:prstGeom>
+          <a:noFill/>
+        </p:spPr>
+        <p:txBody>
+          <a:bodyPr wrap="square" rtlCol="0">
+            <a:spAutoFit/>
+          </a:bodyPr>
+          <a:lstStyle/>
+          <a:p>
+            <a:r>
+              <a:rPr lang="fr-FR" dirty="0" smtClean="0"/>
+              <a:t>A(</a:t>
+            </a:r>
+            <a:r>
+              <a:rPr lang="fr-FR" dirty="0" err="1" smtClean="0"/>
+              <a:t>t</a:t>
+            </a:r>
+            <a:r>
+              <a:rPr lang="fr-FR" baseline="-25000" dirty="0" err="1" smtClean="0"/>
+              <a:t>f</a:t>
+            </a:r>
+            <a:r>
+              <a:rPr lang="fr-FR" dirty="0" smtClean="0"/>
+              <a:t>) = 1,08</a:t>
+            </a:r>
+            <a:endParaRPr lang="fr-FR" dirty="0"/>
+          </a:p>
+        </p:txBody>
+      </p:sp>
+      <p:sp>
+        <p:nvSpPr>
+          <p:cNvPr id="11" name="ZoneTexte 10"/>
+          <p:cNvSpPr txBox="1"/>
+          <p:nvPr/>
+        </p:nvSpPr>
+        <p:spPr>
+          <a:xfrm>
+            <a:off x="179706" y="2851837"/>
+            <a:ext cx="1194295" cy="307777"/>
+          </a:xfrm>
+          <a:prstGeom prst="rect">
+            <a:avLst/>
+          </a:prstGeom>
+          <a:noFill/>
+        </p:spPr>
+        <p:txBody>
+          <a:bodyPr wrap="none" rtlCol="0">
+            <a:spAutoFit/>
+          </a:bodyPr>
+          <a:lstStyle/>
+          <a:p>
+            <a:r>
+              <a:rPr lang="fr-FR" dirty="0" smtClean="0"/>
+              <a:t>A(t</a:t>
+            </a:r>
+            <a:r>
+              <a:rPr lang="fr-FR" baseline="-25000" dirty="0" smtClean="0"/>
+              <a:t>1/2</a:t>
+            </a:r>
+            <a:r>
+              <a:rPr lang="fr-FR" dirty="0" smtClean="0"/>
+              <a:t>) = 0,54</a:t>
+            </a:r>
+            <a:endParaRPr lang="fr-FR" dirty="0"/>
+          </a:p>
+        </p:txBody>
+      </p:sp>
+      <p:cxnSp>
+        <p:nvCxnSpPr>
+          <p:cNvPr id="12" name="Connecteur droit 11"/>
+          <p:cNvCxnSpPr/>
+          <p:nvPr/>
+        </p:nvCxnSpPr>
+        <p:spPr>
+          <a:xfrm flipH="1">
+            <a:off x="1437462" y="3100102"/>
+            <a:ext cx="448930" cy="0"/>
+          </a:xfrm>
+          <a:prstGeom prst="line">
+            <a:avLst/>
+          </a:prstGeom>
+          <a:ln w="12700" cmpd="sng">
+            <a:solidFill>
+              <a:srgbClr val="000000"/>
+            </a:solidFill>
+            <a:prstDash val="sysDash"/>
+          </a:ln>
+        </p:spPr>
+        <p:style>
+          <a:lnRef idx="2">
+            <a:schemeClr val="accent1"/>
+          </a:lnRef>
+          <a:fillRef idx="0">
+            <a:schemeClr val="accent1"/>
+          </a:fillRef>
+          <a:effectRef idx="1">
+            <a:schemeClr val="accent1"/>
+          </a:effectRef>
+          <a:fontRef idx="minor">
+            <a:schemeClr val="tx1"/>
+          </a:fontRef>
+        </p:style>
+      </p:cxnSp>
+      <p:cxnSp>
+        <p:nvCxnSpPr>
+          <p:cNvPr id="13" name="Connecteur droit 12"/>
+          <p:cNvCxnSpPr/>
+          <p:nvPr/>
+        </p:nvCxnSpPr>
+        <p:spPr>
+          <a:xfrm flipV="1">
+            <a:off x="1904874" y="3108712"/>
+            <a:ext cx="0" cy="1336806"/>
+          </a:xfrm>
+          <a:prstGeom prst="line">
+            <a:avLst/>
+          </a:prstGeom>
+          <a:ln w="12700" cmpd="sng">
+            <a:solidFill>
+              <a:srgbClr val="000000"/>
+            </a:solidFill>
+            <a:prstDash val="sysDash"/>
+          </a:ln>
+        </p:spPr>
+        <p:style>
+          <a:lnRef idx="2">
+            <a:schemeClr val="accent1"/>
+          </a:lnRef>
+          <a:fillRef idx="0">
+            <a:schemeClr val="accent1"/>
+          </a:fillRef>
+          <a:effectRef idx="1">
+            <a:schemeClr val="accent1"/>
+          </a:effectRef>
+          <a:fontRef idx="minor">
+            <a:schemeClr val="tx1"/>
+          </a:fontRef>
+        </p:style>
+      </p:cxnSp>
+      <p:sp>
+        <p:nvSpPr>
+          <p:cNvPr id="15" name="ZoneTexte 14"/>
+          <p:cNvSpPr txBox="1"/>
+          <p:nvPr/>
+        </p:nvSpPr>
+        <p:spPr>
+          <a:xfrm>
+            <a:off x="1713189" y="4433532"/>
+            <a:ext cx="400933" cy="307777"/>
+          </a:xfrm>
+          <a:prstGeom prst="rect">
+            <a:avLst/>
+          </a:prstGeom>
+          <a:noFill/>
+        </p:spPr>
+        <p:txBody>
+          <a:bodyPr wrap="none" rtlCol="0">
+            <a:spAutoFit/>
+          </a:bodyPr>
+          <a:lstStyle/>
+          <a:p>
+            <a:r>
+              <a:rPr lang="fr-FR" dirty="0"/>
+              <a:t>t</a:t>
+            </a:r>
+            <a:r>
+              <a:rPr lang="fr-FR" baseline="-25000" dirty="0" smtClean="0"/>
+              <a:t>1/2</a:t>
+            </a:r>
+            <a:endParaRPr lang="fr-FR" dirty="0"/>
+          </a:p>
+        </p:txBody>
+      </p:sp>
+    </p:spTree>
+    <p:extLst>
+      <p:ext uri="{BB962C8B-B14F-4D97-AF65-F5344CB8AC3E}">
+        <p14:creationId xmlns:p14="http://schemas.microsoft.com/office/powerpoint/2010/main" val="3032168805"/>
+      </p:ext>
+    </p:extLst>
+  </p:cSld>
+  <p:clrMapOvr>
+    <a:masterClrMapping/>
+  </p:clrMapOvr>
+  <p:timing>
+    <p:tnLst>
+      <p:par>
+        <p:cTn xmlns:p14="http://schemas.microsoft.com/office/powerpoint/2010/main" id="1" dur="indefinite" restart="never" nodeType="tmRoot"/>
+      </p:par>
+    </p:tnLst>
+  </p:timing>
+</p:sld>
+</file>
+
+<file path=ppt/slides/slide11.xml><?xml version="1.0" encoding="utf-8"?>
+<p:sld xmlns:a="http://schemas.openxmlformats.org/drawingml/2006/main" xmlns:r="http://schemas.openxmlformats.org/officeDocument/2006/relationships" xmlns:p="http://schemas.openxmlformats.org/presentationml/2006/main">
+  <p:cSld>
+    <p:spTree>
+      <p:nvGrpSpPr>
+        <p:cNvPr id="1" name=""/>
+        <p:cNvGrpSpPr/>
+        <p:nvPr/>
+      </p:nvGrpSpPr>
+      <p:grpSpPr>
+        <a:xfrm>
+          <a:off x="0" y="0"/>
+          <a:ext cx="0" cy="0"/>
+          <a:chOff x="0" y="0"/>
+          <a:chExt cx="0" cy="0"/>
+        </a:xfrm>
+      </p:grpSpPr>
+      <p:pic>
+        <p:nvPicPr>
+          <p:cNvPr id="7" name="Image 6"/>
+          <p:cNvPicPr>
+            <a:picLocks noChangeAspect="1"/>
+          </p:cNvPicPr>
+          <p:nvPr/>
+        </p:nvPicPr>
+        <p:blipFill>
+          <a:blip r:embed="rId3"/>
+          <a:stretch>
+            <a:fillRect/>
+          </a:stretch>
+        </p:blipFill>
+        <p:spPr>
+          <a:xfrm>
+            <a:off x="0" y="3048253"/>
+            <a:ext cx="3063832" cy="1549399"/>
+          </a:xfrm>
+          <a:prstGeom prst="rect">
+            <a:avLst/>
+          </a:prstGeom>
+        </p:spPr>
+      </p:pic>
+      <p:pic>
+        <p:nvPicPr>
+          <p:cNvPr id="5" name="Image 4"/>
+          <p:cNvPicPr>
+            <a:picLocks noChangeAspect="1"/>
+          </p:cNvPicPr>
+          <p:nvPr/>
+        </p:nvPicPr>
+        <p:blipFill>
+          <a:blip r:embed="rId4"/>
+          <a:stretch>
+            <a:fillRect/>
+          </a:stretch>
+        </p:blipFill>
+        <p:spPr>
+          <a:xfrm>
+            <a:off x="3563541" y="2224194"/>
+            <a:ext cx="1320800" cy="2032000"/>
+          </a:xfrm>
+          <a:prstGeom prst="rect">
+            <a:avLst/>
+          </a:prstGeom>
+        </p:spPr>
+      </p:pic>
+      <p:sp>
+        <p:nvSpPr>
+          <p:cNvPr id="2" name="Titre 1"/>
+          <p:cNvSpPr>
+            <a:spLocks noGrp="1"/>
+          </p:cNvSpPr>
+          <p:nvPr>
+            <p:ph type="title"/>
+          </p:nvPr>
+        </p:nvSpPr>
+        <p:spPr>
+          <a:xfrm>
+            <a:off x="311700" y="203725"/>
+            <a:ext cx="8520600" cy="572700"/>
+          </a:xfrm>
+        </p:spPr>
+        <p:txBody>
+          <a:bodyPr/>
+          <a:lstStyle/>
+          <a:p>
+            <a:r>
+              <a:rPr lang="fr-FR" b="1" dirty="0" smtClean="0">
+                <a:solidFill>
+                  <a:srgbClr val="DD7E6B"/>
+                </a:solidFill>
+              </a:rPr>
+              <a:t>Influence de la température sur une réaction </a:t>
+            </a:r>
+            <a:endParaRPr lang="fr-FR" b="1" dirty="0">
+              <a:solidFill>
+                <a:srgbClr val="DD7E6B"/>
+              </a:solidFill>
+            </a:endParaRPr>
+          </a:p>
+        </p:txBody>
+      </p:sp>
+      <p:sp>
+        <p:nvSpPr>
+          <p:cNvPr id="3" name="Espace réservé du texte 2"/>
+          <p:cNvSpPr>
+            <a:spLocks noGrp="1"/>
+          </p:cNvSpPr>
+          <p:nvPr>
+            <p:ph type="body" idx="1"/>
+          </p:nvPr>
+        </p:nvSpPr>
+        <p:spPr>
+          <a:xfrm>
+            <a:off x="311700" y="898475"/>
+            <a:ext cx="8520600" cy="3416400"/>
+          </a:xfrm>
+        </p:spPr>
+        <p:txBody>
+          <a:bodyPr/>
+          <a:lstStyle/>
+          <a:p>
+            <a:pPr marL="114300" indent="0">
+              <a:buNone/>
+            </a:pPr>
+            <a:r>
+              <a:rPr lang="fr" dirty="0">
+                <a:solidFill>
+                  <a:schemeClr val="dk1"/>
+                </a:solidFill>
+                <a:latin typeface="Calibri"/>
+                <a:ea typeface="Calibri"/>
+                <a:cs typeface="Calibri"/>
+                <a:sym typeface="Calibri"/>
+              </a:rPr>
+              <a:t>2 I</a:t>
+            </a:r>
+            <a:r>
+              <a:rPr lang="fr" baseline="30000" dirty="0">
+                <a:solidFill>
+                  <a:schemeClr val="dk1"/>
+                </a:solidFill>
+                <a:latin typeface="Calibri"/>
+                <a:ea typeface="Calibri"/>
+                <a:cs typeface="Calibri"/>
+                <a:sym typeface="Calibri"/>
+              </a:rPr>
+              <a:t>-</a:t>
+            </a:r>
+            <a:r>
+              <a:rPr lang="fr" baseline="-25000" dirty="0">
+                <a:solidFill>
+                  <a:schemeClr val="dk1"/>
+                </a:solidFill>
+                <a:latin typeface="Calibri"/>
+                <a:ea typeface="Calibri"/>
+                <a:cs typeface="Calibri"/>
+                <a:sym typeface="Calibri"/>
+              </a:rPr>
+              <a:t>(aq)</a:t>
+            </a:r>
+            <a:r>
+              <a:rPr lang="fr" dirty="0">
+                <a:solidFill>
+                  <a:schemeClr val="dk1"/>
+                </a:solidFill>
+                <a:latin typeface="Calibri"/>
+                <a:ea typeface="Calibri"/>
+                <a:cs typeface="Calibri"/>
+                <a:sym typeface="Calibri"/>
+              </a:rPr>
+              <a:t> + S</a:t>
+            </a:r>
+            <a:r>
+              <a:rPr lang="fr" baseline="-25000" dirty="0">
+                <a:solidFill>
+                  <a:schemeClr val="dk1"/>
+                </a:solidFill>
+                <a:latin typeface="Calibri"/>
+                <a:ea typeface="Calibri"/>
+                <a:cs typeface="Calibri"/>
+                <a:sym typeface="Calibri"/>
+              </a:rPr>
+              <a:t>2</a:t>
+            </a:r>
+            <a:r>
+              <a:rPr lang="fr" dirty="0">
+                <a:solidFill>
+                  <a:schemeClr val="dk1"/>
+                </a:solidFill>
+                <a:latin typeface="Calibri"/>
+                <a:ea typeface="Calibri"/>
+                <a:cs typeface="Calibri"/>
+                <a:sym typeface="Calibri"/>
+              </a:rPr>
+              <a:t>O</a:t>
+            </a:r>
+            <a:r>
+              <a:rPr lang="fr" baseline="-25000" dirty="0">
+                <a:solidFill>
+                  <a:schemeClr val="dk1"/>
+                </a:solidFill>
+                <a:latin typeface="Calibri"/>
+                <a:ea typeface="Calibri"/>
+                <a:cs typeface="Calibri"/>
+                <a:sym typeface="Calibri"/>
+              </a:rPr>
+              <a:t>8</a:t>
+            </a:r>
+            <a:r>
+              <a:rPr lang="fr" baseline="30000" dirty="0">
+                <a:solidFill>
+                  <a:schemeClr val="dk1"/>
+                </a:solidFill>
+                <a:latin typeface="Calibri"/>
+                <a:ea typeface="Calibri"/>
+                <a:cs typeface="Calibri"/>
+                <a:sym typeface="Calibri"/>
+              </a:rPr>
+              <a:t>2-</a:t>
+            </a:r>
+            <a:r>
+              <a:rPr lang="fr" baseline="-25000" dirty="0">
+                <a:solidFill>
+                  <a:schemeClr val="dk1"/>
+                </a:solidFill>
+                <a:latin typeface="Calibri"/>
+                <a:ea typeface="Calibri"/>
+                <a:cs typeface="Calibri"/>
+                <a:sym typeface="Calibri"/>
+              </a:rPr>
+              <a:t>(aq)</a:t>
+            </a:r>
+            <a:r>
+              <a:rPr lang="fr" dirty="0">
+                <a:solidFill>
+                  <a:schemeClr val="dk1"/>
+                </a:solidFill>
+                <a:latin typeface="Calibri"/>
+                <a:ea typeface="Calibri"/>
+                <a:cs typeface="Calibri"/>
+                <a:sym typeface="Calibri"/>
+              </a:rPr>
+              <a:t>=I</a:t>
+            </a:r>
+            <a:r>
+              <a:rPr lang="fr" baseline="-25000" dirty="0">
+                <a:solidFill>
+                  <a:schemeClr val="dk1"/>
+                </a:solidFill>
+                <a:latin typeface="Calibri"/>
+                <a:ea typeface="Calibri"/>
+                <a:cs typeface="Calibri"/>
+                <a:sym typeface="Calibri"/>
+              </a:rPr>
+              <a:t>2(aq)</a:t>
+            </a:r>
+            <a:r>
+              <a:rPr lang="fr" dirty="0">
+                <a:solidFill>
+                  <a:schemeClr val="dk1"/>
+                </a:solidFill>
+                <a:latin typeface="Calibri"/>
+                <a:ea typeface="Calibri"/>
+                <a:cs typeface="Calibri"/>
+                <a:sym typeface="Calibri"/>
+              </a:rPr>
+              <a:t>+ 2 SO</a:t>
+            </a:r>
+            <a:r>
+              <a:rPr lang="fr" baseline="-25000" dirty="0">
+                <a:solidFill>
+                  <a:schemeClr val="dk1"/>
+                </a:solidFill>
+                <a:latin typeface="Calibri"/>
+                <a:ea typeface="Calibri"/>
+                <a:cs typeface="Calibri"/>
+                <a:sym typeface="Calibri"/>
+              </a:rPr>
+              <a:t>4</a:t>
+            </a:r>
+            <a:r>
+              <a:rPr lang="fr" baseline="30000" dirty="0">
+                <a:solidFill>
+                  <a:schemeClr val="dk1"/>
+                </a:solidFill>
+                <a:latin typeface="Calibri"/>
+                <a:ea typeface="Calibri"/>
+                <a:cs typeface="Calibri"/>
+                <a:sym typeface="Calibri"/>
+              </a:rPr>
+              <a:t>2-</a:t>
+            </a:r>
+            <a:r>
+              <a:rPr lang="fr" baseline="-25000" dirty="0">
+                <a:solidFill>
+                  <a:schemeClr val="dk1"/>
+                </a:solidFill>
+                <a:latin typeface="Calibri"/>
+                <a:ea typeface="Calibri"/>
+                <a:cs typeface="Calibri"/>
+                <a:sym typeface="Calibri"/>
+              </a:rPr>
+              <a:t>(aq) </a:t>
+            </a:r>
+            <a:endParaRPr lang="fr-FR" dirty="0"/>
+          </a:p>
+        </p:txBody>
+      </p:sp>
+      <p:sp>
+        <p:nvSpPr>
+          <p:cNvPr id="4" name="Espace réservé du numéro de diapositive 3"/>
+          <p:cNvSpPr>
+            <a:spLocks noGrp="1"/>
+          </p:cNvSpPr>
+          <p:nvPr>
+            <p:ph type="sldNum" idx="12"/>
+          </p:nvPr>
+        </p:nvSpPr>
+        <p:spPr/>
+        <p:txBody>
+          <a:bodyPr/>
+          <a:lstStyle/>
+          <a:p>
+            <a:pPr marL="0" lvl="0" indent="0" algn="r" rtl="0">
+              <a:spcBef>
+                <a:spcPts val="0"/>
+              </a:spcBef>
+              <a:spcAft>
+                <a:spcPts val="0"/>
+              </a:spcAft>
+              <a:buNone/>
+            </a:pPr>
+            <a:fld id="{00000000-1234-1234-1234-123412341234}" type="slidenum">
+              <a:rPr lang="fr" smtClean="0"/>
+              <a:t>11</a:t>
             </a:fld>
             <a:endParaRPr lang="fr"/>
           </a:p>
@@ -7293,7 +7655,7 @@
         <p:spPr>
           <a:xfrm>
             <a:off x="4699000" y="874340"/>
-            <a:ext cx="2616200" cy="1528624"/>
+            <a:ext cx="2616200" cy="1384995"/>
           </a:xfrm>
           <a:prstGeom prst="rect">
             <a:avLst/>
@@ -7347,11 +7709,1013 @@
             </a:pPr>
             <a:r>
               <a:rPr lang="fr-FR" dirty="0" smtClean="0"/>
-              <a:t>1mL de </a:t>
+              <a:t>1mL de K</a:t>
+            </a:r>
+            <a:r>
+              <a:rPr lang="fr-FR" baseline="-25000" dirty="0" smtClean="0"/>
+              <a:t>2</a:t>
             </a:r>
             <a:r>
               <a:rPr lang="fr-FR" dirty="0" smtClean="0"/>
-              <a:t>K</a:t>
+              <a:t>S</a:t>
+            </a:r>
+            <a:r>
+              <a:rPr lang="fr-FR" baseline="-25000" dirty="0" smtClean="0"/>
+              <a:t>2</a:t>
+            </a:r>
+            <a:r>
+              <a:rPr lang="fr-FR" dirty="0" smtClean="0"/>
+              <a:t>O</a:t>
+            </a:r>
+            <a:r>
+              <a:rPr lang="fr-FR" baseline="-25000" dirty="0" smtClean="0"/>
+              <a:t>8 </a:t>
+            </a:r>
+            <a:r>
+              <a:rPr lang="fr-FR" dirty="0" smtClean="0"/>
+              <a:t>à 0,1 mol/L</a:t>
+            </a:r>
+            <a:endParaRPr lang="fr-FR" baseline="-25000" dirty="0"/>
+          </a:p>
+        </p:txBody>
+      </p:sp>
+      <p:sp>
+        <p:nvSpPr>
+          <p:cNvPr id="39" name="ZoneTexte 38"/>
+          <p:cNvSpPr txBox="1"/>
+          <p:nvPr/>
+        </p:nvSpPr>
+        <p:spPr>
+          <a:xfrm>
+            <a:off x="6440842" y="4321686"/>
+            <a:ext cx="1014671" cy="307777"/>
+          </a:xfrm>
+          <a:prstGeom prst="rect">
+            <a:avLst/>
+          </a:prstGeom>
+          <a:noFill/>
+        </p:spPr>
+        <p:txBody>
+          <a:bodyPr wrap="none" rtlCol="0">
+            <a:spAutoFit/>
+          </a:bodyPr>
+          <a:lstStyle/>
+          <a:p>
+            <a:r>
+              <a:rPr lang="fr-FR" dirty="0" smtClean="0"/>
+              <a:t>TUBE N°3</a:t>
+            </a:r>
+            <a:endParaRPr lang="fr-FR" dirty="0"/>
+          </a:p>
+        </p:txBody>
+      </p:sp>
+      <p:sp>
+        <p:nvSpPr>
+          <p:cNvPr id="40" name="Trapèze 39"/>
+          <p:cNvSpPr/>
+          <p:nvPr/>
+        </p:nvSpPr>
+        <p:spPr>
+          <a:xfrm rot="10800000">
+            <a:off x="6559719" y="2422010"/>
+            <a:ext cx="536824" cy="458219"/>
+          </a:xfrm>
+          <a:prstGeom prst="trapezoid">
+            <a:avLst/>
+          </a:prstGeom>
+          <a:solidFill>
+            <a:srgbClr val="FFFFFF"/>
+          </a:solidFill>
+          <a:ln>
+            <a:solidFill>
+              <a:srgbClr val="000000"/>
+            </a:solidFill>
+          </a:ln>
+        </p:spPr>
+        <p:style>
+          <a:lnRef idx="1">
+            <a:schemeClr val="accent1"/>
+          </a:lnRef>
+          <a:fillRef idx="3">
+            <a:schemeClr val="accent1"/>
+          </a:fillRef>
+          <a:effectRef idx="2">
+            <a:schemeClr val="accent1"/>
+          </a:effectRef>
+          <a:fontRef idx="minor">
+            <a:schemeClr val="lt1"/>
+          </a:fontRef>
+        </p:style>
+        <p:txBody>
+          <a:bodyPr rtlCol="0" anchor="ctr"/>
+          <a:lstStyle/>
+          <a:p>
+            <a:pPr algn="ctr"/>
+            <a:endParaRPr lang="fr-FR"/>
+          </a:p>
+        </p:txBody>
+      </p:sp>
+      <p:sp>
+        <p:nvSpPr>
+          <p:cNvPr id="26" name="ZoneTexte 25"/>
+          <p:cNvSpPr txBox="1"/>
+          <p:nvPr/>
+        </p:nvSpPr>
+        <p:spPr>
+          <a:xfrm>
+            <a:off x="2819400" y="2933953"/>
+            <a:ext cx="653670" cy="307777"/>
+          </a:xfrm>
+          <a:prstGeom prst="rect">
+            <a:avLst/>
+          </a:prstGeom>
+          <a:noFill/>
+        </p:spPr>
+        <p:txBody>
+          <a:bodyPr wrap="none" rtlCol="0">
+            <a:spAutoFit/>
+          </a:bodyPr>
+          <a:lstStyle/>
+          <a:p>
+            <a:r>
+              <a:rPr lang="fr-FR" dirty="0" smtClean="0"/>
+              <a:t>Glace</a:t>
+            </a:r>
+            <a:endParaRPr lang="fr-FR" dirty="0"/>
+          </a:p>
+        </p:txBody>
+      </p:sp>
+    </p:spTree>
+    <p:extLst>
+      <p:ext uri="{BB962C8B-B14F-4D97-AF65-F5344CB8AC3E}">
+        <p14:creationId xmlns:p14="http://schemas.microsoft.com/office/powerpoint/2010/main" val="2492805109"/>
+      </p:ext>
+    </p:extLst>
+  </p:cSld>
+  <p:clrMapOvr>
+    <a:masterClrMapping/>
+  </p:clrMapOvr>
+  <p:timing>
+    <p:tnLst>
+      <p:par>
+        <p:cTn xmlns:p14="http://schemas.microsoft.com/office/powerpoint/2010/main" id="1" dur="indefinite" restart="never" nodeType="tmRoot"/>
+      </p:par>
+    </p:tnLst>
+  </p:timing>
+</p:sld>
+</file>
+
+<file path=ppt/slides/slide12.xml><?xml version="1.0" encoding="utf-8"?>
+<p:sld xmlns:a="http://schemas.openxmlformats.org/drawingml/2006/main" xmlns:r="http://schemas.openxmlformats.org/officeDocument/2006/relationships" xmlns:p="http://schemas.openxmlformats.org/presentationml/2006/main">
+  <p:cSld>
+    <p:spTree>
+      <p:nvGrpSpPr>
+        <p:cNvPr id="1" name=""/>
+        <p:cNvGrpSpPr/>
+        <p:nvPr/>
+      </p:nvGrpSpPr>
+      <p:grpSpPr>
+        <a:xfrm>
+          <a:off x="0" y="0"/>
+          <a:ext cx="0" cy="0"/>
+          <a:chOff x="0" y="0"/>
+          <a:chExt cx="0" cy="0"/>
+        </a:xfrm>
+      </p:grpSpPr>
+      <p:pic>
+        <p:nvPicPr>
+          <p:cNvPr id="7" name="Image 6"/>
+          <p:cNvPicPr>
+            <a:picLocks noChangeAspect="1"/>
+          </p:cNvPicPr>
+          <p:nvPr/>
+        </p:nvPicPr>
+        <p:blipFill>
+          <a:blip r:embed="rId3"/>
+          <a:stretch>
+            <a:fillRect/>
+          </a:stretch>
+        </p:blipFill>
+        <p:spPr>
+          <a:xfrm>
+            <a:off x="0" y="3048253"/>
+            <a:ext cx="3063832" cy="1549399"/>
+          </a:xfrm>
+          <a:prstGeom prst="rect">
+            <a:avLst/>
+          </a:prstGeom>
+        </p:spPr>
+      </p:pic>
+      <p:pic>
+        <p:nvPicPr>
+          <p:cNvPr id="5" name="Image 4"/>
+          <p:cNvPicPr>
+            <a:picLocks noChangeAspect="1"/>
+          </p:cNvPicPr>
+          <p:nvPr/>
+        </p:nvPicPr>
+        <p:blipFill>
+          <a:blip r:embed="rId4"/>
+          <a:stretch>
+            <a:fillRect/>
+          </a:stretch>
+        </p:blipFill>
+        <p:spPr>
+          <a:xfrm>
+            <a:off x="3563541" y="2224194"/>
+            <a:ext cx="1320800" cy="2032000"/>
+          </a:xfrm>
+          <a:prstGeom prst="rect">
+            <a:avLst/>
+          </a:prstGeom>
+        </p:spPr>
+      </p:pic>
+      <p:sp>
+        <p:nvSpPr>
+          <p:cNvPr id="2" name="Titre 1"/>
+          <p:cNvSpPr>
+            <a:spLocks noGrp="1"/>
+          </p:cNvSpPr>
+          <p:nvPr>
+            <p:ph type="title"/>
+          </p:nvPr>
+        </p:nvSpPr>
+        <p:spPr>
+          <a:xfrm>
+            <a:off x="311700" y="203725"/>
+            <a:ext cx="8520600" cy="572700"/>
+          </a:xfrm>
+        </p:spPr>
+        <p:txBody>
+          <a:bodyPr/>
+          <a:lstStyle/>
+          <a:p>
+            <a:r>
+              <a:rPr lang="fr-FR" b="1" dirty="0" smtClean="0">
+                <a:solidFill>
+                  <a:srgbClr val="DD7E6B"/>
+                </a:solidFill>
+              </a:rPr>
+              <a:t>Influence de la température sur une réaction </a:t>
+            </a:r>
+            <a:endParaRPr lang="fr-FR" b="1" dirty="0">
+              <a:solidFill>
+                <a:srgbClr val="DD7E6B"/>
+              </a:solidFill>
+            </a:endParaRPr>
+          </a:p>
+        </p:txBody>
+      </p:sp>
+      <p:sp>
+        <p:nvSpPr>
+          <p:cNvPr id="3" name="Espace réservé du texte 2"/>
+          <p:cNvSpPr>
+            <a:spLocks noGrp="1"/>
+          </p:cNvSpPr>
+          <p:nvPr>
+            <p:ph type="body" idx="1"/>
+          </p:nvPr>
+        </p:nvSpPr>
+        <p:spPr>
+          <a:xfrm>
+            <a:off x="311700" y="898475"/>
+            <a:ext cx="8520600" cy="3416400"/>
+          </a:xfrm>
+        </p:spPr>
+        <p:txBody>
+          <a:bodyPr/>
+          <a:lstStyle/>
+          <a:p>
+            <a:pPr marL="114300" indent="0">
+              <a:buNone/>
+            </a:pPr>
+            <a:r>
+              <a:rPr lang="fr" dirty="0">
+                <a:solidFill>
+                  <a:schemeClr val="dk1"/>
+                </a:solidFill>
+                <a:latin typeface="Calibri"/>
+                <a:ea typeface="Calibri"/>
+                <a:cs typeface="Calibri"/>
+                <a:sym typeface="Calibri"/>
+              </a:rPr>
+              <a:t>2 I</a:t>
+            </a:r>
+            <a:r>
+              <a:rPr lang="fr" baseline="30000" dirty="0">
+                <a:solidFill>
+                  <a:schemeClr val="dk1"/>
+                </a:solidFill>
+                <a:latin typeface="Calibri"/>
+                <a:ea typeface="Calibri"/>
+                <a:cs typeface="Calibri"/>
+                <a:sym typeface="Calibri"/>
+              </a:rPr>
+              <a:t>-</a:t>
+            </a:r>
+            <a:r>
+              <a:rPr lang="fr" baseline="-25000" dirty="0">
+                <a:solidFill>
+                  <a:schemeClr val="dk1"/>
+                </a:solidFill>
+                <a:latin typeface="Calibri"/>
+                <a:ea typeface="Calibri"/>
+                <a:cs typeface="Calibri"/>
+                <a:sym typeface="Calibri"/>
+              </a:rPr>
+              <a:t>(aq)</a:t>
+            </a:r>
+            <a:r>
+              <a:rPr lang="fr" dirty="0">
+                <a:solidFill>
+                  <a:schemeClr val="dk1"/>
+                </a:solidFill>
+                <a:latin typeface="Calibri"/>
+                <a:ea typeface="Calibri"/>
+                <a:cs typeface="Calibri"/>
+                <a:sym typeface="Calibri"/>
+              </a:rPr>
+              <a:t> + S</a:t>
+            </a:r>
+            <a:r>
+              <a:rPr lang="fr" baseline="-25000" dirty="0">
+                <a:solidFill>
+                  <a:schemeClr val="dk1"/>
+                </a:solidFill>
+                <a:latin typeface="Calibri"/>
+                <a:ea typeface="Calibri"/>
+                <a:cs typeface="Calibri"/>
+                <a:sym typeface="Calibri"/>
+              </a:rPr>
+              <a:t>2</a:t>
+            </a:r>
+            <a:r>
+              <a:rPr lang="fr" dirty="0">
+                <a:solidFill>
+                  <a:schemeClr val="dk1"/>
+                </a:solidFill>
+                <a:latin typeface="Calibri"/>
+                <a:ea typeface="Calibri"/>
+                <a:cs typeface="Calibri"/>
+                <a:sym typeface="Calibri"/>
+              </a:rPr>
+              <a:t>O</a:t>
+            </a:r>
+            <a:r>
+              <a:rPr lang="fr" baseline="-25000" dirty="0">
+                <a:solidFill>
+                  <a:schemeClr val="dk1"/>
+                </a:solidFill>
+                <a:latin typeface="Calibri"/>
+                <a:ea typeface="Calibri"/>
+                <a:cs typeface="Calibri"/>
+                <a:sym typeface="Calibri"/>
+              </a:rPr>
+              <a:t>8</a:t>
+            </a:r>
+            <a:r>
+              <a:rPr lang="fr" baseline="30000" dirty="0">
+                <a:solidFill>
+                  <a:schemeClr val="dk1"/>
+                </a:solidFill>
+                <a:latin typeface="Calibri"/>
+                <a:ea typeface="Calibri"/>
+                <a:cs typeface="Calibri"/>
+                <a:sym typeface="Calibri"/>
+              </a:rPr>
+              <a:t>2-</a:t>
+            </a:r>
+            <a:r>
+              <a:rPr lang="fr" baseline="-25000" dirty="0">
+                <a:solidFill>
+                  <a:schemeClr val="dk1"/>
+                </a:solidFill>
+                <a:latin typeface="Calibri"/>
+                <a:ea typeface="Calibri"/>
+                <a:cs typeface="Calibri"/>
+                <a:sym typeface="Calibri"/>
+              </a:rPr>
+              <a:t>(aq)</a:t>
+            </a:r>
+            <a:r>
+              <a:rPr lang="fr" dirty="0">
+                <a:solidFill>
+                  <a:schemeClr val="dk1"/>
+                </a:solidFill>
+                <a:latin typeface="Calibri"/>
+                <a:ea typeface="Calibri"/>
+                <a:cs typeface="Calibri"/>
+                <a:sym typeface="Calibri"/>
+              </a:rPr>
+              <a:t>=I</a:t>
+            </a:r>
+            <a:r>
+              <a:rPr lang="fr" baseline="-25000" dirty="0">
+                <a:solidFill>
+                  <a:schemeClr val="dk1"/>
+                </a:solidFill>
+                <a:latin typeface="Calibri"/>
+                <a:ea typeface="Calibri"/>
+                <a:cs typeface="Calibri"/>
+                <a:sym typeface="Calibri"/>
+              </a:rPr>
+              <a:t>2(aq)</a:t>
+            </a:r>
+            <a:r>
+              <a:rPr lang="fr" dirty="0">
+                <a:solidFill>
+                  <a:schemeClr val="dk1"/>
+                </a:solidFill>
+                <a:latin typeface="Calibri"/>
+                <a:ea typeface="Calibri"/>
+                <a:cs typeface="Calibri"/>
+                <a:sym typeface="Calibri"/>
+              </a:rPr>
+              <a:t>+ 2 SO</a:t>
+            </a:r>
+            <a:r>
+              <a:rPr lang="fr" baseline="-25000" dirty="0">
+                <a:solidFill>
+                  <a:schemeClr val="dk1"/>
+                </a:solidFill>
+                <a:latin typeface="Calibri"/>
+                <a:ea typeface="Calibri"/>
+                <a:cs typeface="Calibri"/>
+                <a:sym typeface="Calibri"/>
+              </a:rPr>
+              <a:t>4</a:t>
+            </a:r>
+            <a:r>
+              <a:rPr lang="fr" baseline="30000" dirty="0">
+                <a:solidFill>
+                  <a:schemeClr val="dk1"/>
+                </a:solidFill>
+                <a:latin typeface="Calibri"/>
+                <a:ea typeface="Calibri"/>
+                <a:cs typeface="Calibri"/>
+                <a:sym typeface="Calibri"/>
+              </a:rPr>
+              <a:t>2-</a:t>
+            </a:r>
+            <a:r>
+              <a:rPr lang="fr" baseline="-25000" dirty="0">
+                <a:solidFill>
+                  <a:schemeClr val="dk1"/>
+                </a:solidFill>
+                <a:latin typeface="Calibri"/>
+                <a:ea typeface="Calibri"/>
+                <a:cs typeface="Calibri"/>
+                <a:sym typeface="Calibri"/>
+              </a:rPr>
+              <a:t>(aq) </a:t>
+            </a:r>
+            <a:endParaRPr lang="fr-FR" dirty="0"/>
+          </a:p>
+        </p:txBody>
+      </p:sp>
+      <p:sp>
+        <p:nvSpPr>
+          <p:cNvPr id="4" name="Espace réservé du numéro de diapositive 3"/>
+          <p:cNvSpPr>
+            <a:spLocks noGrp="1"/>
+          </p:cNvSpPr>
+          <p:nvPr>
+            <p:ph type="sldNum" idx="12"/>
+          </p:nvPr>
+        </p:nvSpPr>
+        <p:spPr/>
+        <p:txBody>
+          <a:bodyPr/>
+          <a:lstStyle/>
+          <a:p>
+            <a:pPr marL="0" lvl="0" indent="0" algn="r" rtl="0">
+              <a:spcBef>
+                <a:spcPts val="0"/>
+              </a:spcBef>
+              <a:spcAft>
+                <a:spcPts val="0"/>
+              </a:spcAft>
+              <a:buNone/>
+            </a:pPr>
+            <a:fld id="{00000000-1234-1234-1234-123412341234}" type="slidenum">
+              <a:rPr lang="fr" smtClean="0"/>
+              <a:t>12</a:t>
+            </a:fld>
+            <a:endParaRPr lang="fr"/>
+          </a:p>
+        </p:txBody>
+      </p:sp>
+      <p:pic>
+        <p:nvPicPr>
+          <p:cNvPr id="17" name="Image 16"/>
+          <p:cNvPicPr>
+            <a:picLocks noChangeAspect="1"/>
+          </p:cNvPicPr>
+          <p:nvPr/>
+        </p:nvPicPr>
+        <p:blipFill>
+          <a:blip r:embed="rId4"/>
+          <a:stretch>
+            <a:fillRect/>
+          </a:stretch>
+        </p:blipFill>
+        <p:spPr>
+          <a:xfrm>
+            <a:off x="800100" y="2184653"/>
+            <a:ext cx="1320800" cy="2032000"/>
+          </a:xfrm>
+          <a:prstGeom prst="rect">
+            <a:avLst/>
+          </a:prstGeom>
+        </p:spPr>
+      </p:pic>
+      <p:sp>
+        <p:nvSpPr>
+          <p:cNvPr id="10" name="ZoneTexte 9"/>
+          <p:cNvSpPr txBox="1"/>
+          <p:nvPr/>
+        </p:nvSpPr>
+        <p:spPr>
+          <a:xfrm>
+            <a:off x="3703113" y="4305554"/>
+            <a:ext cx="1014671" cy="307777"/>
+          </a:xfrm>
+          <a:prstGeom prst="rect">
+            <a:avLst/>
+          </a:prstGeom>
+          <a:noFill/>
+        </p:spPr>
+        <p:txBody>
+          <a:bodyPr wrap="none" rtlCol="0">
+            <a:spAutoFit/>
+          </a:bodyPr>
+          <a:lstStyle/>
+          <a:p>
+            <a:r>
+              <a:rPr lang="fr-FR" dirty="0" smtClean="0"/>
+              <a:t>TUBE N°2</a:t>
+            </a:r>
+            <a:endParaRPr lang="fr-FR" dirty="0"/>
+          </a:p>
+        </p:txBody>
+      </p:sp>
+      <p:sp>
+        <p:nvSpPr>
+          <p:cNvPr id="27" name="ZoneTexte 26"/>
+          <p:cNvSpPr txBox="1"/>
+          <p:nvPr/>
+        </p:nvSpPr>
+        <p:spPr>
+          <a:xfrm>
+            <a:off x="958122" y="4312766"/>
+            <a:ext cx="1014671" cy="307777"/>
+          </a:xfrm>
+          <a:prstGeom prst="rect">
+            <a:avLst/>
+          </a:prstGeom>
+          <a:noFill/>
+        </p:spPr>
+        <p:txBody>
+          <a:bodyPr wrap="none" rtlCol="0">
+            <a:spAutoFit/>
+          </a:bodyPr>
+          <a:lstStyle/>
+          <a:p>
+            <a:r>
+              <a:rPr lang="fr-FR" dirty="0" smtClean="0"/>
+              <a:t>TUBE N°1</a:t>
+            </a:r>
+            <a:endParaRPr lang="fr-FR" dirty="0"/>
+          </a:p>
+        </p:txBody>
+      </p:sp>
+      <p:cxnSp>
+        <p:nvCxnSpPr>
+          <p:cNvPr id="9" name="Connecteur droit 8"/>
+          <p:cNvCxnSpPr/>
+          <p:nvPr/>
+        </p:nvCxnSpPr>
+        <p:spPr>
+          <a:xfrm>
+            <a:off x="274320" y="3480053"/>
+            <a:ext cx="949960" cy="0"/>
+          </a:xfrm>
+          <a:prstGeom prst="line">
+            <a:avLst/>
+          </a:prstGeom>
+          <a:ln>
+            <a:solidFill>
+              <a:schemeClr val="tx1"/>
+            </a:solidFill>
+          </a:ln>
+        </p:spPr>
+        <p:style>
+          <a:lnRef idx="2">
+            <a:schemeClr val="accent1"/>
+          </a:lnRef>
+          <a:fillRef idx="0">
+            <a:schemeClr val="accent1"/>
+          </a:fillRef>
+          <a:effectRef idx="1">
+            <a:schemeClr val="accent1"/>
+          </a:effectRef>
+          <a:fontRef idx="minor">
+            <a:schemeClr val="tx1"/>
+          </a:fontRef>
+        </p:style>
+      </p:cxnSp>
+      <p:cxnSp>
+        <p:nvCxnSpPr>
+          <p:cNvPr id="18" name="Connecteur droit 17"/>
+          <p:cNvCxnSpPr/>
+          <p:nvPr/>
+        </p:nvCxnSpPr>
+        <p:spPr>
+          <a:xfrm>
+            <a:off x="1698949" y="3505453"/>
+            <a:ext cx="994525" cy="12700"/>
+          </a:xfrm>
+          <a:prstGeom prst="line">
+            <a:avLst/>
+          </a:prstGeom>
+          <a:ln>
+            <a:solidFill>
+              <a:schemeClr val="tx1"/>
+            </a:solidFill>
+          </a:ln>
+        </p:spPr>
+        <p:style>
+          <a:lnRef idx="2">
+            <a:schemeClr val="accent1"/>
+          </a:lnRef>
+          <a:fillRef idx="0">
+            <a:schemeClr val="accent1"/>
+          </a:fillRef>
+          <a:effectRef idx="1">
+            <a:schemeClr val="accent1"/>
+          </a:effectRef>
+          <a:fontRef idx="minor">
+            <a:schemeClr val="tx1"/>
+          </a:fontRef>
+        </p:style>
+      </p:cxnSp>
+      <p:cxnSp>
+        <p:nvCxnSpPr>
+          <p:cNvPr id="19" name="Connecteur droit avec flèche 18"/>
+          <p:cNvCxnSpPr/>
+          <p:nvPr/>
+        </p:nvCxnSpPr>
+        <p:spPr>
+          <a:xfrm flipH="1">
+            <a:off x="2044700" y="3086353"/>
+            <a:ext cx="355600" cy="584200"/>
+          </a:xfrm>
+          <a:prstGeom prst="straightConnector1">
+            <a:avLst/>
+          </a:prstGeom>
+          <a:ln>
+            <a:tailEnd type="arrow"/>
+          </a:ln>
+        </p:spPr>
+        <p:style>
+          <a:lnRef idx="2">
+            <a:schemeClr val="accent1"/>
+          </a:lnRef>
+          <a:fillRef idx="0">
+            <a:schemeClr val="accent1"/>
+          </a:fillRef>
+          <a:effectRef idx="1">
+            <a:schemeClr val="accent1"/>
+          </a:effectRef>
+          <a:fontRef idx="minor">
+            <a:schemeClr val="tx1"/>
+          </a:fontRef>
+        </p:style>
+      </p:cxnSp>
+      <p:cxnSp>
+        <p:nvCxnSpPr>
+          <p:cNvPr id="24" name="Connecteur droit 23"/>
+          <p:cNvCxnSpPr/>
+          <p:nvPr/>
+        </p:nvCxnSpPr>
+        <p:spPr>
+          <a:xfrm>
+            <a:off x="2400300" y="3073653"/>
+            <a:ext cx="381000" cy="0"/>
+          </a:xfrm>
+          <a:prstGeom prst="line">
+            <a:avLst/>
+          </a:prstGeom>
+        </p:spPr>
+        <p:style>
+          <a:lnRef idx="2">
+            <a:schemeClr val="accent1"/>
+          </a:lnRef>
+          <a:fillRef idx="0">
+            <a:schemeClr val="accent1"/>
+          </a:fillRef>
+          <a:effectRef idx="1">
+            <a:schemeClr val="accent1"/>
+          </a:effectRef>
+          <a:fontRef idx="minor">
+            <a:schemeClr val="tx1"/>
+          </a:fontRef>
+        </p:style>
+      </p:cxnSp>
+      <p:grpSp>
+        <p:nvGrpSpPr>
+          <p:cNvPr id="28" name="Grouper 27"/>
+          <p:cNvGrpSpPr/>
+          <p:nvPr/>
+        </p:nvGrpSpPr>
+        <p:grpSpPr>
+          <a:xfrm>
+            <a:off x="5382835" y="2193180"/>
+            <a:ext cx="3063832" cy="2412999"/>
+            <a:chOff x="5448300" y="2336800"/>
+            <a:chExt cx="3063832" cy="2412999"/>
+          </a:xfrm>
+        </p:grpSpPr>
+        <p:pic>
+          <p:nvPicPr>
+            <p:cNvPr id="31" name="Image 30"/>
+            <p:cNvPicPr>
+              <a:picLocks noChangeAspect="1"/>
+            </p:cNvPicPr>
+            <p:nvPr/>
+          </p:nvPicPr>
+          <p:blipFill>
+            <a:blip r:embed="rId3"/>
+            <a:stretch>
+              <a:fillRect/>
+            </a:stretch>
+          </p:blipFill>
+          <p:spPr>
+            <a:xfrm>
+              <a:off x="5448300" y="3200400"/>
+              <a:ext cx="3063832" cy="1549399"/>
+            </a:xfrm>
+            <a:prstGeom prst="rect">
+              <a:avLst/>
+            </a:prstGeom>
+          </p:spPr>
+        </p:pic>
+        <p:pic>
+          <p:nvPicPr>
+            <p:cNvPr id="32" name="Image 31"/>
+            <p:cNvPicPr>
+              <a:picLocks noChangeAspect="1"/>
+            </p:cNvPicPr>
+            <p:nvPr/>
+          </p:nvPicPr>
+          <p:blipFill>
+            <a:blip r:embed="rId4"/>
+            <a:stretch>
+              <a:fillRect/>
+            </a:stretch>
+          </p:blipFill>
+          <p:spPr>
+            <a:xfrm>
+              <a:off x="6248400" y="2336800"/>
+              <a:ext cx="1320800" cy="2032000"/>
+            </a:xfrm>
+            <a:prstGeom prst="rect">
+              <a:avLst/>
+            </a:prstGeom>
+          </p:spPr>
+        </p:pic>
+        <p:cxnSp>
+          <p:nvCxnSpPr>
+            <p:cNvPr id="33" name="Connecteur droit 32"/>
+            <p:cNvCxnSpPr/>
+            <p:nvPr/>
+          </p:nvCxnSpPr>
+          <p:spPr>
+            <a:xfrm>
+              <a:off x="5722620" y="3632200"/>
+              <a:ext cx="949960" cy="0"/>
+            </a:xfrm>
+            <a:prstGeom prst="line">
+              <a:avLst/>
+            </a:prstGeom>
+            <a:ln>
+              <a:solidFill>
+                <a:schemeClr val="tx1"/>
+              </a:solidFill>
+            </a:ln>
+          </p:spPr>
+          <p:style>
+            <a:lnRef idx="2">
+              <a:schemeClr val="accent1"/>
+            </a:lnRef>
+            <a:fillRef idx="0">
+              <a:schemeClr val="accent1"/>
+            </a:fillRef>
+            <a:effectRef idx="1">
+              <a:schemeClr val="accent1"/>
+            </a:effectRef>
+            <a:fontRef idx="minor">
+              <a:schemeClr val="tx1"/>
+            </a:fontRef>
+          </p:style>
+        </p:cxnSp>
+        <p:cxnSp>
+          <p:nvCxnSpPr>
+            <p:cNvPr id="35" name="Connecteur droit 34"/>
+            <p:cNvCxnSpPr/>
+            <p:nvPr/>
+          </p:nvCxnSpPr>
+          <p:spPr>
+            <a:xfrm>
+              <a:off x="7147249" y="3657600"/>
+              <a:ext cx="994525" cy="12700"/>
+            </a:xfrm>
+            <a:prstGeom prst="line">
+              <a:avLst/>
+            </a:prstGeom>
+            <a:ln>
+              <a:solidFill>
+                <a:schemeClr val="tx1"/>
+              </a:solidFill>
+            </a:ln>
+          </p:spPr>
+          <p:style>
+            <a:lnRef idx="2">
+              <a:schemeClr val="accent1"/>
+            </a:lnRef>
+            <a:fillRef idx="0">
+              <a:schemeClr val="accent1"/>
+            </a:fillRef>
+            <a:effectRef idx="1">
+              <a:schemeClr val="accent1"/>
+            </a:effectRef>
+            <a:fontRef idx="minor">
+              <a:schemeClr val="tx1"/>
+            </a:fontRef>
+          </p:style>
+        </p:cxnSp>
+        <p:cxnSp>
+          <p:nvCxnSpPr>
+            <p:cNvPr id="36" name="Connecteur droit avec flèche 35"/>
+            <p:cNvCxnSpPr/>
+            <p:nvPr/>
+          </p:nvCxnSpPr>
+          <p:spPr>
+            <a:xfrm flipH="1">
+              <a:off x="7335884" y="3238500"/>
+              <a:ext cx="355600" cy="584200"/>
+            </a:xfrm>
+            <a:prstGeom prst="straightConnector1">
+              <a:avLst/>
+            </a:prstGeom>
+            <a:ln>
+              <a:tailEnd type="arrow"/>
+            </a:ln>
+          </p:spPr>
+          <p:style>
+            <a:lnRef idx="2">
+              <a:schemeClr val="accent1"/>
+            </a:lnRef>
+            <a:fillRef idx="0">
+              <a:schemeClr val="accent1"/>
+            </a:fillRef>
+            <a:effectRef idx="1">
+              <a:schemeClr val="accent1"/>
+            </a:effectRef>
+            <a:fontRef idx="minor">
+              <a:schemeClr val="tx1"/>
+            </a:fontRef>
+          </p:style>
+        </p:cxnSp>
+        <p:cxnSp>
+          <p:nvCxnSpPr>
+            <p:cNvPr id="37" name="Connecteur droit 36"/>
+            <p:cNvCxnSpPr/>
+            <p:nvPr/>
+          </p:nvCxnSpPr>
+          <p:spPr>
+            <a:xfrm>
+              <a:off x="7691484" y="3225800"/>
+              <a:ext cx="381000" cy="0"/>
+            </a:xfrm>
+            <a:prstGeom prst="line">
+              <a:avLst/>
+            </a:prstGeom>
+          </p:spPr>
+          <p:style>
+            <a:lnRef idx="2">
+              <a:schemeClr val="accent1"/>
+            </a:lnRef>
+            <a:fillRef idx="0">
+              <a:schemeClr val="accent1"/>
+            </a:fillRef>
+            <a:effectRef idx="1">
+              <a:schemeClr val="accent1"/>
+            </a:effectRef>
+            <a:fontRef idx="minor">
+              <a:schemeClr val="tx1"/>
+            </a:fontRef>
+          </p:style>
+        </p:cxnSp>
+      </p:grpSp>
+      <p:sp>
+        <p:nvSpPr>
+          <p:cNvPr id="38" name="ZoneTexte 37"/>
+          <p:cNvSpPr txBox="1"/>
+          <p:nvPr/>
+        </p:nvSpPr>
+        <p:spPr>
+          <a:xfrm>
+            <a:off x="8033788" y="2878980"/>
+            <a:ext cx="1236237" cy="523220"/>
+          </a:xfrm>
+          <a:prstGeom prst="rect">
+            <a:avLst/>
+          </a:prstGeom>
+          <a:noFill/>
+        </p:spPr>
+        <p:txBody>
+          <a:bodyPr wrap="square" rtlCol="0">
+            <a:spAutoFit/>
+          </a:bodyPr>
+          <a:lstStyle/>
+          <a:p>
+            <a:r>
+              <a:rPr lang="fr-FR" dirty="0" smtClean="0"/>
+              <a:t>Bain </a:t>
+            </a:r>
+            <a:r>
+              <a:rPr lang="fr-FR" dirty="0" err="1" smtClean="0"/>
+              <a:t>thermostaté</a:t>
+            </a:r>
+            <a:endParaRPr lang="fr-FR" dirty="0"/>
+          </a:p>
+        </p:txBody>
+      </p:sp>
+      <p:sp>
+        <p:nvSpPr>
+          <p:cNvPr id="34" name="ZoneTexte 33"/>
+          <p:cNvSpPr txBox="1"/>
+          <p:nvPr/>
+        </p:nvSpPr>
+        <p:spPr>
+          <a:xfrm>
+            <a:off x="4699000" y="874340"/>
+            <a:ext cx="2616200" cy="1528624"/>
+          </a:xfrm>
+          <a:prstGeom prst="rect">
+            <a:avLst/>
+          </a:prstGeom>
+          <a:noFill/>
+          <a:ln>
+            <a:solidFill>
+              <a:schemeClr val="accent2"/>
+            </a:solidFill>
+          </a:ln>
+        </p:spPr>
+        <p:txBody>
+          <a:bodyPr wrap="square" rtlCol="0">
+            <a:spAutoFit/>
+          </a:bodyPr>
+          <a:lstStyle/>
+          <a:p>
+            <a:r>
+              <a:rPr lang="fr-FR" dirty="0" smtClean="0"/>
+              <a:t>Préparation du mélange réactionnel initial:</a:t>
+            </a:r>
+          </a:p>
+          <a:p>
+            <a:pPr marL="285750" indent="-285750">
+              <a:buFont typeface="Arial"/>
+              <a:buChar char="•"/>
+            </a:pPr>
+            <a:r>
+              <a:rPr lang="fr-FR" dirty="0" smtClean="0">
+                <a:solidFill>
+                  <a:schemeClr val="tx1"/>
+                </a:solidFill>
+              </a:rPr>
+              <a:t>Eau distillée (tube à essai à mi hauteur) 10mL </a:t>
+            </a:r>
+          </a:p>
+          <a:p>
+            <a:pPr marL="285750" indent="-285750">
+              <a:buFont typeface="Arial"/>
+              <a:buChar char="•"/>
+            </a:pPr>
+            <a:r>
+              <a:rPr lang="fr-FR" dirty="0" smtClean="0"/>
+              <a:t>1mL de KI à 0,1 mol/L</a:t>
+            </a:r>
+          </a:p>
+          <a:p>
+            <a:pPr marL="285750" indent="-285750">
+              <a:buFont typeface="Arial"/>
+              <a:buChar char="•"/>
+            </a:pPr>
+            <a:r>
+              <a:rPr lang="fr-FR" dirty="0" smtClean="0"/>
+              <a:t>1mL de K</a:t>
             </a:r>
             <a:r>
               <a:rPr lang="fr-FR" baseline="-25000" dirty="0" smtClean="0"/>
@@ -7958,7 +9322,7 @@
 </p:sld>
 </file>
 
-<file path=ppt/slides/slide11.xml><?xml version="1.0" encoding="utf-8"?>
+<file path=ppt/slides/slide13.xml><?xml version="1.0" encoding="utf-8"?>
 <p:sld xmlns:a="http://schemas.openxmlformats.org/drawingml/2006/main" xmlns:r="http://schemas.openxmlformats.org/officeDocument/2006/relationships" xmlns:p="http://schemas.openxmlformats.org/presentationml/2006/main">
   <p:cSld>
     <p:spTree>
@@ -8263,7 +9627,7 @@
             </a:pPr>
             <a:fld id="{00000000-1234-1234-1234-123412341234}" type="slidenum">
               <a:rPr lang="fr" smtClean="0"/>
-              <a:t>11</a:t>
+              <a:t>13</a:t>
             </a:fld>
             <a:endParaRPr lang="fr"/>
           </a:p>
@@ -8515,11 +9879,7 @@
             </a:r>
             <a:r>
               <a:rPr lang="fr-FR" dirty="0" smtClean="0"/>
-              <a:t> </a:t>
-            </a:r>
-            <a:r>
-              <a:rPr lang="fr-FR" dirty="0" smtClean="0"/>
-              <a:t>à </a:t>
+              <a:t> à </a:t>
             </a:r>
             <a:r>
               <a:rPr lang="fr-FR" dirty="0" smtClean="0">
@@ -8633,7 +9993,7 @@
 </p:sld>
 </file>
 
-<file path=ppt/slides/slide12.xml><?xml version="1.0" encoding="utf-8"?>
+<file path=ppt/slides/slide14.xml><?xml version="1.0" encoding="utf-8"?>
 <p:sld xmlns:a="http://schemas.openxmlformats.org/drawingml/2006/main" xmlns:r="http://schemas.openxmlformats.org/officeDocument/2006/relationships" xmlns:p="http://schemas.openxmlformats.org/presentationml/2006/main">
   <p:cSld>
     <p:spTree>
@@ -8938,7 +10298,7 @@
             </a:pPr>
             <a:fld id="{00000000-1234-1234-1234-123412341234}" type="slidenum">
               <a:rPr lang="fr" smtClean="0"/>
-              <a:t>12</a:t>
+              <a:t>14</a:t>
             </a:fld>
             <a:endParaRPr lang="fr"/>
           </a:p>
@@ -9454,11 +10814,7 @@
             </a:r>
             <a:r>
               <a:rPr lang="fr-FR" dirty="0" smtClean="0"/>
-              <a:t> </a:t>
-            </a:r>
-            <a:r>
-              <a:rPr lang="fr-FR" dirty="0" smtClean="0"/>
-              <a:t>à </a:t>
+              <a:t> à </a:t>
             </a:r>
             <a:r>
               <a:rPr lang="fr-FR" dirty="0" smtClean="0">
@@ -9623,7 +10979,7 @@
 </p:sld>
 </file>
 
-<file path=ppt/slides/slide13.xml><?xml version="1.0" encoding="utf-8"?>
+<file path=ppt/slides/slide15.xml><?xml version="1.0" encoding="utf-8"?>
 <p:sld xmlns:a="http://schemas.openxmlformats.org/drawingml/2006/main" xmlns:r="http://schemas.openxmlformats.org/officeDocument/2006/relationships" xmlns:p="http://schemas.openxmlformats.org/presentationml/2006/main">
   <p:cSld>
     <p:spTree>
@@ -9645,7 +11001,7 @@
           <p:cNvPr id="2" name="Espace réservé du numéro de diapositive 1">
             <a:extLst>
               <a:ext uri="{FF2B5EF4-FFF2-40B4-BE49-F238E27FC236}">
-                <a16:creationId xmlns:a16="http://schemas.microsoft.com/office/drawing/2014/main" xmlns="" id="{9AF0B983-9AE3-47FA-949E-54D187B28910}"/>
+                <a16:creationId xmlns="" xmlns:a16="http://schemas.microsoft.com/office/drawing/2014/main" id="{9AF0B983-9AE3-47FA-949E-54D187B28910}"/>
               </a:ext>
             </a:extLst>
           </p:cNvPr>
@@ -9664,7 +11020,7 @@
             <a:fld id="{4FAB73BC-B049-4115-A692-8D63A059BFB8}" type="slidenum">
               <a:rPr lang="en-US" smtClean="0"/>
               <a:pPr/>
-              <a:t>13</a:t>
+              <a:t>15</a:t>
             </a:fld>
             <a:endParaRPr lang="en-US" dirty="0"/>
           </a:p>
@@ -9675,7 +11031,7 @@
           <p:cNvPr id="3" name="Titre 2">
             <a:extLst>
               <a:ext uri="{FF2B5EF4-FFF2-40B4-BE49-F238E27FC236}">
-                <a16:creationId xmlns:a16="http://schemas.microsoft.com/office/drawing/2014/main" xmlns="" id="{29A45A22-E167-48E3-9F7D-AF85BDAEF368}"/>
+                <a16:creationId xmlns="" xmlns:a16="http://schemas.microsoft.com/office/drawing/2014/main" id="{29A45A22-E167-48E3-9F7D-AF85BDAEF368}"/>
               </a:ext>
             </a:extLst>
           </p:cNvPr>
@@ -9724,7 +11080,7 @@
           <p:cNvPr id="17" name="Groupe 16">
             <a:extLst>
               <a:ext uri="{FF2B5EF4-FFF2-40B4-BE49-F238E27FC236}">
-                <a16:creationId xmlns:a16="http://schemas.microsoft.com/office/drawing/2014/main" xmlns="" id="{7A7249D4-4C71-4C39-98EC-36A1B55F3787}"/>
+                <a16:creationId xmlns="" xmlns:a16="http://schemas.microsoft.com/office/drawing/2014/main" id="{7A7249D4-4C71-4C39-98EC-36A1B55F3787}"/>
               </a:ext>
             </a:extLst>
           </p:cNvPr>
@@ -9744,7 +11100,7 @@
             <p:cNvPr id="5" name="Image 4">
               <a:extLst>
                 <a:ext uri="{FF2B5EF4-FFF2-40B4-BE49-F238E27FC236}">
-                  <a16:creationId xmlns:a16="http://schemas.microsoft.com/office/drawing/2014/main" xmlns="" id="{5649301B-EAD4-4B1F-8751-2477136C458A}"/>
+                  <a16:creationId xmlns="" xmlns:a16="http://schemas.microsoft.com/office/drawing/2014/main" id="{5649301B-EAD4-4B1F-8751-2477136C458A}"/>
                 </a:ext>
               </a:extLst>
             </p:cNvPr>
@@ -9780,7 +11136,7 @@
             <p:cNvPr id="7" name="Connecteur droit avec flèche 6">
               <a:extLst>
                 <a:ext uri="{FF2B5EF4-FFF2-40B4-BE49-F238E27FC236}">
-                  <a16:creationId xmlns:a16="http://schemas.microsoft.com/office/drawing/2014/main" xmlns="" id="{4A6435DD-FEDB-4C9E-A19F-82F7A233501E}"/>
+                  <a16:creationId xmlns="" xmlns:a16="http://schemas.microsoft.com/office/drawing/2014/main" id="{4A6435DD-FEDB-4C9E-A19F-82F7A233501E}"/>
                 </a:ext>
               </a:extLst>
             </p:cNvPr>
@@ -9824,7 +11180,7 @@
             <p:cNvPr id="14" name="ZoneTexte 13">
               <a:extLst>
                 <a:ext uri="{FF2B5EF4-FFF2-40B4-BE49-F238E27FC236}">
-                  <a16:creationId xmlns:a16="http://schemas.microsoft.com/office/drawing/2014/main" xmlns="" id="{54C45364-9984-472B-8F33-D5A41EE9808E}"/>
+                  <a16:creationId xmlns="" xmlns:a16="http://schemas.microsoft.com/office/drawing/2014/main" id="{54C45364-9984-472B-8F33-D5A41EE9808E}"/>
                 </a:ext>
               </a:extLst>
             </p:cNvPr>
@@ -9881,7 +11237,7 @@
           <p:cNvPr id="25" name="Groupe 24">
             <a:extLst>
               <a:ext uri="{FF2B5EF4-FFF2-40B4-BE49-F238E27FC236}">
-                <a16:creationId xmlns:a16="http://schemas.microsoft.com/office/drawing/2014/main" xmlns="" id="{30527AB2-E30B-4818-ABBC-0E6F4E9BA444}"/>
+                <a16:creationId xmlns="" xmlns:a16="http://schemas.microsoft.com/office/drawing/2014/main" id="{30527AB2-E30B-4818-ABBC-0E6F4E9BA444}"/>
               </a:ext>
             </a:extLst>
           </p:cNvPr>
@@ -9901,7 +11257,7 @@
             <p:cNvPr id="15" name="Rectangle 14">
               <a:extLst>
                 <a:ext uri="{FF2B5EF4-FFF2-40B4-BE49-F238E27FC236}">
-                  <a16:creationId xmlns:a16="http://schemas.microsoft.com/office/drawing/2014/main" xmlns="" id="{E6654DA0-EB08-4844-909B-3A2202B3D38A}"/>
+                  <a16:creationId xmlns="" xmlns:a16="http://schemas.microsoft.com/office/drawing/2014/main" id="{E6654DA0-EB08-4844-909B-3A2202B3D38A}"/>
                 </a:ext>
               </a:extLst>
             </p:cNvPr>
@@ -9958,7 +11314,7 @@
             <p:cNvPr id="22" name="Groupe 21">
               <a:extLst>
                 <a:ext uri="{FF2B5EF4-FFF2-40B4-BE49-F238E27FC236}">
-                  <a16:creationId xmlns:a16="http://schemas.microsoft.com/office/drawing/2014/main" xmlns="" id="{6778E23A-9AC6-4309-A674-EA173EAAD4EE}"/>
+                  <a16:creationId xmlns="" xmlns:a16="http://schemas.microsoft.com/office/drawing/2014/main" id="{6778E23A-9AC6-4309-A674-EA173EAAD4EE}"/>
                 </a:ext>
               </a:extLst>
             </p:cNvPr>
@@ -9978,7 +11334,7 @@
               <p:cNvPr id="19" name="Connecteur droit avec flèche 18">
                 <a:extLst>
                   <a:ext uri="{FF2B5EF4-FFF2-40B4-BE49-F238E27FC236}">
-                    <a16:creationId xmlns:a16="http://schemas.microsoft.com/office/drawing/2014/main" xmlns="" id="{C8958E92-FBF0-428F-BA35-CC96DA09F3A9}"/>
+                    <a16:creationId xmlns="" xmlns:a16="http://schemas.microsoft.com/office/drawing/2014/main" id="{C8958E92-FBF0-428F-BA35-CC96DA09F3A9}"/>
                   </a:ext>
                 </a:extLst>
               </p:cNvPr>
@@ -10017,7 +11373,7 @@
               <p:cNvPr id="20" name="ZoneTexte 19">
                 <a:extLst>
                   <a:ext uri="{FF2B5EF4-FFF2-40B4-BE49-F238E27FC236}">
-                    <a16:creationId xmlns:a16="http://schemas.microsoft.com/office/drawing/2014/main" xmlns="" id="{8FE8378B-23AB-4C20-9C5F-11D94E75DF70}"/>
+                    <a16:creationId xmlns="" xmlns:a16="http://schemas.microsoft.com/office/drawing/2014/main" id="{8FE8378B-23AB-4C20-9C5F-11D94E75DF70}"/>
                   </a:ext>
                 </a:extLst>
               </p:cNvPr>
@@ -10052,7 +11408,7 @@
               <p:cNvPr id="21" name="ZoneTexte 20">
                 <a:extLst>
                   <a:ext uri="{FF2B5EF4-FFF2-40B4-BE49-F238E27FC236}">
-                    <a16:creationId xmlns:a16="http://schemas.microsoft.com/office/drawing/2014/main" xmlns="" id="{09E54A64-13FB-4BD5-891A-44F4B557FDB2}"/>
+                    <a16:creationId xmlns="" xmlns:a16="http://schemas.microsoft.com/office/drawing/2014/main" id="{09E54A64-13FB-4BD5-891A-44F4B557FDB2}"/>
                   </a:ext>
                 </a:extLst>
               </p:cNvPr>
@@ -10088,7 +11444,7 @@
             <p:cNvPr id="24" name="ZoneTexte 23">
               <a:extLst>
                 <a:ext uri="{FF2B5EF4-FFF2-40B4-BE49-F238E27FC236}">
-                  <a16:creationId xmlns:a16="http://schemas.microsoft.com/office/drawing/2014/main" xmlns="" id="{A8484E7B-B86E-4A2E-96DB-7013C7E4867F}"/>
+                  <a16:creationId xmlns="" xmlns:a16="http://schemas.microsoft.com/office/drawing/2014/main" id="{A8484E7B-B86E-4A2E-96DB-7013C7E4867F}"/>
                 </a:ext>
               </a:extLst>
             </p:cNvPr>
@@ -10176,7 +11532,7 @@
           <p:cNvPr id="33" name="Groupe 32">
             <a:extLst>
               <a:ext uri="{FF2B5EF4-FFF2-40B4-BE49-F238E27FC236}">
-                <a16:creationId xmlns:a16="http://schemas.microsoft.com/office/drawing/2014/main" xmlns="" id="{538AB6E8-B598-4865-A344-27254426D4D2}"/>
+                <a16:creationId xmlns="" xmlns:a16="http://schemas.microsoft.com/office/drawing/2014/main" id="{538AB6E8-B598-4865-A344-27254426D4D2}"/>
               </a:ext>
             </a:extLst>
           </p:cNvPr>
@@ -10196,7 +11552,7 @@
             <p:cNvPr id="26" name="ZoneTexte 25">
               <a:extLst>
                 <a:ext uri="{FF2B5EF4-FFF2-40B4-BE49-F238E27FC236}">
-                  <a16:creationId xmlns:a16="http://schemas.microsoft.com/office/drawing/2014/main" xmlns="" id="{E8E6AEE0-AEED-43F6-9C32-F89E74FC0713}"/>
+                  <a16:creationId xmlns="" xmlns:a16="http://schemas.microsoft.com/office/drawing/2014/main" id="{E8E6AEE0-AEED-43F6-9C32-F89E74FC0713}"/>
                 </a:ext>
               </a:extLst>
             </p:cNvPr>
@@ -10269,7 +11625,7 @@
             <p:cNvPr id="27" name="ZoneTexte 26">
               <a:extLst>
                 <a:ext uri="{FF2B5EF4-FFF2-40B4-BE49-F238E27FC236}">
-                  <a16:creationId xmlns:a16="http://schemas.microsoft.com/office/drawing/2014/main" xmlns="" id="{FF8A5BBB-4E3C-4520-B45F-62317F42F1A2}"/>
+                  <a16:creationId xmlns="" xmlns:a16="http://schemas.microsoft.com/office/drawing/2014/main" id="{FF8A5BBB-4E3C-4520-B45F-62317F42F1A2}"/>
                 </a:ext>
               </a:extLst>
             </p:cNvPr>
@@ -10334,7 +11690,7 @@
             <p:cNvPr id="29" name="Connecteur droit avec flèche 28">
               <a:extLst>
                 <a:ext uri="{FF2B5EF4-FFF2-40B4-BE49-F238E27FC236}">
-                  <a16:creationId xmlns:a16="http://schemas.microsoft.com/office/drawing/2014/main" xmlns="" id="{3EFF96BE-F335-434C-B131-25F853ECB454}"/>
+                  <a16:creationId xmlns="" xmlns:a16="http://schemas.microsoft.com/office/drawing/2014/main" id="{3EFF96BE-F335-434C-B131-25F853ECB454}"/>
                 </a:ext>
               </a:extLst>
             </p:cNvPr>
@@ -10376,7 +11732,7 @@
             <p:cNvPr id="30" name="ZoneTexte 29">
               <a:extLst>
                 <a:ext uri="{FF2B5EF4-FFF2-40B4-BE49-F238E27FC236}">
-                  <a16:creationId xmlns:a16="http://schemas.microsoft.com/office/drawing/2014/main" xmlns="" id="{3506334C-0EBD-4FB6-9C07-45FAC1C028F6}"/>
+                  <a16:creationId xmlns="" xmlns:a16="http://schemas.microsoft.com/office/drawing/2014/main" id="{3506334C-0EBD-4FB6-9C07-45FAC1C028F6}"/>
                 </a:ext>
               </a:extLst>
             </p:cNvPr>
@@ -10411,7 +11767,7 @@
             <p:cNvPr id="32" name="ZoneTexte 31">
               <a:extLst>
                 <a:ext uri="{FF2B5EF4-FFF2-40B4-BE49-F238E27FC236}">
-                  <a16:creationId xmlns:a16="http://schemas.microsoft.com/office/drawing/2014/main" xmlns="" id="{80A028E2-BDCD-430E-B8E0-4FC56E79FD94}"/>
+                  <a16:creationId xmlns="" xmlns:a16="http://schemas.microsoft.com/office/drawing/2014/main" id="{80A028E2-BDCD-430E-B8E0-4FC56E79FD94}"/>
                 </a:ext>
               </a:extLst>
             </p:cNvPr>
@@ -10468,7 +11824,7 @@
 </p:sld>
 </file>
 
-<file path=ppt/slides/slide14.xml><?xml version="1.0" encoding="utf-8"?>
+<file path=ppt/slides/slide16.xml><?xml version="1.0" encoding="utf-8"?>
 <p:sld xmlns:a="http://schemas.openxmlformats.org/drawingml/2006/main" xmlns:r="http://schemas.openxmlformats.org/officeDocument/2006/relationships" xmlns:p="http://schemas.openxmlformats.org/presentationml/2006/main">
   <p:cSld>
     <p:spTree>
@@ -10490,7 +11846,7 @@
           <p:cNvPr id="2" name="Espace réservé du numéro de diapositive 1">
             <a:extLst>
               <a:ext uri="{FF2B5EF4-FFF2-40B4-BE49-F238E27FC236}">
-                <a16:creationId xmlns:a16="http://schemas.microsoft.com/office/drawing/2014/main" xmlns="" id="{10B406AA-0058-4DB3-9A3B-6F84125528D6}"/>
+                <a16:creationId xmlns="" xmlns:a16="http://schemas.microsoft.com/office/drawing/2014/main" id="{10B406AA-0058-4DB3-9A3B-6F84125528D6}"/>
               </a:ext>
             </a:extLst>
           </p:cNvPr>
@@ -10509,7 +11865,7 @@
             <a:fld id="{4FAB73BC-B049-4115-A692-8D63A059BFB8}" type="slidenum">
               <a:rPr lang="en-US" smtClean="0"/>
               <a:pPr/>
-              <a:t>14</a:t>
+              <a:t>16</a:t>
             </a:fld>
             <a:endParaRPr lang="en-US" dirty="0"/>
           </a:p>
@@ -10520,7 +11876,7 @@
           <p:cNvPr id="3" name="Titre 2">
             <a:extLst>
               <a:ext uri="{FF2B5EF4-FFF2-40B4-BE49-F238E27FC236}">
-                <a16:creationId xmlns:a16="http://schemas.microsoft.com/office/drawing/2014/main" xmlns="" id="{DEC6F515-7D8B-4B8F-A9C4-D7E5CE4476AA}"/>
+                <a16:creationId xmlns="" xmlns:a16="http://schemas.microsoft.com/office/drawing/2014/main" id="{DEC6F515-7D8B-4B8F-A9C4-D7E5CE4476AA}"/>
               </a:ext>
             </a:extLst>
           </p:cNvPr>
@@ -10557,7 +11913,7 @@
           <p:cNvPr id="6" name="Tableau 6">
             <a:extLst>
               <a:ext uri="{FF2B5EF4-FFF2-40B4-BE49-F238E27FC236}">
-                <a16:creationId xmlns:a16="http://schemas.microsoft.com/office/drawing/2014/main" xmlns="" id="{3E9EE3C1-84E3-4946-89F7-2572D3E28BB7}"/>
+                <a16:creationId xmlns="" xmlns:a16="http://schemas.microsoft.com/office/drawing/2014/main" id="{3E9EE3C1-84E3-4946-89F7-2572D3E28BB7}"/>
               </a:ext>
             </a:extLst>
           </p:cNvPr>
@@ -10586,28 +11942,28 @@
                 <a:gridCol w="1821187">
                   <a:extLst>
                     <a:ext uri="{9D8B030D-6E8A-4147-A177-3AD203B41FA5}">
-                      <a16:colId xmlns:a16="http://schemas.microsoft.com/office/drawing/2014/main" xmlns="" val="1803051905"/>
+                      <a16:colId xmlns="" xmlns:a16="http://schemas.microsoft.com/office/drawing/2014/main" val="1803051905"/>
                     </a:ext>
                   </a:extLst>
                 </a:gridCol>
                 <a:gridCol w="2196620">
                   <a:extLst>
                     <a:ext uri="{9D8B030D-6E8A-4147-A177-3AD203B41FA5}">
-                      <a16:colId xmlns:a16="http://schemas.microsoft.com/office/drawing/2014/main" xmlns="" val="582494249"/>
+                      <a16:colId xmlns="" xmlns:a16="http://schemas.microsoft.com/office/drawing/2014/main" val="582494249"/>
                     </a:ext>
                   </a:extLst>
                 </a:gridCol>
                 <a:gridCol w="2248977">
                   <a:extLst>
                     <a:ext uri="{9D8B030D-6E8A-4147-A177-3AD203B41FA5}">
-                      <a16:colId xmlns:a16="http://schemas.microsoft.com/office/drawing/2014/main" xmlns="" val="3939711469"/>
+                      <a16:colId xmlns="" xmlns:a16="http://schemas.microsoft.com/office/drawing/2014/main" val="3939711469"/>
                     </a:ext>
                   </a:extLst>
                 </a:gridCol>
                 <a:gridCol w="2469575">
                   <a:extLst>
                     <a:ext uri="{9D8B030D-6E8A-4147-A177-3AD203B41FA5}">
-                      <a16:colId xmlns:a16="http://schemas.microsoft.com/office/drawing/2014/main" xmlns="" val="510503104"/>
+                      <a16:colId xmlns="" xmlns:a16="http://schemas.microsoft.com/office/drawing/2014/main" val="510503104"/>
                     </a:ext>
                   </a:extLst>
                 </a:gridCol>
@@ -10694,7 +12050,7 @@
                 </a:tc>
                 <a:extLst>
                   <a:ext uri="{0D108BD9-81ED-4DB2-BD59-A6C34878D82A}">
-                    <a16:rowId xmlns:a16="http://schemas.microsoft.com/office/drawing/2014/main" xmlns="" val="1604572065"/>
+                    <a16:rowId xmlns="" xmlns:a16="http://schemas.microsoft.com/office/drawing/2014/main" val="1604572065"/>
                   </a:ext>
                 </a:extLst>
               </a:tr>
@@ -10815,7 +12171,7 @@
                 </a:tc>
                 <a:extLst>
                   <a:ext uri="{0D108BD9-81ED-4DB2-BD59-A6C34878D82A}">
-                    <a16:rowId xmlns:a16="http://schemas.microsoft.com/office/drawing/2014/main" xmlns="" val="2346205326"/>
+                    <a16:rowId xmlns="" xmlns:a16="http://schemas.microsoft.com/office/drawing/2014/main" val="2346205326"/>
                   </a:ext>
                 </a:extLst>
               </a:tr>
@@ -10930,7 +12286,7 @@
                 </a:tc>
                 <a:extLst>
                   <a:ext uri="{0D108BD9-81ED-4DB2-BD59-A6C34878D82A}">
-                    <a16:rowId xmlns:a16="http://schemas.microsoft.com/office/drawing/2014/main" xmlns="" val="3792942134"/>
+                    <a16:rowId xmlns="" xmlns:a16="http://schemas.microsoft.com/office/drawing/2014/main" val="3792942134"/>
                   </a:ext>
                 </a:extLst>
               </a:tr>
@@ -13304,11 +14660,7 @@
             </a:r>
             <a:r>
               <a:rPr lang="fr-FR" sz="1200" dirty="0" smtClean="0"/>
-              <a:t> de KI à 1mol</a:t>
-            </a:r>
-            <a:r>
-              <a:rPr lang="fr-FR" sz="1200" dirty="0" smtClean="0"/>
-              <a:t>/</a:t>
+              <a:t> de KI à 1mol/</a:t>
             </a:r>
             <a:r>
               <a:rPr lang="fr-FR" sz="1200" dirty="0"/>
@@ -13322,11 +14674,7 @@
           <a:p>
             <a:r>
               <a:rPr lang="fr-FR" sz="1200" dirty="0" smtClean="0"/>
-              <a:t>+ 10</a:t>
-            </a:r>
-            <a:r>
-              <a:rPr lang="fr-FR" sz="1200" dirty="0" smtClean="0"/>
-              <a:t> </a:t>
+              <a:t>+ 10 </a:t>
             </a:r>
             <a:r>
               <a:rPr lang="fr-FR" sz="1200" dirty="0" err="1" smtClean="0"/>
@@ -13375,7 +14723,7 @@
           <p:cNvPr id="36" name="Arc 35">
             <a:extLst>
               <a:ext uri="{FF2B5EF4-FFF2-40B4-BE49-F238E27FC236}">
-                <a16:creationId xmlns:a16="http://schemas.microsoft.com/office/drawing/2014/main" xmlns="" id="{4A521114-9965-4B58-AE4D-7DB73232A2A7}"/>
+                <a16:creationId xmlns="" xmlns:a16="http://schemas.microsoft.com/office/drawing/2014/main" id="{4A521114-9965-4B58-AE4D-7DB73232A2A7}"/>
               </a:ext>
             </a:extLst>
           </p:cNvPr>
@@ -13450,15 +14798,7 @@
           <a:p>
             <a:r>
               <a:rPr lang="fr-FR" sz="1200" dirty="0" smtClean="0"/>
-              <a:t>   10mL </a:t>
-            </a:r>
-            <a:r>
-              <a:rPr lang="fr-FR" sz="1200" dirty="0" smtClean="0"/>
-              <a:t>de </a:t>
-            </a:r>
-            <a:r>
-              <a:rPr lang="fr-FR" sz="1200" dirty="0" smtClean="0"/>
-              <a:t>AgNO</a:t>
+              <a:t>   10mL de AgNO</a:t>
             </a:r>
             <a:r>
               <a:rPr lang="fr-FR" sz="1200" baseline="-25000" dirty="0" smtClean="0"/>
@@ -13466,11 +14806,7 @@
             </a:r>
             <a:r>
               <a:rPr lang="fr-FR" sz="1200" dirty="0" smtClean="0"/>
-              <a:t> </a:t>
-            </a:r>
-            <a:r>
-              <a:rPr lang="fr-FR" sz="1200" dirty="0" smtClean="0"/>
-              <a:t>à </a:t>
+              <a:t> à </a:t>
             </a:r>
             <a:r>
               <a:rPr lang="fr-FR" sz="1200" i="1" dirty="0" smtClean="0"/>
@@ -13492,11 +14828,7 @@
           <a:p>
             <a:r>
               <a:rPr lang="fr-FR" sz="1200" dirty="0" smtClean="0"/>
-              <a:t>+ 10</a:t>
-            </a:r>
-            <a:r>
-              <a:rPr lang="fr-FR" sz="1200" dirty="0" smtClean="0"/>
-              <a:t> </a:t>
+              <a:t>+ 10 </a:t>
             </a:r>
             <a:r>
               <a:rPr lang="fr-FR" sz="1200" dirty="0" err="1" smtClean="0"/>
@@ -13504,15 +14836,7 @@
             </a:r>
             <a:r>
               <a:rPr lang="fr-FR" sz="1200" dirty="0" smtClean="0"/>
-              <a:t> de </a:t>
-            </a:r>
-            <a:r>
-              <a:rPr lang="fr-FR" sz="1200" dirty="0" smtClean="0"/>
-              <a:t>KI </a:t>
-            </a:r>
-            <a:r>
-              <a:rPr lang="fr-FR" sz="1200" dirty="0" smtClean="0"/>
-              <a:t>à 10</a:t>
+              <a:t> de KI à 10</a:t>
             </a:r>
             <a:r>
               <a:rPr lang="fr-FR" sz="1200" baseline="30000" dirty="0" smtClean="0"/>
@@ -13520,11 +14844,7 @@
             </a:r>
             <a:r>
               <a:rPr lang="fr-FR" sz="1200" dirty="0" smtClean="0"/>
-              <a:t> </a:t>
-            </a:r>
-            <a:r>
-              <a:rPr lang="fr-FR" sz="1200" dirty="0" smtClean="0"/>
-              <a:t>mol/L</a:t>
+              <a:t> mol/L</a:t>
             </a:r>
           </a:p>
           <a:p>
@@ -13541,7 +14861,7 @@
           <p:cNvPr id="38" name="Arc 37">
             <a:extLst>
               <a:ext uri="{FF2B5EF4-FFF2-40B4-BE49-F238E27FC236}">
-                <a16:creationId xmlns:a16="http://schemas.microsoft.com/office/drawing/2014/main" xmlns="" id="{4A521114-9965-4B58-AE4D-7DB73232A2A7}"/>
+                <a16:creationId xmlns="" xmlns:a16="http://schemas.microsoft.com/office/drawing/2014/main" id="{4A521114-9965-4B58-AE4D-7DB73232A2A7}"/>
               </a:ext>
             </a:extLst>
           </p:cNvPr>
@@ -15342,11 +16662,7 @@
             </a:r>
             <a:r>
               <a:rPr lang="fr-FR" sz="1200" dirty="0" smtClean="0"/>
-              <a:t> de KI à 1mol</a:t>
-            </a:r>
-            <a:r>
-              <a:rPr lang="fr-FR" sz="1200" dirty="0" smtClean="0"/>
-              <a:t>/</a:t>
+              <a:t> de KI à 1mol/</a:t>
             </a:r>
             <a:r>
               <a:rPr lang="fr-FR" sz="1200" dirty="0"/>
@@ -15360,11 +16676,7 @@
           <a:p>
             <a:r>
               <a:rPr lang="fr-FR" sz="1200" dirty="0" smtClean="0"/>
-              <a:t>+ 10</a:t>
-            </a:r>
-            <a:r>
-              <a:rPr lang="fr-FR" sz="1200" dirty="0" smtClean="0"/>
-              <a:t> </a:t>
+              <a:t>+ 10 </a:t>
             </a:r>
             <a:r>
               <a:rPr lang="fr-FR" sz="1200" dirty="0" err="1" smtClean="0"/>
@@ -15413,7 +16725,7 @@
           <p:cNvPr id="36" name="Arc 35">
             <a:extLst>
               <a:ext uri="{FF2B5EF4-FFF2-40B4-BE49-F238E27FC236}">
-                <a16:creationId xmlns:a16="http://schemas.microsoft.com/office/drawing/2014/main" xmlns="" id="{4A521114-9965-4B58-AE4D-7DB73232A2A7}"/>
+                <a16:creationId xmlns="" xmlns:a16="http://schemas.microsoft.com/office/drawing/2014/main" id="{4A521114-9965-4B58-AE4D-7DB73232A2A7}"/>
               </a:ext>
             </a:extLst>
           </p:cNvPr>
@@ -15488,15 +16800,7 @@
           <a:p>
             <a:r>
               <a:rPr lang="fr-FR" sz="1200" dirty="0" smtClean="0"/>
-              <a:t>   10mL </a:t>
-            </a:r>
-            <a:r>
-              <a:rPr lang="fr-FR" sz="1200" dirty="0" smtClean="0"/>
-              <a:t>de </a:t>
-            </a:r>
-            <a:r>
-              <a:rPr lang="fr-FR" sz="1200" dirty="0" smtClean="0"/>
-              <a:t>AgNO</a:t>
+              <a:t>   10mL de AgNO</a:t>
             </a:r>
             <a:r>
               <a:rPr lang="fr-FR" sz="1200" baseline="-25000" dirty="0" smtClean="0"/>
@@ -15504,11 +16808,7 @@
             </a:r>
             <a:r>
               <a:rPr lang="fr-FR" sz="1200" dirty="0" smtClean="0"/>
-              <a:t> </a:t>
-            </a:r>
-            <a:r>
-              <a:rPr lang="fr-FR" sz="1200" dirty="0" smtClean="0"/>
-              <a:t>à </a:t>
+              <a:t> à </a:t>
             </a:r>
             <a:r>
               <a:rPr lang="fr-FR" sz="1200" i="1" dirty="0" smtClean="0"/>
@@ -15530,11 +16830,7 @@
           <a:p>
             <a:r>
               <a:rPr lang="fr-FR" sz="1200" dirty="0" smtClean="0"/>
-              <a:t>+ 10</a:t>
-            </a:r>
-            <a:r>
-              <a:rPr lang="fr-FR" sz="1200" dirty="0" smtClean="0"/>
-              <a:t> </a:t>
+              <a:t>+ 10 </a:t>
             </a:r>
             <a:r>
               <a:rPr lang="fr-FR" sz="1200" dirty="0" err="1" smtClean="0"/>
@@ -15542,15 +16838,7 @@
             </a:r>
             <a:r>
               <a:rPr lang="fr-FR" sz="1200" dirty="0" smtClean="0"/>
-              <a:t> de </a:t>
-            </a:r>
-            <a:r>
-              <a:rPr lang="fr-FR" sz="1200" dirty="0" smtClean="0"/>
-              <a:t>KI </a:t>
-            </a:r>
-            <a:r>
-              <a:rPr lang="fr-FR" sz="1200" dirty="0" smtClean="0"/>
-              <a:t>à 10</a:t>
+              <a:t> de KI à 10</a:t>
             </a:r>
             <a:r>
               <a:rPr lang="fr-FR" sz="1200" baseline="30000" dirty="0" smtClean="0"/>
@@ -15558,11 +16846,7 @@
             </a:r>
             <a:r>
               <a:rPr lang="fr-FR" sz="1200" dirty="0" smtClean="0"/>
-              <a:t> </a:t>
-            </a:r>
-            <a:r>
-              <a:rPr lang="fr-FR" sz="1200" dirty="0" smtClean="0"/>
-              <a:t>mol/L</a:t>
+              <a:t> mol/L</a:t>
             </a:r>
           </a:p>
           <a:p>
@@ -15579,7 +16863,7 @@
           <p:cNvPr id="38" name="Arc 37">
             <a:extLst>
               <a:ext uri="{FF2B5EF4-FFF2-40B4-BE49-F238E27FC236}">
-                <a16:creationId xmlns:a16="http://schemas.microsoft.com/office/drawing/2014/main" xmlns="" id="{4A521114-9965-4B58-AE4D-7DB73232A2A7}"/>
+                <a16:creationId xmlns="" xmlns:a16="http://schemas.microsoft.com/office/drawing/2014/main" id="{4A521114-9965-4B58-AE4D-7DB73232A2A7}"/>
               </a:ext>
             </a:extLst>
           </p:cNvPr>
@@ -17826,15 +19110,7 @@
           <a:p>
             <a:r>
               <a:rPr lang="fr-FR" dirty="0" smtClean="0"/>
-              <a:t>Dép</a:t>
-            </a:r>
-            <a:r>
-              <a:rPr lang="fr-FR" dirty="0" smtClean="0"/>
-              <a:t>ôt sur la p</a:t>
-            </a:r>
-            <a:r>
-              <a:rPr lang="fr-FR" dirty="0" smtClean="0"/>
-              <a:t>laque</a:t>
+              <a:t>Dépôt sur la plaque</a:t>
             </a:r>
           </a:p>
           <a:p>
@@ -17848,11 +19124,7 @@
             </a:r>
             <a:r>
               <a:rPr lang="fr-FR" dirty="0" smtClean="0"/>
-              <a:t>avant </a:t>
-            </a:r>
-            <a:r>
-              <a:rPr lang="fr-FR" dirty="0" smtClean="0"/>
-              <a:t>élution</a:t>
+              <a:t>avant élution</a:t>
             </a:r>
             <a:endParaRPr lang="fr-FR" dirty="0"/>
           </a:p>
@@ -18086,7 +19358,7 @@
           <p:cNvPr id="55" name="Groupe 17">
             <a:extLst>
               <a:ext uri="{FF2B5EF4-FFF2-40B4-BE49-F238E27FC236}">
-                <a16:creationId xmlns:a16="http://schemas.microsoft.com/office/drawing/2014/main" xmlns="" id="{CF5B527D-5AE2-4D8E-8682-1F5E221F1EDB}"/>
+                <a16:creationId xmlns="" xmlns:a16="http://schemas.microsoft.com/office/drawing/2014/main" id="{CF5B527D-5AE2-4D8E-8682-1F5E221F1EDB}"/>
               </a:ext>
             </a:extLst>
           </p:cNvPr>
@@ -18106,7 +19378,7 @@
             <p:cNvPr id="58" name="Connecteur droit 57">
               <a:extLst>
                 <a:ext uri="{FF2B5EF4-FFF2-40B4-BE49-F238E27FC236}">
-                  <a16:creationId xmlns:a16="http://schemas.microsoft.com/office/drawing/2014/main" xmlns="" id="{98948A1E-BF8A-48C5-AC62-086DEB5AB683}"/>
+                  <a16:creationId xmlns="" xmlns:a16="http://schemas.microsoft.com/office/drawing/2014/main" id="{98948A1E-BF8A-48C5-AC62-086DEB5AB683}"/>
                 </a:ext>
               </a:extLst>
             </p:cNvPr>
@@ -18144,7 +19416,7 @@
             <p:cNvPr id="60" name="Groupe 19">
               <a:extLst>
                 <a:ext uri="{FF2B5EF4-FFF2-40B4-BE49-F238E27FC236}">
-                  <a16:creationId xmlns:a16="http://schemas.microsoft.com/office/drawing/2014/main" xmlns="" id="{18031C64-8C12-4AB8-98C9-8AC555BFC713}"/>
+                  <a16:creationId xmlns="" xmlns:a16="http://schemas.microsoft.com/office/drawing/2014/main" id="{18031C64-8C12-4AB8-98C9-8AC555BFC713}"/>
                 </a:ext>
               </a:extLst>
             </p:cNvPr>
@@ -18164,7 +19436,7 @@
               <p:cNvPr id="62" name="Groupe 20">
                 <a:extLst>
                   <a:ext uri="{FF2B5EF4-FFF2-40B4-BE49-F238E27FC236}">
-                    <a16:creationId xmlns:a16="http://schemas.microsoft.com/office/drawing/2014/main" xmlns="" id="{D1FEAFA1-C9A6-4254-9752-B1D49C031361}"/>
+                    <a16:creationId xmlns="" xmlns:a16="http://schemas.microsoft.com/office/drawing/2014/main" id="{D1FEAFA1-C9A6-4254-9752-B1D49C031361}"/>
                   </a:ext>
                 </a:extLst>
               </p:cNvPr>
@@ -18184,7 +19456,7 @@
                 <p:cNvPr id="73" name="ZoneTexte 72">
                   <a:extLst>
                     <a:ext uri="{FF2B5EF4-FFF2-40B4-BE49-F238E27FC236}">
-                      <a16:creationId xmlns:a16="http://schemas.microsoft.com/office/drawing/2014/main" xmlns="" id="{70422014-72F8-4558-A6D3-AA403DBBB3A4}"/>
+                      <a16:creationId xmlns="" xmlns:a16="http://schemas.microsoft.com/office/drawing/2014/main" id="{70422014-72F8-4558-A6D3-AA403DBBB3A4}"/>
                     </a:ext>
                   </a:extLst>
                 </p:cNvPr>
@@ -18261,11 +19533,7 @@
                   </a:r>
                   <a:r>
                     <a:rPr lang="fr-FR" sz="1600" dirty="0" smtClean="0"/>
-                    <a:t>    </a:t>
-                  </a:r>
-                  <a:r>
-                    <a:rPr lang="fr-FR" sz="1600" dirty="0" smtClean="0"/>
-                    <a:t>d’éthyle </a:t>
+                    <a:t>    d’éthyle </a:t>
                   </a:r>
                   <a:r>
                     <a:rPr lang="fr-FR" sz="1600" dirty="0"/>
@@ -18284,7 +19552,7 @@
                 <p:cNvPr id="74" name="Connecteur droit avec flèche 73">
                   <a:extLst>
                     <a:ext uri="{FF2B5EF4-FFF2-40B4-BE49-F238E27FC236}">
-                      <a16:creationId xmlns:a16="http://schemas.microsoft.com/office/drawing/2014/main" xmlns="" id="{47ADF50E-AFBC-4429-9A50-7512DE6A9C62}"/>
+                      <a16:creationId xmlns="" xmlns:a16="http://schemas.microsoft.com/office/drawing/2014/main" id="{47ADF50E-AFBC-4429-9A50-7512DE6A9C62}"/>
                     </a:ext>
                   </a:extLst>
                 </p:cNvPr>
@@ -18326,7 +19594,7 @@
               <p:cNvPr id="64" name="Groupe 21">
                 <a:extLst>
                   <a:ext uri="{FF2B5EF4-FFF2-40B4-BE49-F238E27FC236}">
-                    <a16:creationId xmlns:a16="http://schemas.microsoft.com/office/drawing/2014/main" xmlns="" id="{64F5239F-D662-4765-A74D-0F83FEEEE03F}"/>
+                    <a16:creationId xmlns="" xmlns:a16="http://schemas.microsoft.com/office/drawing/2014/main" id="{64F5239F-D662-4765-A74D-0F83FEEEE03F}"/>
                   </a:ext>
                 </a:extLst>
               </p:cNvPr>
@@ -18346,7 +19614,7 @@
                 <p:cNvPr id="65" name="Arrondir un rectangle avec un coin du même côté 734">
                   <a:extLst>
                     <a:ext uri="{FF2B5EF4-FFF2-40B4-BE49-F238E27FC236}">
-                      <a16:creationId xmlns:a16="http://schemas.microsoft.com/office/drawing/2014/main" xmlns="" id="{4A75EB70-F5C6-45C4-B962-BB13936E8907}"/>
+                      <a16:creationId xmlns="" xmlns:a16="http://schemas.microsoft.com/office/drawing/2014/main" id="{4A75EB70-F5C6-45C4-B962-BB13936E8907}"/>
                     </a:ext>
                   </a:extLst>
                 </p:cNvPr>
@@ -18505,7 +19773,7 @@
                 <p:cNvPr id="68" name="Groupe 23">
                   <a:extLst>
                     <a:ext uri="{FF2B5EF4-FFF2-40B4-BE49-F238E27FC236}">
-                      <a16:creationId xmlns:a16="http://schemas.microsoft.com/office/drawing/2014/main" xmlns="" id="{27B4B310-13BC-49E1-8793-BB4A1A0E7708}"/>
+                      <a16:creationId xmlns="" xmlns:a16="http://schemas.microsoft.com/office/drawing/2014/main" id="{27B4B310-13BC-49E1-8793-BB4A1A0E7708}"/>
                     </a:ext>
                   </a:extLst>
                 </p:cNvPr>
@@ -18525,7 +19793,7 @@
                   <p:cNvPr id="71" name="ZoneTexte 70">
                     <a:extLst>
                       <a:ext uri="{FF2B5EF4-FFF2-40B4-BE49-F238E27FC236}">
-                        <a16:creationId xmlns:a16="http://schemas.microsoft.com/office/drawing/2014/main" xmlns="" id="{25B12ED7-9421-4643-9AC3-2F7A7E42BCB5}"/>
+                        <a16:creationId xmlns="" xmlns:a16="http://schemas.microsoft.com/office/drawing/2014/main" id="{25B12ED7-9421-4643-9AC3-2F7A7E42BCB5}"/>
                       </a:ext>
                     </a:extLst>
                   </p:cNvPr>
@@ -18574,7 +19842,7 @@
                   <p:cNvPr id="72" name="Connecteur droit avec flèche 71">
                     <a:extLst>
                       <a:ext uri="{FF2B5EF4-FFF2-40B4-BE49-F238E27FC236}">
-                        <a16:creationId xmlns:a16="http://schemas.microsoft.com/office/drawing/2014/main" xmlns="" id="{4EC9263E-1573-41C0-9889-CE348B2F7886}"/>
+                        <a16:creationId xmlns="" xmlns:a16="http://schemas.microsoft.com/office/drawing/2014/main" id="{4EC9263E-1573-41C0-9889-CE348B2F7886}"/>
                       </a:ext>
                     </a:extLst>
                   </p:cNvPr>
@@ -20109,7 +21377,12 @@
             <p:ph type="title"/>
           </p:nvPr>
         </p:nvSpPr>
-        <p:spPr/>
+        <p:spPr>
+          <a:xfrm>
+            <a:off x="311700" y="253304"/>
+            <a:ext cx="8520600" cy="572700"/>
+          </a:xfrm>
+        </p:spPr>
         <p:txBody>
           <a:bodyPr/>
           <a:lstStyle/>
@@ -20120,9 +21393,17 @@
                   <a:srgbClr val="DD7E6B"/>
                 </a:solidFill>
               </a:rPr>
-              <a:t>Tableau d’avancement</a:t>
-            </a:r>
-            <a:endParaRPr lang="fr-FR" dirty="0"/>
+              <a:t>Spectre de I</a:t>
+            </a:r>
+            <a:r>
+              <a:rPr lang="fr-FR" b="1" baseline="-25000" dirty="0" smtClean="0">
+                <a:solidFill>
+                  <a:srgbClr val="DD7E6B"/>
+                </a:solidFill>
+              </a:rPr>
+              <a:t>2</a:t>
+            </a:r>
+            <a:endParaRPr lang="fr-FR" baseline="-25000" dirty="0"/>
           </a:p>
         </p:txBody>
       </p:sp>
@@ -20153,6 +21434,131 @@
             <a:fld id="{00000000-1234-1234-1234-123412341234}" type="slidenum">
               <a:rPr lang="fr" smtClean="0"/>
               <a:t>8</a:t>
+            </a:fld>
+            <a:endParaRPr lang="fr"/>
+          </a:p>
+        </p:txBody>
+      </p:sp>
+      <p:pic>
+        <p:nvPicPr>
+          <p:cNvPr id="3" name="Image 2" descr="Capture d-ecran -3-.png"/>
+          <p:cNvPicPr>
+            <a:picLocks noChangeAspect="1"/>
+          </p:cNvPicPr>
+          <p:nvPr/>
+        </p:nvPicPr>
+        <p:blipFill rotWithShape="1">
+          <a:blip r:embed="rId2">
+            <a:extLst>
+              <a:ext uri="{28A0092B-C50C-407E-A947-70E740481C1C}">
+                <a14:useLocalDpi xmlns:a14="http://schemas.microsoft.com/office/drawing/2010/main" val="0"/>
+              </a:ext>
+            </a:extLst>
+          </a:blip>
+          <a:srcRect l="11529" t="14212" r="16846" b="20558"/>
+          <a:stretch/>
+        </p:blipFill>
+        <p:spPr>
+          <a:xfrm>
+            <a:off x="610997" y="850759"/>
+            <a:ext cx="5543478" cy="3786479"/>
+          </a:xfrm>
+          <a:prstGeom prst="rect">
+            <a:avLst/>
+          </a:prstGeom>
+        </p:spPr>
+      </p:pic>
+    </p:spTree>
+    <p:extLst>
+      <p:ext uri="{BB962C8B-B14F-4D97-AF65-F5344CB8AC3E}">
+        <p14:creationId xmlns:p14="http://schemas.microsoft.com/office/powerpoint/2010/main" val="3866869082"/>
+      </p:ext>
+    </p:extLst>
+  </p:cSld>
+  <p:clrMapOvr>
+    <a:masterClrMapping/>
+  </p:clrMapOvr>
+  <p:timing>
+    <p:tnLst>
+      <p:par>
+        <p:cTn xmlns:p14="http://schemas.microsoft.com/office/powerpoint/2010/main" id="1" dur="indefinite" restart="never" nodeType="tmRoot"/>
+      </p:par>
+    </p:tnLst>
+  </p:timing>
+</p:sld>
+</file>
+
+<file path=ppt/slides/slide9.xml><?xml version="1.0" encoding="utf-8"?>
+<p:sld xmlns:a="http://schemas.openxmlformats.org/drawingml/2006/main" xmlns:r="http://schemas.openxmlformats.org/officeDocument/2006/relationships" xmlns:p="http://schemas.openxmlformats.org/presentationml/2006/main">
+  <p:cSld>
+    <p:spTree>
+      <p:nvGrpSpPr>
+        <p:cNvPr id="1" name=""/>
+        <p:cNvGrpSpPr/>
+        <p:nvPr/>
+      </p:nvGrpSpPr>
+      <p:grpSpPr>
+        <a:xfrm>
+          <a:off x="0" y="0"/>
+          <a:ext cx="0" cy="0"/>
+          <a:chOff x="0" y="0"/>
+          <a:chExt cx="0" cy="0"/>
+        </a:xfrm>
+      </p:grpSpPr>
+      <p:sp>
+        <p:nvSpPr>
+          <p:cNvPr id="2" name="Titre 1"/>
+          <p:cNvSpPr>
+            <a:spLocks noGrp="1"/>
+          </p:cNvSpPr>
+          <p:nvPr>
+            <p:ph type="title"/>
+          </p:nvPr>
+        </p:nvSpPr>
+        <p:spPr/>
+        <p:txBody>
+          <a:bodyPr/>
+          <a:lstStyle/>
+          <a:p>
+            <a:r>
+              <a:rPr lang="fr-FR" b="1" dirty="0" smtClean="0">
+                <a:solidFill>
+                  <a:srgbClr val="DD7E6B"/>
+                </a:solidFill>
+              </a:rPr>
+              <a:t>Tableau d’avancement</a:t>
+            </a:r>
+            <a:endParaRPr lang="fr-FR" dirty="0"/>
+          </a:p>
+        </p:txBody>
+      </p:sp>
+      <p:sp>
+        <p:nvSpPr>
+          <p:cNvPr id="4" name="Espace réservé du numéro de diapositive 3"/>
+          <p:cNvSpPr>
+            <a:spLocks noGrp="1"/>
+          </p:cNvSpPr>
+          <p:nvPr>
+            <p:ph type="sldNum" idx="12"/>
+          </p:nvPr>
+        </p:nvSpPr>
+        <p:spPr/>
+        <p:txBody>
+          <a:bodyPr/>
+          <a:lstStyle/>
+          <a:p>
+            <a:pPr marL="0" lvl="0" indent="0" algn="r" rtl="0">
+              <a:spcBef>
+                <a:spcPts val="0"/>
+              </a:spcBef>
+              <a:spcAft>
+                <a:spcPts val="0"/>
+              </a:spcAft>
+              <a:buNone/>
+            </a:pPr>
+            <a:fld id="{00000000-1234-1234-1234-123412341234}" type="slidenum">
+              <a:rPr lang="fr" smtClean="0"/>
+              <a:t>9</a:t>
             </a:fld>
             <a:endParaRPr lang="fr"/>
           </a:p>
@@ -21715,1016 +23121,6 @@
 </p:sld>
 </file>
 
-<file path=ppt/slides/slide9.xml><?xml version="1.0" encoding="utf-8"?>
-<p:sld xmlns:a="http://schemas.openxmlformats.org/drawingml/2006/main" xmlns:r="http://schemas.openxmlformats.org/officeDocument/2006/relationships" xmlns:p="http://schemas.openxmlformats.org/presentationml/2006/main">
-  <p:cSld>
-    <p:spTree>
-      <p:nvGrpSpPr>
-        <p:cNvPr id="1" name=""/>
-        <p:cNvGrpSpPr/>
-        <p:nvPr/>
-      </p:nvGrpSpPr>
-      <p:grpSpPr>
-        <a:xfrm>
-          <a:off x="0" y="0"/>
-          <a:ext cx="0" cy="0"/>
-          <a:chOff x="0" y="0"/>
-          <a:chExt cx="0" cy="0"/>
-        </a:xfrm>
-      </p:grpSpPr>
-      <p:pic>
-        <p:nvPicPr>
-          <p:cNvPr id="7" name="Image 6"/>
-          <p:cNvPicPr>
-            <a:picLocks noChangeAspect="1"/>
-          </p:cNvPicPr>
-          <p:nvPr/>
-        </p:nvPicPr>
-        <p:blipFill>
-          <a:blip r:embed="rId3"/>
-          <a:stretch>
-            <a:fillRect/>
-          </a:stretch>
-        </p:blipFill>
-        <p:spPr>
-          <a:xfrm>
-            <a:off x="0" y="3048253"/>
-            <a:ext cx="3063832" cy="1549399"/>
-          </a:xfrm>
-          <a:prstGeom prst="rect">
-            <a:avLst/>
-          </a:prstGeom>
-        </p:spPr>
-      </p:pic>
-      <p:pic>
-        <p:nvPicPr>
-          <p:cNvPr id="5" name="Image 4"/>
-          <p:cNvPicPr>
-            <a:picLocks noChangeAspect="1"/>
-          </p:cNvPicPr>
-          <p:nvPr/>
-        </p:nvPicPr>
-        <p:blipFill>
-          <a:blip r:embed="rId4"/>
-          <a:stretch>
-            <a:fillRect/>
-          </a:stretch>
-        </p:blipFill>
-        <p:spPr>
-          <a:xfrm>
-            <a:off x="3563541" y="2224194"/>
-            <a:ext cx="1320800" cy="2032000"/>
-          </a:xfrm>
-          <a:prstGeom prst="rect">
-            <a:avLst/>
-          </a:prstGeom>
-        </p:spPr>
-      </p:pic>
-      <p:sp>
-        <p:nvSpPr>
-          <p:cNvPr id="2" name="Titre 1"/>
-          <p:cNvSpPr>
-            <a:spLocks noGrp="1"/>
-          </p:cNvSpPr>
-          <p:nvPr>
-            <p:ph type="title"/>
-          </p:nvPr>
-        </p:nvSpPr>
-        <p:spPr>
-          <a:xfrm>
-            <a:off x="311700" y="203725"/>
-            <a:ext cx="8520600" cy="572700"/>
-          </a:xfrm>
-        </p:spPr>
-        <p:txBody>
-          <a:bodyPr/>
-          <a:lstStyle/>
-          <a:p>
-            <a:r>
-              <a:rPr lang="fr-FR" b="1" dirty="0" smtClean="0">
-                <a:solidFill>
-                  <a:srgbClr val="DD7E6B"/>
-                </a:solidFill>
-              </a:rPr>
-              <a:t>Influence de la température sur une réaction </a:t>
-            </a:r>
-            <a:endParaRPr lang="fr-FR" b="1" dirty="0">
-              <a:solidFill>
-                <a:srgbClr val="DD7E6B"/>
-              </a:solidFill>
-            </a:endParaRPr>
-          </a:p>
-        </p:txBody>
-      </p:sp>
-      <p:sp>
-        <p:nvSpPr>
-          <p:cNvPr id="3" name="Espace réservé du texte 2"/>
-          <p:cNvSpPr>
-            <a:spLocks noGrp="1"/>
-          </p:cNvSpPr>
-          <p:nvPr>
-            <p:ph type="body" idx="1"/>
-          </p:nvPr>
-        </p:nvSpPr>
-        <p:spPr>
-          <a:xfrm>
-            <a:off x="311700" y="898475"/>
-            <a:ext cx="8520600" cy="3416400"/>
-          </a:xfrm>
-        </p:spPr>
-        <p:txBody>
-          <a:bodyPr/>
-          <a:lstStyle/>
-          <a:p>
-            <a:pPr marL="114300" indent="0">
-              <a:buNone/>
-            </a:pPr>
-            <a:r>
-              <a:rPr lang="fr" dirty="0">
-                <a:solidFill>
-                  <a:schemeClr val="dk1"/>
-                </a:solidFill>
-                <a:latin typeface="Calibri"/>
-                <a:ea typeface="Calibri"/>
-                <a:cs typeface="Calibri"/>
-                <a:sym typeface="Calibri"/>
-              </a:rPr>
-              <a:t>2 I</a:t>
-            </a:r>
-            <a:r>
-              <a:rPr lang="fr" baseline="30000" dirty="0">
-                <a:solidFill>
-                  <a:schemeClr val="dk1"/>
-                </a:solidFill>
-                <a:latin typeface="Calibri"/>
-                <a:ea typeface="Calibri"/>
-                <a:cs typeface="Calibri"/>
-                <a:sym typeface="Calibri"/>
-              </a:rPr>
-              <a:t>-</a:t>
-            </a:r>
-            <a:r>
-              <a:rPr lang="fr" baseline="-25000" dirty="0">
-                <a:solidFill>
-                  <a:schemeClr val="dk1"/>
-                </a:solidFill>
-                <a:latin typeface="Calibri"/>
-                <a:ea typeface="Calibri"/>
-                <a:cs typeface="Calibri"/>
-                <a:sym typeface="Calibri"/>
-              </a:rPr>
-              <a:t>(aq)</a:t>
-            </a:r>
-            <a:r>
-              <a:rPr lang="fr" dirty="0">
-                <a:solidFill>
-                  <a:schemeClr val="dk1"/>
-                </a:solidFill>
-                <a:latin typeface="Calibri"/>
-                <a:ea typeface="Calibri"/>
-                <a:cs typeface="Calibri"/>
-                <a:sym typeface="Calibri"/>
-              </a:rPr>
-              <a:t> + S</a:t>
-            </a:r>
-            <a:r>
-              <a:rPr lang="fr" baseline="-25000" dirty="0">
-                <a:solidFill>
-                  <a:schemeClr val="dk1"/>
-                </a:solidFill>
-                <a:latin typeface="Calibri"/>
-                <a:ea typeface="Calibri"/>
-                <a:cs typeface="Calibri"/>
-                <a:sym typeface="Calibri"/>
-              </a:rPr>
-              <a:t>2</a:t>
-            </a:r>
-            <a:r>
-              <a:rPr lang="fr" dirty="0">
-                <a:solidFill>
-                  <a:schemeClr val="dk1"/>
-                </a:solidFill>
-                <a:latin typeface="Calibri"/>
-                <a:ea typeface="Calibri"/>
-                <a:cs typeface="Calibri"/>
-                <a:sym typeface="Calibri"/>
-              </a:rPr>
-              <a:t>O</a:t>
-            </a:r>
-            <a:r>
-              <a:rPr lang="fr" baseline="-25000" dirty="0">
-                <a:solidFill>
-                  <a:schemeClr val="dk1"/>
-                </a:solidFill>
-                <a:latin typeface="Calibri"/>
-                <a:ea typeface="Calibri"/>
-                <a:cs typeface="Calibri"/>
-                <a:sym typeface="Calibri"/>
-              </a:rPr>
-              <a:t>8</a:t>
-            </a:r>
-            <a:r>
-              <a:rPr lang="fr" baseline="30000" dirty="0">
-                <a:solidFill>
-                  <a:schemeClr val="dk1"/>
-                </a:solidFill>
-                <a:latin typeface="Calibri"/>
-                <a:ea typeface="Calibri"/>
-                <a:cs typeface="Calibri"/>
-                <a:sym typeface="Calibri"/>
-              </a:rPr>
-              <a:t>2-</a:t>
-            </a:r>
-            <a:r>
-              <a:rPr lang="fr" baseline="-25000" dirty="0">
-                <a:solidFill>
-                  <a:schemeClr val="dk1"/>
-                </a:solidFill>
-                <a:latin typeface="Calibri"/>
-                <a:ea typeface="Calibri"/>
-                <a:cs typeface="Calibri"/>
-                <a:sym typeface="Calibri"/>
-              </a:rPr>
-              <a:t>(aq)</a:t>
-            </a:r>
-            <a:r>
-              <a:rPr lang="fr" dirty="0">
-                <a:solidFill>
-                  <a:schemeClr val="dk1"/>
-                </a:solidFill>
-                <a:latin typeface="Calibri"/>
-                <a:ea typeface="Calibri"/>
-                <a:cs typeface="Calibri"/>
-                <a:sym typeface="Calibri"/>
-              </a:rPr>
-              <a:t>=I</a:t>
-            </a:r>
-            <a:r>
-              <a:rPr lang="fr" baseline="-25000" dirty="0">
-                <a:solidFill>
-                  <a:schemeClr val="dk1"/>
-                </a:solidFill>
-                <a:latin typeface="Calibri"/>
-                <a:ea typeface="Calibri"/>
-                <a:cs typeface="Calibri"/>
-                <a:sym typeface="Calibri"/>
-              </a:rPr>
-              <a:t>2(aq)</a:t>
-            </a:r>
-            <a:r>
-              <a:rPr lang="fr" dirty="0">
-                <a:solidFill>
-                  <a:schemeClr val="dk1"/>
-                </a:solidFill>
-                <a:latin typeface="Calibri"/>
-                <a:ea typeface="Calibri"/>
-                <a:cs typeface="Calibri"/>
-                <a:sym typeface="Calibri"/>
-              </a:rPr>
-              <a:t>+ 2 SO</a:t>
-            </a:r>
-            <a:r>
-              <a:rPr lang="fr" baseline="-25000" dirty="0">
-                <a:solidFill>
-                  <a:schemeClr val="dk1"/>
-                </a:solidFill>
-                <a:latin typeface="Calibri"/>
-                <a:ea typeface="Calibri"/>
-                <a:cs typeface="Calibri"/>
-                <a:sym typeface="Calibri"/>
-              </a:rPr>
-              <a:t>4</a:t>
-            </a:r>
-            <a:r>
-              <a:rPr lang="fr" baseline="30000" dirty="0">
-                <a:solidFill>
-                  <a:schemeClr val="dk1"/>
-                </a:solidFill>
-                <a:latin typeface="Calibri"/>
-                <a:ea typeface="Calibri"/>
-                <a:cs typeface="Calibri"/>
-                <a:sym typeface="Calibri"/>
-              </a:rPr>
-              <a:t>2-</a:t>
-            </a:r>
-            <a:r>
-              <a:rPr lang="fr" baseline="-25000" dirty="0">
-                <a:solidFill>
-                  <a:schemeClr val="dk1"/>
-                </a:solidFill>
-                <a:latin typeface="Calibri"/>
-                <a:ea typeface="Calibri"/>
-                <a:cs typeface="Calibri"/>
-                <a:sym typeface="Calibri"/>
-              </a:rPr>
-              <a:t>(aq) </a:t>
-            </a:r>
-            <a:endParaRPr lang="fr-FR" dirty="0"/>
-          </a:p>
-        </p:txBody>
-      </p:sp>
-      <p:sp>
-        <p:nvSpPr>
-          <p:cNvPr id="4" name="Espace réservé du numéro de diapositive 3"/>
-          <p:cNvSpPr>
-            <a:spLocks noGrp="1"/>
-          </p:cNvSpPr>
-          <p:nvPr>
-            <p:ph type="sldNum" idx="12"/>
-          </p:nvPr>
-        </p:nvSpPr>
-        <p:spPr/>
-        <p:txBody>
-          <a:bodyPr/>
-          <a:lstStyle/>
-          <a:p>
-            <a:pPr marL="0" lvl="0" indent="0" algn="r" rtl="0">
-              <a:spcBef>
-                <a:spcPts val="0"/>
-              </a:spcBef>
-              <a:spcAft>
-                <a:spcPts val="0"/>
-              </a:spcAft>
-              <a:buNone/>
-            </a:pPr>
-            <a:fld id="{00000000-1234-1234-1234-123412341234}" type="slidenum">
-              <a:rPr lang="fr" smtClean="0"/>
-              <a:t>9</a:t>
-            </a:fld>
-            <a:endParaRPr lang="fr"/>
-          </a:p>
-        </p:txBody>
-      </p:sp>
-      <p:pic>
-        <p:nvPicPr>
-          <p:cNvPr id="17" name="Image 16"/>
-          <p:cNvPicPr>
-            <a:picLocks noChangeAspect="1"/>
-          </p:cNvPicPr>
-          <p:nvPr/>
-        </p:nvPicPr>
-        <p:blipFill>
-          <a:blip r:embed="rId4"/>
-          <a:stretch>
-            <a:fillRect/>
-          </a:stretch>
-        </p:blipFill>
-        <p:spPr>
-          <a:xfrm>
-            <a:off x="800100" y="2184653"/>
-            <a:ext cx="1320800" cy="2032000"/>
-          </a:xfrm>
-          <a:prstGeom prst="rect">
-            <a:avLst/>
-          </a:prstGeom>
-        </p:spPr>
-      </p:pic>
-      <p:sp>
-        <p:nvSpPr>
-          <p:cNvPr id="10" name="ZoneTexte 9"/>
-          <p:cNvSpPr txBox="1"/>
-          <p:nvPr/>
-        </p:nvSpPr>
-        <p:spPr>
-          <a:xfrm>
-            <a:off x="3703113" y="4305554"/>
-            <a:ext cx="1014671" cy="307777"/>
-          </a:xfrm>
-          <a:prstGeom prst="rect">
-            <a:avLst/>
-          </a:prstGeom>
-          <a:noFill/>
-        </p:spPr>
-        <p:txBody>
-          <a:bodyPr wrap="none" rtlCol="0">
-            <a:spAutoFit/>
-          </a:bodyPr>
-          <a:lstStyle/>
-          <a:p>
-            <a:r>
-              <a:rPr lang="fr-FR" dirty="0" smtClean="0"/>
-              <a:t>TUBE N°2</a:t>
-            </a:r>
-            <a:endParaRPr lang="fr-FR" dirty="0"/>
-          </a:p>
-        </p:txBody>
-      </p:sp>
-      <p:sp>
-        <p:nvSpPr>
-          <p:cNvPr id="27" name="ZoneTexte 26"/>
-          <p:cNvSpPr txBox="1"/>
-          <p:nvPr/>
-        </p:nvSpPr>
-        <p:spPr>
-          <a:xfrm>
-            <a:off x="958122" y="4312766"/>
-            <a:ext cx="1014671" cy="307777"/>
-          </a:xfrm>
-          <a:prstGeom prst="rect">
-            <a:avLst/>
-          </a:prstGeom>
-          <a:noFill/>
-        </p:spPr>
-        <p:txBody>
-          <a:bodyPr wrap="none" rtlCol="0">
-            <a:spAutoFit/>
-          </a:bodyPr>
-          <a:lstStyle/>
-          <a:p>
-            <a:r>
-              <a:rPr lang="fr-FR" dirty="0" smtClean="0"/>
-              <a:t>TUBE N°1</a:t>
-            </a:r>
-            <a:endParaRPr lang="fr-FR" dirty="0"/>
-          </a:p>
-        </p:txBody>
-      </p:sp>
-      <p:cxnSp>
-        <p:nvCxnSpPr>
-          <p:cNvPr id="9" name="Connecteur droit 8"/>
-          <p:cNvCxnSpPr/>
-          <p:nvPr/>
-        </p:nvCxnSpPr>
-        <p:spPr>
-          <a:xfrm>
-            <a:off x="274320" y="3480053"/>
-            <a:ext cx="949960" cy="0"/>
-          </a:xfrm>
-          <a:prstGeom prst="line">
-            <a:avLst/>
-          </a:prstGeom>
-          <a:ln>
-            <a:solidFill>
-              <a:schemeClr val="tx1"/>
-            </a:solidFill>
-          </a:ln>
-        </p:spPr>
-        <p:style>
-          <a:lnRef idx="2">
-            <a:schemeClr val="accent1"/>
-          </a:lnRef>
-          <a:fillRef idx="0">
-            <a:schemeClr val="accent1"/>
-          </a:fillRef>
-          <a:effectRef idx="1">
-            <a:schemeClr val="accent1"/>
-          </a:effectRef>
-          <a:fontRef idx="minor">
-            <a:schemeClr val="tx1"/>
-          </a:fontRef>
-        </p:style>
-      </p:cxnSp>
-      <p:cxnSp>
-        <p:nvCxnSpPr>
-          <p:cNvPr id="18" name="Connecteur droit 17"/>
-          <p:cNvCxnSpPr/>
-          <p:nvPr/>
-        </p:nvCxnSpPr>
-        <p:spPr>
-          <a:xfrm>
-            <a:off x="1698949" y="3505453"/>
-            <a:ext cx="994525" cy="12700"/>
-          </a:xfrm>
-          <a:prstGeom prst="line">
-            <a:avLst/>
-          </a:prstGeom>
-          <a:ln>
-            <a:solidFill>
-              <a:schemeClr val="tx1"/>
-            </a:solidFill>
-          </a:ln>
-        </p:spPr>
-        <p:style>
-          <a:lnRef idx="2">
-            <a:schemeClr val="accent1"/>
-          </a:lnRef>
-          <a:fillRef idx="0">
-            <a:schemeClr val="accent1"/>
-          </a:fillRef>
-          <a:effectRef idx="1">
-            <a:schemeClr val="accent1"/>
-          </a:effectRef>
-          <a:fontRef idx="minor">
-            <a:schemeClr val="tx1"/>
-          </a:fontRef>
-        </p:style>
-      </p:cxnSp>
-      <p:cxnSp>
-        <p:nvCxnSpPr>
-          <p:cNvPr id="19" name="Connecteur droit avec flèche 18"/>
-          <p:cNvCxnSpPr/>
-          <p:nvPr/>
-        </p:nvCxnSpPr>
-        <p:spPr>
-          <a:xfrm flipH="1">
-            <a:off x="2044700" y="3086353"/>
-            <a:ext cx="355600" cy="584200"/>
-          </a:xfrm>
-          <a:prstGeom prst="straightConnector1">
-            <a:avLst/>
-          </a:prstGeom>
-          <a:ln>
-            <a:tailEnd type="arrow"/>
-          </a:ln>
-        </p:spPr>
-        <p:style>
-          <a:lnRef idx="2">
-            <a:schemeClr val="accent1"/>
-          </a:lnRef>
-          <a:fillRef idx="0">
-            <a:schemeClr val="accent1"/>
-          </a:fillRef>
-          <a:effectRef idx="1">
-            <a:schemeClr val="accent1"/>
-          </a:effectRef>
-          <a:fontRef idx="minor">
-            <a:schemeClr val="tx1"/>
-          </a:fontRef>
-        </p:style>
-      </p:cxnSp>
-      <p:cxnSp>
-        <p:nvCxnSpPr>
-          <p:cNvPr id="24" name="Connecteur droit 23"/>
-          <p:cNvCxnSpPr/>
-          <p:nvPr/>
-        </p:nvCxnSpPr>
-        <p:spPr>
-          <a:xfrm>
-            <a:off x="2400300" y="3073653"/>
-            <a:ext cx="381000" cy="0"/>
-          </a:xfrm>
-          <a:prstGeom prst="line">
-            <a:avLst/>
-          </a:prstGeom>
-        </p:spPr>
-        <p:style>
-          <a:lnRef idx="2">
-            <a:schemeClr val="accent1"/>
-          </a:lnRef>
-          <a:fillRef idx="0">
-            <a:schemeClr val="accent1"/>
-          </a:fillRef>
-          <a:effectRef idx="1">
-            <a:schemeClr val="accent1"/>
-          </a:effectRef>
-          <a:fontRef idx="minor">
-            <a:schemeClr val="tx1"/>
-          </a:fontRef>
-        </p:style>
-      </p:cxnSp>
-      <p:grpSp>
-        <p:nvGrpSpPr>
-          <p:cNvPr id="28" name="Grouper 27"/>
-          <p:cNvGrpSpPr/>
-          <p:nvPr/>
-        </p:nvGrpSpPr>
-        <p:grpSpPr>
-          <a:xfrm>
-            <a:off x="5382835" y="2193180"/>
-            <a:ext cx="3063832" cy="2412999"/>
-            <a:chOff x="5448300" y="2336800"/>
-            <a:chExt cx="3063832" cy="2412999"/>
-          </a:xfrm>
-        </p:grpSpPr>
-        <p:pic>
-          <p:nvPicPr>
-            <p:cNvPr id="31" name="Image 30"/>
-            <p:cNvPicPr>
-              <a:picLocks noChangeAspect="1"/>
-            </p:cNvPicPr>
-            <p:nvPr/>
-          </p:nvPicPr>
-          <p:blipFill>
-            <a:blip r:embed="rId3"/>
-            <a:stretch>
-              <a:fillRect/>
-            </a:stretch>
-          </p:blipFill>
-          <p:spPr>
-            <a:xfrm>
-              <a:off x="5448300" y="3200400"/>
-              <a:ext cx="3063832" cy="1549399"/>
-            </a:xfrm>
-            <a:prstGeom prst="rect">
-              <a:avLst/>
-            </a:prstGeom>
-          </p:spPr>
-        </p:pic>
-        <p:pic>
-          <p:nvPicPr>
-            <p:cNvPr id="32" name="Image 31"/>
-            <p:cNvPicPr>
-              <a:picLocks noChangeAspect="1"/>
-            </p:cNvPicPr>
-            <p:nvPr/>
-          </p:nvPicPr>
-          <p:blipFill>
-            <a:blip r:embed="rId4"/>
-            <a:stretch>
-              <a:fillRect/>
-            </a:stretch>
-          </p:blipFill>
-          <p:spPr>
-            <a:xfrm>
-              <a:off x="6248400" y="2336800"/>
-              <a:ext cx="1320800" cy="2032000"/>
-            </a:xfrm>
-            <a:prstGeom prst="rect">
-              <a:avLst/>
-            </a:prstGeom>
-          </p:spPr>
-        </p:pic>
-        <p:cxnSp>
-          <p:nvCxnSpPr>
-            <p:cNvPr id="33" name="Connecteur droit 32"/>
-            <p:cNvCxnSpPr/>
-            <p:nvPr/>
-          </p:nvCxnSpPr>
-          <p:spPr>
-            <a:xfrm>
-              <a:off x="5722620" y="3632200"/>
-              <a:ext cx="949960" cy="0"/>
-            </a:xfrm>
-            <a:prstGeom prst="line">
-              <a:avLst/>
-            </a:prstGeom>
-            <a:ln>
-              <a:solidFill>
-                <a:schemeClr val="tx1"/>
-              </a:solidFill>
-            </a:ln>
-          </p:spPr>
-          <p:style>
-            <a:lnRef idx="2">
-              <a:schemeClr val="accent1"/>
-            </a:lnRef>
-            <a:fillRef idx="0">
-              <a:schemeClr val="accent1"/>
-            </a:fillRef>
-            <a:effectRef idx="1">
-              <a:schemeClr val="accent1"/>
-            </a:effectRef>
-            <a:fontRef idx="minor">
-              <a:schemeClr val="tx1"/>
-            </a:fontRef>
-          </p:style>
-        </p:cxnSp>
-        <p:cxnSp>
-          <p:nvCxnSpPr>
-            <p:cNvPr id="35" name="Connecteur droit 34"/>
-            <p:cNvCxnSpPr/>
-            <p:nvPr/>
-          </p:nvCxnSpPr>
-          <p:spPr>
-            <a:xfrm>
-              <a:off x="7147249" y="3657600"/>
-              <a:ext cx="994525" cy="12700"/>
-            </a:xfrm>
-            <a:prstGeom prst="line">
-              <a:avLst/>
-            </a:prstGeom>
-            <a:ln>
-              <a:solidFill>
-                <a:schemeClr val="tx1"/>
-              </a:solidFill>
-            </a:ln>
-          </p:spPr>
-          <p:style>
-            <a:lnRef idx="2">
-              <a:schemeClr val="accent1"/>
-            </a:lnRef>
-            <a:fillRef idx="0">
-              <a:schemeClr val="accent1"/>
-            </a:fillRef>
-            <a:effectRef idx="1">
-              <a:schemeClr val="accent1"/>
-            </a:effectRef>
-            <a:fontRef idx="minor">
-              <a:schemeClr val="tx1"/>
-            </a:fontRef>
-          </p:style>
-        </p:cxnSp>
-        <p:cxnSp>
-          <p:nvCxnSpPr>
-            <p:cNvPr id="36" name="Connecteur droit avec flèche 35"/>
-            <p:cNvCxnSpPr/>
-            <p:nvPr/>
-          </p:nvCxnSpPr>
-          <p:spPr>
-            <a:xfrm flipH="1">
-              <a:off x="7335884" y="3238500"/>
-              <a:ext cx="355600" cy="584200"/>
-            </a:xfrm>
-            <a:prstGeom prst="straightConnector1">
-              <a:avLst/>
-            </a:prstGeom>
-            <a:ln>
-              <a:tailEnd type="arrow"/>
-            </a:ln>
-          </p:spPr>
-          <p:style>
-            <a:lnRef idx="2">
-              <a:schemeClr val="accent1"/>
-            </a:lnRef>
-            <a:fillRef idx="0">
-              <a:schemeClr val="accent1"/>
-            </a:fillRef>
-            <a:effectRef idx="1">
-              <a:schemeClr val="accent1"/>
-            </a:effectRef>
-            <a:fontRef idx="minor">
-              <a:schemeClr val="tx1"/>
-            </a:fontRef>
-          </p:style>
-        </p:cxnSp>
-        <p:cxnSp>
-          <p:nvCxnSpPr>
-            <p:cNvPr id="37" name="Connecteur droit 36"/>
-            <p:cNvCxnSpPr/>
-            <p:nvPr/>
-          </p:nvCxnSpPr>
-          <p:spPr>
-            <a:xfrm>
-              <a:off x="7691484" y="3225800"/>
-              <a:ext cx="381000" cy="0"/>
-            </a:xfrm>
-            <a:prstGeom prst="line">
-              <a:avLst/>
-            </a:prstGeom>
-          </p:spPr>
-          <p:style>
-            <a:lnRef idx="2">
-              <a:schemeClr val="accent1"/>
-            </a:lnRef>
-            <a:fillRef idx="0">
-              <a:schemeClr val="accent1"/>
-            </a:fillRef>
-            <a:effectRef idx="1">
-              <a:schemeClr val="accent1"/>
-            </a:effectRef>
-            <a:fontRef idx="minor">
-              <a:schemeClr val="tx1"/>
-            </a:fontRef>
-          </p:style>
-        </p:cxnSp>
-      </p:grpSp>
-      <p:sp>
-        <p:nvSpPr>
-          <p:cNvPr id="38" name="ZoneTexte 37"/>
-          <p:cNvSpPr txBox="1"/>
-          <p:nvPr/>
-        </p:nvSpPr>
-        <p:spPr>
-          <a:xfrm>
-            <a:off x="8033788" y="2878980"/>
-            <a:ext cx="1236237" cy="523220"/>
-          </a:xfrm>
-          <a:prstGeom prst="rect">
-            <a:avLst/>
-          </a:prstGeom>
-          <a:noFill/>
-        </p:spPr>
-        <p:txBody>
-          <a:bodyPr wrap="square" rtlCol="0">
-            <a:spAutoFit/>
-          </a:bodyPr>
-          <a:lstStyle/>
-          <a:p>
-            <a:r>
-              <a:rPr lang="fr-FR" dirty="0" smtClean="0"/>
-              <a:t>Bain </a:t>
-            </a:r>
-            <a:r>
-              <a:rPr lang="fr-FR" dirty="0" err="1" smtClean="0"/>
-              <a:t>thermostaté</a:t>
-            </a:r>
-            <a:endParaRPr lang="fr-FR" dirty="0"/>
-          </a:p>
-        </p:txBody>
-      </p:sp>
-      <p:sp>
-        <p:nvSpPr>
-          <p:cNvPr id="34" name="ZoneTexte 33"/>
-          <p:cNvSpPr txBox="1"/>
-          <p:nvPr/>
-        </p:nvSpPr>
-        <p:spPr>
-          <a:xfrm>
-            <a:off x="4699000" y="874340"/>
-            <a:ext cx="2616200" cy="1384995"/>
-          </a:xfrm>
-          <a:prstGeom prst="rect">
-            <a:avLst/>
-          </a:prstGeom>
-          <a:noFill/>
-          <a:ln>
-            <a:solidFill>
-              <a:schemeClr val="accent2"/>
-            </a:solidFill>
-          </a:ln>
-        </p:spPr>
-        <p:txBody>
-          <a:bodyPr wrap="square" rtlCol="0">
-            <a:spAutoFit/>
-          </a:bodyPr>
-          <a:lstStyle/>
-          <a:p>
-            <a:r>
-              <a:rPr lang="fr-FR" dirty="0" smtClean="0"/>
-              <a:t>Préparation du mélange réactionnel initial:</a:t>
-            </a:r>
-          </a:p>
-          <a:p>
-            <a:pPr marL="285750" indent="-285750">
-              <a:buFont typeface="Arial"/>
-              <a:buChar char="•"/>
-            </a:pPr>
-            <a:r>
-              <a:rPr lang="fr-FR" dirty="0" smtClean="0">
-                <a:solidFill>
-                  <a:schemeClr val="tx1"/>
-                </a:solidFill>
-              </a:rPr>
-              <a:t>Eau distillée (tube à essai à mi hauteur) 10mL </a:t>
-            </a:r>
-          </a:p>
-          <a:p>
-            <a:pPr marL="285750" indent="-285750">
-              <a:buFont typeface="Arial"/>
-              <a:buChar char="•"/>
-            </a:pPr>
-            <a:r>
-              <a:rPr lang="fr-FR" dirty="0" smtClean="0"/>
-              <a:t>1mL de KI à 0,1 mol/L</a:t>
-            </a:r>
-          </a:p>
-          <a:p>
-            <a:pPr marL="285750" indent="-285750">
-              <a:buFont typeface="Arial"/>
-              <a:buChar char="•"/>
-            </a:pPr>
-            <a:r>
-              <a:rPr lang="fr-FR" dirty="0" smtClean="0"/>
-              <a:t>1mL de </a:t>
-            </a:r>
-            <a:r>
-              <a:rPr lang="fr-FR" dirty="0" smtClean="0"/>
-              <a:t>K</a:t>
-            </a:r>
-            <a:r>
-              <a:rPr lang="fr-FR" baseline="-25000" dirty="0" smtClean="0"/>
-              <a:t>2</a:t>
-            </a:r>
-            <a:r>
-              <a:rPr lang="fr-FR" dirty="0" smtClean="0"/>
-              <a:t>S</a:t>
-            </a:r>
-            <a:r>
-              <a:rPr lang="fr-FR" baseline="-25000" dirty="0" smtClean="0"/>
-              <a:t>2</a:t>
-            </a:r>
-            <a:r>
-              <a:rPr lang="fr-FR" dirty="0" smtClean="0"/>
-              <a:t>O</a:t>
-            </a:r>
-            <a:r>
-              <a:rPr lang="fr-FR" baseline="-25000" dirty="0" smtClean="0"/>
-              <a:t>8 </a:t>
-            </a:r>
-            <a:r>
-              <a:rPr lang="fr-FR" dirty="0" smtClean="0"/>
-              <a:t>à 0,1 mol/L</a:t>
-            </a:r>
-            <a:endParaRPr lang="fr-FR" baseline="-25000" dirty="0"/>
-          </a:p>
-        </p:txBody>
-      </p:sp>
-      <p:sp>
-        <p:nvSpPr>
-          <p:cNvPr id="39" name="ZoneTexte 38"/>
-          <p:cNvSpPr txBox="1"/>
-          <p:nvPr/>
-        </p:nvSpPr>
-        <p:spPr>
-          <a:xfrm>
-            <a:off x="6440842" y="4321686"/>
-            <a:ext cx="1014671" cy="307777"/>
-          </a:xfrm>
-          <a:prstGeom prst="rect">
-            <a:avLst/>
-          </a:prstGeom>
-          <a:noFill/>
-        </p:spPr>
-        <p:txBody>
-          <a:bodyPr wrap="none" rtlCol="0">
-            <a:spAutoFit/>
-          </a:bodyPr>
-          <a:lstStyle/>
-          <a:p>
-            <a:r>
-              <a:rPr lang="fr-FR" dirty="0" smtClean="0"/>
-              <a:t>TUBE N°3</a:t>
-            </a:r>
-            <a:endParaRPr lang="fr-FR" dirty="0"/>
-          </a:p>
-        </p:txBody>
-      </p:sp>
-      <p:sp>
-        <p:nvSpPr>
-          <p:cNvPr id="40" name="Trapèze 39"/>
-          <p:cNvSpPr/>
-          <p:nvPr/>
-        </p:nvSpPr>
-        <p:spPr>
-          <a:xfrm rot="10800000">
-            <a:off x="6559719" y="2422010"/>
-            <a:ext cx="536824" cy="458219"/>
-          </a:xfrm>
-          <a:prstGeom prst="trapezoid">
-            <a:avLst/>
-          </a:prstGeom>
-          <a:solidFill>
-            <a:srgbClr val="FFFFFF"/>
-          </a:solidFill>
-          <a:ln>
-            <a:solidFill>
-              <a:srgbClr val="000000"/>
-            </a:solidFill>
-          </a:ln>
-        </p:spPr>
-        <p:style>
-          <a:lnRef idx="1">
-            <a:schemeClr val="accent1"/>
-          </a:lnRef>
-          <a:fillRef idx="3">
-            <a:schemeClr val="accent1"/>
-          </a:fillRef>
-          <a:effectRef idx="2">
-            <a:schemeClr val="accent1"/>
-          </a:effectRef>
-          <a:fontRef idx="minor">
-            <a:schemeClr val="lt1"/>
-          </a:fontRef>
-        </p:style>
-        <p:txBody>
-          <a:bodyPr rtlCol="0" anchor="ctr"/>
-          <a:lstStyle/>
-          <a:p>
-            <a:pPr algn="ctr"/>
-            <a:endParaRPr lang="fr-FR"/>
-          </a:p>
-        </p:txBody>
-      </p:sp>
-      <p:sp>
-        <p:nvSpPr>
-          <p:cNvPr id="26" name="ZoneTexte 25"/>
-          <p:cNvSpPr txBox="1"/>
-          <p:nvPr/>
-        </p:nvSpPr>
-        <p:spPr>
-          <a:xfrm>
-            <a:off x="2819400" y="2933953"/>
-            <a:ext cx="653670" cy="307777"/>
-          </a:xfrm>
-          <a:prstGeom prst="rect">
-            <a:avLst/>
-          </a:prstGeom>
-          <a:noFill/>
-        </p:spPr>
-        <p:txBody>
-          <a:bodyPr wrap="none" rtlCol="0">
-            <a:spAutoFit/>
-          </a:bodyPr>
-          <a:lstStyle/>
-          <a:p>
-            <a:r>
-              <a:rPr lang="fr-FR" dirty="0" smtClean="0"/>
-              <a:t>Glace</a:t>
-            </a:r>
-            <a:endParaRPr lang="fr-FR" dirty="0"/>
-          </a:p>
-        </p:txBody>
-      </p:sp>
-    </p:spTree>
-    <p:extLst>
-      <p:ext uri="{BB962C8B-B14F-4D97-AF65-F5344CB8AC3E}">
-        <p14:creationId xmlns:p14="http://schemas.microsoft.com/office/powerpoint/2010/main" val="2492805109"/>
-      </p:ext>
-    </p:extLst>
-  </p:cSld>
-  <p:clrMapOvr>
-    <a:masterClrMapping/>
-  </p:clrMapOvr>
-  <p:timing>
-    <p:tnLst>
-      <p:par>
-        <p:cTn xmlns:p14="http://schemas.microsoft.com/office/powerpoint/2010/main" id="1" dur="indefinite" restart="never" nodeType="tmRoot"/>
-      </p:par>
-    </p:tnLst>
-  </p:timing>
-</p:sld>
-</file>
-
 <file path=ppt/theme/theme1.xml><?xml version="1.0" encoding="utf-8"?>
 <a:theme xmlns:a="http://schemas.openxmlformats.org/drawingml/2006/main" name="Simple Light">
   <a:themeElements>
